--- a/Kshamata.pptx
+++ b/Kshamata.pptx
@@ -67,17 +67,17 @@
           <a:noFill/>
         </a:ln>
         <a:solidFill>
-          <a:srgbClr val="4285F4"/>
+          <a:srgbClr val="37474F"/>
         </a:solidFill>
         <a:effectLst/>
         <a:uFillTx/>
-        <a:latin typeface="+mj-lt"/>
-        <a:ea typeface="+mj-ea"/>
-        <a:cs typeface="+mj-cs"/>
-        <a:sym typeface="Arial"/>
+        <a:latin typeface="+mn-lt"/>
+        <a:ea typeface="+mn-ea"/>
+        <a:cs typeface="+mn-cs"/>
+        <a:sym typeface="Helvetica"/>
       </a:defRPr>
     </a:lvl1pPr>
-    <a:lvl2pPr marL="0" marR="0" indent="457200" algn="l" defTabSz="914400" rtl="0" fontAlgn="auto" latinLnBrk="0" hangingPunct="0">
+    <a:lvl2pPr marL="0" marR="0" indent="0" algn="l" defTabSz="914400" rtl="0" fontAlgn="auto" latinLnBrk="0" hangingPunct="0">
       <a:lnSpc>
         <a:spcPct val="100000"/>
       </a:lnSpc>
@@ -97,17 +97,17 @@
           <a:noFill/>
         </a:ln>
         <a:solidFill>
-          <a:srgbClr val="4285F4"/>
+          <a:srgbClr val="37474F"/>
         </a:solidFill>
         <a:effectLst/>
         <a:uFillTx/>
-        <a:latin typeface="+mj-lt"/>
-        <a:ea typeface="+mj-ea"/>
-        <a:cs typeface="+mj-cs"/>
-        <a:sym typeface="Arial"/>
+        <a:latin typeface="+mn-lt"/>
+        <a:ea typeface="+mn-ea"/>
+        <a:cs typeface="+mn-cs"/>
+        <a:sym typeface="Helvetica"/>
       </a:defRPr>
     </a:lvl2pPr>
-    <a:lvl3pPr marL="0" marR="0" indent="914400" algn="l" defTabSz="914400" rtl="0" fontAlgn="auto" latinLnBrk="0" hangingPunct="0">
+    <a:lvl3pPr marL="0" marR="0" indent="0" algn="l" defTabSz="914400" rtl="0" fontAlgn="auto" latinLnBrk="0" hangingPunct="0">
       <a:lnSpc>
         <a:spcPct val="100000"/>
       </a:lnSpc>
@@ -127,17 +127,17 @@
           <a:noFill/>
         </a:ln>
         <a:solidFill>
-          <a:srgbClr val="4285F4"/>
+          <a:srgbClr val="37474F"/>
         </a:solidFill>
         <a:effectLst/>
         <a:uFillTx/>
-        <a:latin typeface="+mj-lt"/>
-        <a:ea typeface="+mj-ea"/>
-        <a:cs typeface="+mj-cs"/>
-        <a:sym typeface="Arial"/>
+        <a:latin typeface="+mn-lt"/>
+        <a:ea typeface="+mn-ea"/>
+        <a:cs typeface="+mn-cs"/>
+        <a:sym typeface="Helvetica"/>
       </a:defRPr>
     </a:lvl3pPr>
-    <a:lvl4pPr marL="0" marR="0" indent="1371600" algn="l" defTabSz="914400" rtl="0" fontAlgn="auto" latinLnBrk="0" hangingPunct="0">
+    <a:lvl4pPr marL="0" marR="0" indent="0" algn="l" defTabSz="914400" rtl="0" fontAlgn="auto" latinLnBrk="0" hangingPunct="0">
       <a:lnSpc>
         <a:spcPct val="100000"/>
       </a:lnSpc>
@@ -157,17 +157,17 @@
           <a:noFill/>
         </a:ln>
         <a:solidFill>
-          <a:srgbClr val="4285F4"/>
+          <a:srgbClr val="37474F"/>
         </a:solidFill>
         <a:effectLst/>
         <a:uFillTx/>
-        <a:latin typeface="+mj-lt"/>
-        <a:ea typeface="+mj-ea"/>
-        <a:cs typeface="+mj-cs"/>
-        <a:sym typeface="Arial"/>
+        <a:latin typeface="+mn-lt"/>
+        <a:ea typeface="+mn-ea"/>
+        <a:cs typeface="+mn-cs"/>
+        <a:sym typeface="Helvetica"/>
       </a:defRPr>
     </a:lvl4pPr>
-    <a:lvl5pPr marL="0" marR="0" indent="1828800" algn="l" defTabSz="914400" rtl="0" fontAlgn="auto" latinLnBrk="0" hangingPunct="0">
+    <a:lvl5pPr marL="0" marR="0" indent="0" algn="l" defTabSz="914400" rtl="0" fontAlgn="auto" latinLnBrk="0" hangingPunct="0">
       <a:lnSpc>
         <a:spcPct val="100000"/>
       </a:lnSpc>
@@ -187,14 +187,14 @@
           <a:noFill/>
         </a:ln>
         <a:solidFill>
-          <a:srgbClr val="4285F4"/>
+          <a:srgbClr val="37474F"/>
         </a:solidFill>
         <a:effectLst/>
         <a:uFillTx/>
-        <a:latin typeface="+mj-lt"/>
-        <a:ea typeface="+mj-ea"/>
-        <a:cs typeface="+mj-cs"/>
-        <a:sym typeface="Arial"/>
+        <a:latin typeface="+mn-lt"/>
+        <a:ea typeface="+mn-ea"/>
+        <a:cs typeface="+mn-cs"/>
+        <a:sym typeface="Helvetica"/>
       </a:defRPr>
     </a:lvl5pPr>
     <a:lvl6pPr marL="0" marR="0" indent="0" algn="l" defTabSz="914400" rtl="0" fontAlgn="auto" latinLnBrk="0" hangingPunct="0">
@@ -217,14 +217,14 @@
           <a:noFill/>
         </a:ln>
         <a:solidFill>
-          <a:srgbClr val="4285F4"/>
+          <a:srgbClr val="37474F"/>
         </a:solidFill>
         <a:effectLst/>
         <a:uFillTx/>
-        <a:latin typeface="+mj-lt"/>
-        <a:ea typeface="+mj-ea"/>
-        <a:cs typeface="+mj-cs"/>
-        <a:sym typeface="Arial"/>
+        <a:latin typeface="+mn-lt"/>
+        <a:ea typeface="+mn-ea"/>
+        <a:cs typeface="+mn-cs"/>
+        <a:sym typeface="Helvetica"/>
       </a:defRPr>
     </a:lvl6pPr>
     <a:lvl7pPr marL="0" marR="0" indent="0" algn="l" defTabSz="914400" rtl="0" fontAlgn="auto" latinLnBrk="0" hangingPunct="0">
@@ -247,14 +247,14 @@
           <a:noFill/>
         </a:ln>
         <a:solidFill>
-          <a:srgbClr val="4285F4"/>
+          <a:srgbClr val="37474F"/>
         </a:solidFill>
         <a:effectLst/>
         <a:uFillTx/>
-        <a:latin typeface="+mj-lt"/>
-        <a:ea typeface="+mj-ea"/>
-        <a:cs typeface="+mj-cs"/>
-        <a:sym typeface="Arial"/>
+        <a:latin typeface="+mn-lt"/>
+        <a:ea typeface="+mn-ea"/>
+        <a:cs typeface="+mn-cs"/>
+        <a:sym typeface="Helvetica"/>
       </a:defRPr>
     </a:lvl7pPr>
     <a:lvl8pPr marL="0" marR="0" indent="0" algn="l" defTabSz="914400" rtl="0" fontAlgn="auto" latinLnBrk="0" hangingPunct="0">
@@ -277,14 +277,14 @@
           <a:noFill/>
         </a:ln>
         <a:solidFill>
-          <a:srgbClr val="4285F4"/>
+          <a:srgbClr val="37474F"/>
         </a:solidFill>
         <a:effectLst/>
         <a:uFillTx/>
-        <a:latin typeface="+mj-lt"/>
-        <a:ea typeface="+mj-ea"/>
-        <a:cs typeface="+mj-cs"/>
-        <a:sym typeface="Arial"/>
+        <a:latin typeface="+mn-lt"/>
+        <a:ea typeface="+mn-ea"/>
+        <a:cs typeface="+mn-cs"/>
+        <a:sym typeface="Helvetica"/>
       </a:defRPr>
     </a:lvl8pPr>
     <a:lvl9pPr marL="0" marR="0" indent="0" algn="l" defTabSz="914400" rtl="0" fontAlgn="auto" latinLnBrk="0" hangingPunct="0">
@@ -307,14 +307,14 @@
           <a:noFill/>
         </a:ln>
         <a:solidFill>
-          <a:srgbClr val="4285F4"/>
+          <a:srgbClr val="37474F"/>
         </a:solidFill>
         <a:effectLst/>
         <a:uFillTx/>
-        <a:latin typeface="+mj-lt"/>
-        <a:ea typeface="+mj-ea"/>
-        <a:cs typeface="+mj-cs"/>
-        <a:sym typeface="Arial"/>
+        <a:latin typeface="+mn-lt"/>
+        <a:ea typeface="+mn-ea"/>
+        <a:cs typeface="+mn-cs"/>
+        <a:sym typeface="Helvetica"/>
       </a:defRPr>
     </a:lvl9pPr>
   </p:defaultTextStyle>
@@ -534,7 +534,7 @@
         <p:spPr>
           <a:xfrm>
             <a:off x="471487" y="738187"/>
-            <a:ext cx="8223251" cy="768351"/>
+            <a:ext cx="8223251" cy="768352"/>
           </a:xfrm>
           <a:prstGeom prst="rect">
             <a:avLst/>
@@ -561,8 +561,8 @@
         </p:nvSpPr>
         <p:spPr>
           <a:xfrm>
-            <a:off x="471487" y="1919287"/>
-            <a:ext cx="8223251" cy="2709863"/>
+            <a:off x="471487" y="1919286"/>
+            <a:ext cx="8223251" cy="2709864"/>
           </a:xfrm>
           <a:prstGeom prst="rect">
             <a:avLst/>
@@ -613,8 +613,8 @@
         </p:nvSpPr>
         <p:spPr>
           <a:xfrm>
-            <a:off x="8734385" y="4731400"/>
-            <a:ext cx="338178" cy="322550"/>
+            <a:off x="8734387" y="4731400"/>
+            <a:ext cx="338176" cy="322549"/>
           </a:xfrm>
           <a:prstGeom prst="rect">
             <a:avLst/>
@@ -682,8 +682,8 @@
         </p:nvSpPr>
         <p:spPr>
           <a:xfrm flipH="1">
-            <a:off x="-1" y="-1"/>
-            <a:ext cx="4572002" cy="5143502"/>
+            <a:off x="-2" y="-1"/>
+            <a:ext cx="4572003" cy="5143502"/>
           </a:xfrm>
           <a:prstGeom prst="rect">
             <a:avLst/>
@@ -696,7 +696,7 @@
           </a:ln>
         </p:spPr>
         <p:txBody>
-          <a:bodyPr lIns="45719" rIns="45719" anchor="ctr"/>
+          <a:bodyPr lIns="45718" tIns="45718" rIns="45718" bIns="45718" anchor="ctr"/>
           <a:lstStyle/>
           <a:p>
             <a:pPr>
@@ -704,6 +704,10 @@
                 <a:solidFill>
                   <a:srgbClr val="000000"/>
                 </a:solidFill>
+                <a:latin typeface="+mj-lt"/>
+                <a:ea typeface="+mj-ea"/>
+                <a:cs typeface="+mj-cs"/>
+                <a:sym typeface="Arial"/>
               </a:defRPr>
             </a:pPr>
           </a:p>
@@ -718,7 +722,7 @@
         <p:spPr>
           <a:xfrm rot="5400000">
             <a:off x="1946274" y="2517775"/>
-            <a:ext cx="5143502" cy="107950"/>
+            <a:ext cx="5143502" cy="107951"/>
           </a:xfrm>
           <a:prstGeom prst="rect">
             <a:avLst/>
@@ -731,7 +735,7 @@
               <a:gs pos="19999">
                 <a:srgbClr val="DEDEDE"/>
               </a:gs>
-              <a:gs pos="63999">
+              <a:gs pos="63998">
                 <a:srgbClr val="F9F9F9"/>
               </a:gs>
               <a:gs pos="100000">
@@ -745,7 +749,7 @@
           </a:ln>
         </p:spPr>
         <p:txBody>
-          <a:bodyPr lIns="45719" rIns="45719" anchor="ctr"/>
+          <a:bodyPr lIns="45718" tIns="45718" rIns="45718" bIns="45718" anchor="ctr"/>
           <a:lstStyle/>
           <a:p>
             <a:pPr>
@@ -753,6 +757,10 @@
                 <a:solidFill>
                   <a:srgbClr val="000000"/>
                 </a:solidFill>
+                <a:latin typeface="+mj-lt"/>
+                <a:ea typeface="+mj-ea"/>
+                <a:cs typeface="+mj-cs"/>
+                <a:sym typeface="Arial"/>
               </a:defRPr>
             </a:pPr>
           </a:p>
@@ -768,8 +776,8 @@
         </p:nvSpPr>
         <p:spPr>
           <a:xfrm>
-            <a:off x="8523287" y="4702558"/>
-            <a:ext cx="393319" cy="380234"/>
+            <a:off x="8523286" y="4702559"/>
+            <a:ext cx="393317" cy="380232"/>
           </a:xfrm>
           <a:prstGeom prst="rect">
             <a:avLst/>
@@ -837,8 +845,8 @@
         </p:nvSpPr>
         <p:spPr>
           <a:xfrm flipH="1" rot="10800000">
-            <a:off x="-1" y="0"/>
-            <a:ext cx="9144002" cy="4695825"/>
+            <a:off x="-2" y="0"/>
+            <a:ext cx="9144004" cy="4695825"/>
           </a:xfrm>
           <a:prstGeom prst="rect">
             <a:avLst/>
@@ -851,7 +859,7 @@
           </a:ln>
         </p:spPr>
         <p:txBody>
-          <a:bodyPr lIns="45719" rIns="45719" anchor="ctr"/>
+          <a:bodyPr lIns="45718" tIns="45718" rIns="45718" bIns="45718" anchor="ctr"/>
           <a:lstStyle/>
           <a:p>
             <a:pPr>
@@ -859,6 +867,10 @@
                 <a:solidFill>
                   <a:srgbClr val="000000"/>
                 </a:solidFill>
+                <a:latin typeface="+mj-lt"/>
+                <a:ea typeface="+mj-ea"/>
+                <a:cs typeface="+mj-cs"/>
+                <a:sym typeface="Arial"/>
               </a:defRPr>
             </a:pPr>
           </a:p>
@@ -872,8 +884,8 @@
         </p:nvSpPr>
         <p:spPr>
           <a:xfrm flipH="1" rot="10800000">
-            <a:off x="-1" y="4622800"/>
-            <a:ext cx="9144002" cy="74613"/>
+            <a:off x="-2" y="4622800"/>
+            <a:ext cx="9144004" cy="74614"/>
           </a:xfrm>
           <a:prstGeom prst="rect">
             <a:avLst/>
@@ -886,7 +898,7 @@
               <a:gs pos="19999">
                 <a:srgbClr val="DEDEDE"/>
               </a:gs>
-              <a:gs pos="63999">
+              <a:gs pos="63998">
                 <a:srgbClr val="F9F9F9"/>
               </a:gs>
               <a:gs pos="100000">
@@ -900,7 +912,7 @@
           </a:ln>
         </p:spPr>
         <p:txBody>
-          <a:bodyPr lIns="45719" rIns="45719" anchor="ctr"/>
+          <a:bodyPr lIns="45718" tIns="45718" rIns="45718" bIns="45718" anchor="ctr"/>
           <a:lstStyle/>
           <a:p>
             <a:pPr>
@@ -908,6 +920,10 @@
                 <a:solidFill>
                   <a:srgbClr val="000000"/>
                 </a:solidFill>
+                <a:latin typeface="+mj-lt"/>
+                <a:ea typeface="+mj-ea"/>
+                <a:cs typeface="+mj-cs"/>
+                <a:sym typeface="Arial"/>
               </a:defRPr>
             </a:pPr>
           </a:p>
@@ -924,7 +940,7 @@
         <p:spPr>
           <a:xfrm>
             <a:off x="471487" y="738187"/>
-            <a:ext cx="8223251" cy="768351"/>
+            <a:ext cx="8223251" cy="768352"/>
           </a:xfrm>
           <a:prstGeom prst="rect">
             <a:avLst/>
@@ -951,8 +967,8 @@
         </p:nvSpPr>
         <p:spPr>
           <a:xfrm>
-            <a:off x="471487" y="1919287"/>
-            <a:ext cx="8223251" cy="2709863"/>
+            <a:off x="471487" y="1919286"/>
+            <a:ext cx="8223251" cy="2709864"/>
           </a:xfrm>
           <a:prstGeom prst="rect">
             <a:avLst/>
@@ -1003,8 +1019,8 @@
         </p:nvSpPr>
         <p:spPr>
           <a:xfrm>
-            <a:off x="8523287" y="4702558"/>
-            <a:ext cx="393319" cy="380234"/>
+            <a:off x="8523286" y="4702559"/>
+            <a:ext cx="393317" cy="380232"/>
           </a:xfrm>
           <a:prstGeom prst="rect">
             <a:avLst/>
@@ -1075,7 +1091,7 @@
         <p:spPr>
           <a:xfrm>
             <a:off x="471487" y="738187"/>
-            <a:ext cx="8223251" cy="768351"/>
+            <a:ext cx="8223251" cy="768352"/>
           </a:xfrm>
           <a:prstGeom prst="rect">
             <a:avLst/>
@@ -1102,8 +1118,8 @@
         </p:nvSpPr>
         <p:spPr>
           <a:xfrm>
-            <a:off x="471487" y="1919287"/>
-            <a:ext cx="8223251" cy="2709863"/>
+            <a:off x="471487" y="1919286"/>
+            <a:ext cx="8223251" cy="2709864"/>
           </a:xfrm>
           <a:prstGeom prst="rect">
             <a:avLst/>
@@ -1154,8 +1170,8 @@
         </p:nvSpPr>
         <p:spPr>
           <a:xfrm>
-            <a:off x="8523287" y="4702558"/>
-            <a:ext cx="393319" cy="380234"/>
+            <a:off x="8523286" y="4702559"/>
+            <a:ext cx="393317" cy="380232"/>
           </a:xfrm>
           <a:prstGeom prst="rect">
             <a:avLst/>
@@ -1226,7 +1242,7 @@
         <p:spPr>
           <a:xfrm>
             <a:off x="471487" y="738187"/>
-            <a:ext cx="8223251" cy="768351"/>
+            <a:ext cx="8223251" cy="768352"/>
           </a:xfrm>
           <a:prstGeom prst="rect">
             <a:avLst/>
@@ -1253,8 +1269,8 @@
         </p:nvSpPr>
         <p:spPr>
           <a:xfrm>
-            <a:off x="471487" y="1919287"/>
-            <a:ext cx="8223251" cy="2709863"/>
+            <a:off x="471487" y="1919286"/>
+            <a:ext cx="8223251" cy="2709864"/>
           </a:xfrm>
           <a:prstGeom prst="rect">
             <a:avLst/>
@@ -1305,8 +1321,8 @@
         </p:nvSpPr>
         <p:spPr>
           <a:xfrm>
-            <a:off x="8523287" y="4702558"/>
-            <a:ext cx="393319" cy="380234"/>
+            <a:off x="8523286" y="4702559"/>
+            <a:ext cx="393317" cy="380232"/>
           </a:xfrm>
           <a:prstGeom prst="rect">
             <a:avLst/>
@@ -1367,10 +1383,10 @@
         </p:nvGrpSpPr>
         <p:grpSpPr>
           <a:xfrm>
-            <a:off x="4349749" y="2855912"/>
-            <a:ext cx="444502" cy="104776"/>
+            <a:off x="4349747" y="2855911"/>
+            <a:ext cx="444506" cy="104777"/>
             <a:chOff x="0" y="0"/>
-            <a:chExt cx="444500" cy="104775"/>
+            <a:chExt cx="444504" cy="104776"/>
           </a:xfrm>
         </p:grpSpPr>
         <p:sp>
@@ -1381,8 +1397,8 @@
           </p:nvSpPr>
           <p:spPr>
             <a:xfrm>
-              <a:off x="169863" y="0"/>
-              <a:ext cx="104775" cy="104775"/>
+              <a:off x="169863" y="-1"/>
+              <a:ext cx="104777" cy="104778"/>
             </a:xfrm>
             <a:prstGeom prst="ellipse">
               <a:avLst/>
@@ -1397,7 +1413,7 @@
             <a:effectLst/>
           </p:spPr>
           <p:txBody>
-            <a:bodyPr wrap="square" lIns="45719" tIns="45719" rIns="45719" bIns="45719" numCol="1" anchor="ctr">
+            <a:bodyPr wrap="square" lIns="45718" tIns="45718" rIns="45718" bIns="45718" numCol="1" anchor="ctr">
               <a:noAutofit/>
             </a:bodyPr>
             <a:lstStyle/>
@@ -1407,6 +1423,10 @@
                   <a:solidFill>
                     <a:srgbClr val="000000"/>
                   </a:solidFill>
+                  <a:latin typeface="+mj-lt"/>
+                  <a:ea typeface="+mj-ea"/>
+                  <a:cs typeface="+mj-cs"/>
+                  <a:sym typeface="Arial"/>
                 </a:defRPr>
               </a:pPr>
             </a:p>
@@ -1420,8 +1440,8 @@
           </p:nvSpPr>
           <p:spPr>
             <a:xfrm>
-              <a:off x="338138" y="0"/>
-              <a:ext cx="106363" cy="104775"/>
+              <a:off x="338139" y="-1"/>
+              <a:ext cx="106365" cy="104778"/>
             </a:xfrm>
             <a:prstGeom prst="ellipse">
               <a:avLst/>
@@ -1436,7 +1456,7 @@
             <a:effectLst/>
           </p:spPr>
           <p:txBody>
-            <a:bodyPr wrap="square" lIns="45719" tIns="45719" rIns="45719" bIns="45719" numCol="1" anchor="ctr">
+            <a:bodyPr wrap="square" lIns="45718" tIns="45718" rIns="45718" bIns="45718" numCol="1" anchor="ctr">
               <a:noAutofit/>
             </a:bodyPr>
             <a:lstStyle/>
@@ -1446,6 +1466,10 @@
                   <a:solidFill>
                     <a:srgbClr val="000000"/>
                   </a:solidFill>
+                  <a:latin typeface="+mj-lt"/>
+                  <a:ea typeface="+mj-ea"/>
+                  <a:cs typeface="+mj-cs"/>
+                  <a:sym typeface="Arial"/>
                 </a:defRPr>
               </a:pPr>
             </a:p>
@@ -1459,8 +1483,8 @@
           </p:nvSpPr>
           <p:spPr>
             <a:xfrm>
-              <a:off x="-1" y="0"/>
-              <a:ext cx="106365" cy="104775"/>
+              <a:off x="-1" y="-1"/>
+              <a:ext cx="106367" cy="104778"/>
             </a:xfrm>
             <a:prstGeom prst="ellipse">
               <a:avLst/>
@@ -1475,7 +1499,7 @@
             <a:effectLst/>
           </p:spPr>
           <p:txBody>
-            <a:bodyPr wrap="square" lIns="45719" tIns="45719" rIns="45719" bIns="45719" numCol="1" anchor="ctr">
+            <a:bodyPr wrap="square" lIns="45718" tIns="45718" rIns="45718" bIns="45718" numCol="1" anchor="ctr">
               <a:noAutofit/>
             </a:bodyPr>
             <a:lstStyle/>
@@ -1485,6 +1509,10 @@
                   <a:solidFill>
                     <a:srgbClr val="000000"/>
                   </a:solidFill>
+                  <a:latin typeface="+mj-lt"/>
+                  <a:ea typeface="+mj-ea"/>
+                  <a:cs typeface="+mj-cs"/>
+                  <a:sym typeface="Arial"/>
                 </a:defRPr>
               </a:pPr>
             </a:p>
@@ -1573,8 +1601,8 @@
         </p:nvSpPr>
         <p:spPr>
           <a:xfrm>
-            <a:off x="8489950" y="4688270"/>
-            <a:ext cx="393318" cy="380235"/>
+            <a:off x="8489950" y="4688271"/>
+            <a:ext cx="393316" cy="380233"/>
           </a:xfrm>
           <a:prstGeom prst="rect">
             <a:avLst/>
@@ -1709,8 +1737,8 @@
         </p:nvSpPr>
         <p:spPr>
           <a:xfrm>
-            <a:off x="8489950" y="4688270"/>
-            <a:ext cx="393318" cy="380235"/>
+            <a:off x="8489950" y="4688271"/>
+            <a:ext cx="393316" cy="380233"/>
           </a:xfrm>
           <a:prstGeom prst="rect">
             <a:avLst/>
@@ -1845,8 +1873,8 @@
         </p:nvSpPr>
         <p:spPr>
           <a:xfrm>
-            <a:off x="8489950" y="4688270"/>
-            <a:ext cx="393318" cy="380235"/>
+            <a:off x="8489950" y="4688271"/>
+            <a:ext cx="393316" cy="380233"/>
           </a:xfrm>
           <a:prstGeom prst="rect">
             <a:avLst/>
@@ -1981,8 +2009,8 @@
         </p:nvSpPr>
         <p:spPr>
           <a:xfrm>
-            <a:off x="8489950" y="4688270"/>
-            <a:ext cx="393318" cy="380235"/>
+            <a:off x="8489950" y="4688271"/>
+            <a:ext cx="393316" cy="380233"/>
           </a:xfrm>
           <a:prstGeom prst="rect">
             <a:avLst/>
@@ -2045,8 +2073,8 @@
         </p:nvSpPr>
         <p:spPr>
           <a:xfrm>
-            <a:off x="8489950" y="4688270"/>
-            <a:ext cx="393318" cy="380235"/>
+            <a:off x="8489950" y="4688271"/>
+            <a:ext cx="393316" cy="380233"/>
           </a:xfrm>
           <a:prstGeom prst="rect">
             <a:avLst/>
@@ -2181,8 +2209,8 @@
         </p:nvSpPr>
         <p:spPr>
           <a:xfrm>
-            <a:off x="8489950" y="4688270"/>
-            <a:ext cx="393318" cy="380235"/>
+            <a:off x="8489950" y="4688271"/>
+            <a:ext cx="393316" cy="380233"/>
           </a:xfrm>
           <a:prstGeom prst="rect">
             <a:avLst/>
@@ -2444,8 +2472,8 @@
         </p:nvSpPr>
         <p:spPr>
           <a:xfrm>
-            <a:off x="8489950" y="4688270"/>
-            <a:ext cx="393318" cy="380235"/>
+            <a:off x="8489950" y="4688271"/>
+            <a:ext cx="393316" cy="380233"/>
           </a:xfrm>
           <a:prstGeom prst="rect">
             <a:avLst/>
@@ -2506,8 +2534,8 @@
         </p:nvSpPr>
         <p:spPr>
           <a:xfrm>
-            <a:off x="4571999" y="-1"/>
-            <a:ext cx="4572002" cy="5143502"/>
+            <a:off x="4571998" y="-1"/>
+            <a:ext cx="4572003" cy="5143502"/>
           </a:xfrm>
           <a:prstGeom prst="rect">
             <a:avLst/>
@@ -2520,7 +2548,7 @@
           </a:ln>
         </p:spPr>
         <p:txBody>
-          <a:bodyPr lIns="45719" rIns="45719" anchor="ctr"/>
+          <a:bodyPr lIns="45718" tIns="45718" rIns="45718" bIns="45718" anchor="ctr"/>
           <a:lstStyle/>
           <a:p>
             <a:pPr>
@@ -2528,6 +2556,10 @@
                 <a:solidFill>
                   <a:srgbClr val="000000"/>
                 </a:solidFill>
+                <a:latin typeface="+mj-lt"/>
+                <a:ea typeface="+mj-ea"/>
+                <a:cs typeface="+mj-cs"/>
+                <a:sym typeface="Arial"/>
               </a:defRPr>
             </a:pPr>
           </a:p>
@@ -2554,10 +2586,16 @@
           </a:ln>
         </p:spPr>
         <p:txBody>
-          <a:bodyPr lIns="45719" rIns="45719"/>
+          <a:bodyPr lIns="45718" tIns="45718" rIns="45718" bIns="45718"/>
           <a:lstStyle/>
           <a:p>
-            <a:pPr/>
+            <a:pPr>
+              <a:defRPr>
+                <a:solidFill>
+                  <a:srgbClr val="4285F4"/>
+                </a:solidFill>
+              </a:defRPr>
+            </a:pPr>
           </a:p>
         </p:txBody>
       </p:sp>
@@ -2571,8 +2609,8 @@
         </p:nvSpPr>
         <p:spPr>
           <a:xfrm>
-            <a:off x="8489950" y="4688270"/>
-            <a:ext cx="393318" cy="380235"/>
+            <a:off x="8489950" y="4688271"/>
+            <a:ext cx="393316" cy="380233"/>
           </a:xfrm>
           <a:prstGeom prst="rect">
             <a:avLst/>
@@ -2707,8 +2745,8 @@
         </p:nvSpPr>
         <p:spPr>
           <a:xfrm>
-            <a:off x="8489950" y="4688270"/>
-            <a:ext cx="393318" cy="380235"/>
+            <a:off x="8489950" y="4688271"/>
+            <a:ext cx="393316" cy="380233"/>
           </a:xfrm>
           <a:prstGeom prst="rect">
             <a:avLst/>
@@ -2843,8 +2881,8 @@
         </p:nvSpPr>
         <p:spPr>
           <a:xfrm>
-            <a:off x="8489950" y="4688270"/>
-            <a:ext cx="393318" cy="380235"/>
+            <a:off x="8489950" y="4688271"/>
+            <a:ext cx="393316" cy="380233"/>
           </a:xfrm>
           <a:prstGeom prst="rect">
             <a:avLst/>
@@ -2979,8 +3017,8 @@
         </p:nvSpPr>
         <p:spPr>
           <a:xfrm>
-            <a:off x="8489950" y="4688270"/>
-            <a:ext cx="393318" cy="380235"/>
+            <a:off x="8489950" y="4688271"/>
+            <a:ext cx="393316" cy="380233"/>
           </a:xfrm>
           <a:prstGeom prst="rect">
             <a:avLst/>
@@ -3052,8 +3090,8 @@
         </p:nvSpPr>
         <p:spPr>
           <a:xfrm>
-            <a:off x="-1" y="0"/>
-            <a:ext cx="9144002" cy="3851275"/>
+            <a:off x="-2" y="0"/>
+            <a:ext cx="9144004" cy="3851275"/>
           </a:xfrm>
           <a:prstGeom prst="rect">
             <a:avLst/>
@@ -3066,7 +3104,7 @@
           </a:ln>
         </p:spPr>
         <p:txBody>
-          <a:bodyPr lIns="45719" rIns="45719" anchor="ctr"/>
+          <a:bodyPr lIns="45718" tIns="45718" rIns="45718" bIns="45718" anchor="ctr"/>
           <a:lstStyle/>
           <a:p>
             <a:pPr algn="ctr">
@@ -3091,8 +3129,8 @@
         </p:nvSpPr>
         <p:spPr>
           <a:xfrm>
-            <a:off x="-1" y="3846512"/>
-            <a:ext cx="9144002" cy="33338"/>
+            <a:off x="-2" y="3846512"/>
+            <a:ext cx="9144004" cy="33339"/>
           </a:xfrm>
           <a:prstGeom prst="rect">
             <a:avLst/>
@@ -3112,7 +3150,7 @@
           </a:effectLst>
         </p:spPr>
         <p:txBody>
-          <a:bodyPr lIns="45719" rIns="45719" anchor="ctr"/>
+          <a:bodyPr lIns="45718" tIns="45718" rIns="45718" bIns="45718" anchor="ctr"/>
           <a:lstStyle/>
           <a:p>
             <a:pPr algn="ctr">
@@ -3208,8 +3246,8 @@
         </p:nvSpPr>
         <p:spPr>
           <a:xfrm>
-            <a:off x="-1" y="0"/>
-            <a:ext cx="9144002" cy="1952625"/>
+            <a:off x="-2" y="0"/>
+            <a:ext cx="9144004" cy="1952625"/>
           </a:xfrm>
           <a:prstGeom prst="rect">
             <a:avLst/>
@@ -3222,7 +3260,7 @@
           </a:ln>
         </p:spPr>
         <p:txBody>
-          <a:bodyPr lIns="45719" rIns="45719" anchor="ctr"/>
+          <a:bodyPr lIns="45718" tIns="45718" rIns="45718" bIns="45718" anchor="ctr"/>
           <a:lstStyle/>
           <a:p>
             <a:pPr algn="ctr">
@@ -3247,8 +3285,8 @@
         </p:nvSpPr>
         <p:spPr>
           <a:xfrm>
-            <a:off x="-1" y="1952625"/>
-            <a:ext cx="9144002" cy="33338"/>
+            <a:off x="-2" y="1952625"/>
+            <a:ext cx="9144004" cy="33338"/>
           </a:xfrm>
           <a:prstGeom prst="rect">
             <a:avLst/>
@@ -3268,7 +3306,7 @@
           </a:effectLst>
         </p:spPr>
         <p:txBody>
-          <a:bodyPr lIns="45719" rIns="45719" anchor="ctr"/>
+          <a:bodyPr lIns="45718" tIns="45718" rIns="45718" bIns="45718" anchor="ctr"/>
           <a:lstStyle/>
           <a:p>
             <a:pPr algn="ctr">
@@ -3303,7 +3341,7 @@
           </a:prstGeom>
         </p:spPr>
         <p:txBody>
-          <a:bodyPr lIns="45719" tIns="45719" rIns="45719" bIns="45719" anchor="ctr"/>
+          <a:bodyPr lIns="45718" tIns="45718" rIns="45718" bIns="45718" anchor="ctr"/>
           <a:lstStyle>
             <a:lvl1pPr>
               <a:defRPr sz="4500">
@@ -3343,14 +3381,15 @@
           </a:prstGeom>
         </p:spPr>
         <p:txBody>
-          <a:bodyPr lIns="45719" tIns="45719" rIns="45719" bIns="45719"/>
+          <a:bodyPr lIns="45718" tIns="45718" rIns="45718" bIns="45718"/>
           <a:lstStyle>
-            <a:lvl1pPr marL="438150" indent="-319087">
+            <a:lvl1pPr marL="438150" indent="-319086">
               <a:buClr>
                 <a:srgbClr val="F0AD00"/>
               </a:buClr>
               <a:buSzPct val="80000"/>
-              <a:buChar char=""/>
+              <a:buFont typeface="Avenir Next"/>
+              <a:buChar char="­"/>
               <a:defRPr sz="3200">
                 <a:solidFill>
                   <a:srgbClr val="FFFFFF"/>
@@ -3366,6 +3405,7 @@
                 <a:srgbClr val="F0AD00"/>
               </a:buClr>
               <a:buSzPct val="90000"/>
+              <a:buFont typeface="Avenir Next"/>
               <a:buChar char="▪"/>
               <a:defRPr sz="3200">
                 <a:solidFill>
@@ -3382,6 +3422,7 @@
                 <a:srgbClr val="F0AD00"/>
               </a:buClr>
               <a:buSzPct val="100000"/>
+              <a:buFont typeface="Avenir Next"/>
               <a:buChar char="▪"/>
               <a:defRPr sz="3200">
                 <a:solidFill>
@@ -3398,6 +3439,7 @@
                 <a:srgbClr val="F0AD00"/>
               </a:buClr>
               <a:buSzPct val="100000"/>
+              <a:buFont typeface="Avenir Next"/>
               <a:buChar char="▪"/>
               <a:defRPr sz="3200">
                 <a:solidFill>
@@ -3409,12 +3451,13 @@
                 <a:sym typeface="Avenir Next"/>
               </a:defRPr>
             </a:lvl4pPr>
-            <a:lvl5pPr marL="1567568" indent="-324555">
+            <a:lvl5pPr marL="1567567" indent="-324554">
               <a:buClr>
                 <a:srgbClr val="F0AD00"/>
               </a:buClr>
               <a:buSzPct val="100000"/>
-              <a:buChar char=""/>
+              <a:buFont typeface="Avenir Next"/>
+              <a:buChar char="­"/>
               <a:defRPr sz="3200">
                 <a:solidFill>
                   <a:srgbClr val="FFFFFF"/>
@@ -3543,7 +3586,7 @@
           </a:prstGeom>
         </p:spPr>
         <p:txBody>
-          <a:bodyPr lIns="45719" tIns="45719" rIns="45719" bIns="45719" anchor="ctr"/>
+          <a:bodyPr lIns="45718" tIns="45718" rIns="45718" bIns="45718" anchor="ctr"/>
           <a:lstStyle>
             <a:lvl1pPr>
               <a:defRPr sz="4500">
@@ -3583,14 +3626,15 @@
           </a:prstGeom>
         </p:spPr>
         <p:txBody>
-          <a:bodyPr lIns="45719" tIns="45719" rIns="45719" bIns="45719"/>
+          <a:bodyPr lIns="45718" tIns="45718" rIns="45718" bIns="45718"/>
           <a:lstStyle>
-            <a:lvl1pPr marL="438150" indent="-319087">
+            <a:lvl1pPr marL="438150" indent="-319086">
               <a:buClr>
                 <a:srgbClr val="F0AD00"/>
               </a:buClr>
               <a:buSzPct val="80000"/>
-              <a:buChar char=""/>
+              <a:buFont typeface="Avenir Next"/>
+              <a:buChar char="­"/>
               <a:defRPr sz="3200">
                 <a:latin typeface="Avenir Next"/>
                 <a:ea typeface="Avenir Next"/>
@@ -3603,6 +3647,7 @@
                 <a:srgbClr val="F0AD00"/>
               </a:buClr>
               <a:buSzPct val="90000"/>
+              <a:buFont typeface="Avenir Next"/>
               <a:buChar char="▪"/>
               <a:defRPr sz="3200">
                 <a:latin typeface="Avenir Next"/>
@@ -3616,6 +3661,7 @@
                 <a:srgbClr val="F0AD00"/>
               </a:buClr>
               <a:buSzPct val="100000"/>
+              <a:buFont typeface="Avenir Next"/>
               <a:buChar char="▪"/>
               <a:defRPr sz="3200">
                 <a:latin typeface="Avenir Next"/>
@@ -3629,6 +3675,7 @@
                 <a:srgbClr val="F0AD00"/>
               </a:buClr>
               <a:buSzPct val="100000"/>
+              <a:buFont typeface="Avenir Next"/>
               <a:buChar char="▪"/>
               <a:defRPr sz="3200">
                 <a:latin typeface="Avenir Next"/>
@@ -3637,12 +3684,13 @@
                 <a:sym typeface="Avenir Next"/>
               </a:defRPr>
             </a:lvl4pPr>
-            <a:lvl5pPr marL="1567568" indent="-324555">
+            <a:lvl5pPr marL="1567567" indent="-324554">
               <a:buClr>
                 <a:srgbClr val="F0AD00"/>
               </a:buClr>
               <a:buSzPct val="100000"/>
-              <a:buChar char=""/>
+              <a:buFont typeface="Avenir Next"/>
+              <a:buChar char="­"/>
               <a:defRPr sz="3200">
                 <a:latin typeface="Avenir Next"/>
                 <a:ea typeface="Avenir Next"/>
@@ -3758,8 +3806,8 @@
         </p:nvSpPr>
         <p:spPr>
           <a:xfrm>
-            <a:off x="-1" y="1076325"/>
-            <a:ext cx="9144002" cy="34925"/>
+            <a:off x="-2" y="1076325"/>
+            <a:ext cx="9144004" cy="34925"/>
           </a:xfrm>
           <a:prstGeom prst="rect">
             <a:avLst/>
@@ -3779,7 +3827,7 @@
           </a:effectLst>
         </p:spPr>
         <p:txBody>
-          <a:bodyPr lIns="45719" rIns="45719" anchor="ctr"/>
+          <a:bodyPr lIns="45718" tIns="45718" rIns="45718" bIns="45718" anchor="ctr"/>
           <a:lstStyle/>
           <a:p>
             <a:pPr algn="ctr">
@@ -3804,8 +3852,8 @@
         </p:nvSpPr>
         <p:spPr>
           <a:xfrm>
-            <a:off x="-1" y="0"/>
-            <a:ext cx="9144002" cy="1074738"/>
+            <a:off x="-2" y="0"/>
+            <a:ext cx="9144004" cy="1074738"/>
           </a:xfrm>
           <a:prstGeom prst="rect">
             <a:avLst/>
@@ -3818,7 +3866,7 @@
           </a:ln>
         </p:spPr>
         <p:txBody>
-          <a:bodyPr lIns="45719" rIns="45719" anchor="ctr"/>
+          <a:bodyPr lIns="45718" tIns="45718" rIns="45718" bIns="45718" anchor="ctr"/>
           <a:lstStyle/>
           <a:p>
             <a:pPr algn="ctr">
@@ -3843,8 +3891,8 @@
         </p:nvSpPr>
         <p:spPr>
           <a:xfrm>
-            <a:off x="2855912" y="0"/>
-            <a:ext cx="46039" cy="1090613"/>
+            <a:off x="2855911" y="0"/>
+            <a:ext cx="46040" cy="1090613"/>
           </a:xfrm>
           <a:prstGeom prst="rect">
             <a:avLst/>
@@ -3857,7 +3905,7 @@
           </a:ln>
         </p:spPr>
         <p:txBody>
-          <a:bodyPr lIns="45719" rIns="45719" anchor="ctr"/>
+          <a:bodyPr lIns="45718" tIns="45718" rIns="45718" bIns="45718" anchor="ctr"/>
           <a:lstStyle/>
           <a:p>
             <a:pPr algn="ctr">
@@ -3882,8 +3930,8 @@
         </p:nvSpPr>
         <p:spPr>
           <a:xfrm>
-            <a:off x="2855912" y="0"/>
-            <a:ext cx="46039" cy="1090613"/>
+            <a:off x="2855911" y="0"/>
+            <a:ext cx="46040" cy="1090613"/>
           </a:xfrm>
           <a:prstGeom prst="rect">
             <a:avLst/>
@@ -3896,7 +3944,7 @@
           </a:ln>
         </p:spPr>
         <p:txBody>
-          <a:bodyPr lIns="45719" rIns="45719" anchor="ctr"/>
+          <a:bodyPr lIns="45718" tIns="45718" rIns="45718" bIns="45718" anchor="ctr"/>
           <a:lstStyle/>
           <a:p>
             <a:pPr algn="ctr">
@@ -3931,7 +3979,7 @@
           </a:prstGeom>
         </p:spPr>
         <p:txBody>
-          <a:bodyPr lIns="45719" tIns="45719" rIns="45719" bIns="45719" anchor="ctr"/>
+          <a:bodyPr lIns="45718" tIns="45718" rIns="45718" bIns="45718" anchor="ctr"/>
           <a:lstStyle>
             <a:lvl1pPr>
               <a:defRPr sz="4500">
@@ -3971,14 +4019,15 @@
           </a:prstGeom>
         </p:spPr>
         <p:txBody>
-          <a:bodyPr lIns="45719" tIns="45719" rIns="45719" bIns="45719"/>
+          <a:bodyPr lIns="45718" tIns="45718" rIns="45718" bIns="45718"/>
           <a:lstStyle>
-            <a:lvl1pPr marL="438150" indent="-319087">
+            <a:lvl1pPr marL="438150" indent="-319086">
               <a:buClr>
                 <a:srgbClr val="F0AD00"/>
               </a:buClr>
               <a:buSzPct val="80000"/>
-              <a:buChar char=""/>
+              <a:buFont typeface="Avenir Next"/>
+              <a:buChar char="­"/>
               <a:defRPr sz="3200">
                 <a:latin typeface="Avenir Next"/>
                 <a:ea typeface="Avenir Next"/>
@@ -3991,6 +4040,7 @@
                 <a:srgbClr val="F0AD00"/>
               </a:buClr>
               <a:buSzPct val="90000"/>
+              <a:buFont typeface="Avenir Next"/>
               <a:buChar char="▪"/>
               <a:defRPr sz="3200">
                 <a:latin typeface="Avenir Next"/>
@@ -4004,6 +4054,7 @@
                 <a:srgbClr val="F0AD00"/>
               </a:buClr>
               <a:buSzPct val="100000"/>
+              <a:buFont typeface="Avenir Next"/>
               <a:buChar char="▪"/>
               <a:defRPr sz="3200">
                 <a:latin typeface="Avenir Next"/>
@@ -4017,6 +4068,7 @@
                 <a:srgbClr val="F0AD00"/>
               </a:buClr>
               <a:buSzPct val="100000"/>
+              <a:buFont typeface="Avenir Next"/>
               <a:buChar char="▪"/>
               <a:defRPr sz="3200">
                 <a:latin typeface="Avenir Next"/>
@@ -4025,12 +4077,13 @@
                 <a:sym typeface="Avenir Next"/>
               </a:defRPr>
             </a:lvl4pPr>
-            <a:lvl5pPr marL="1567568" indent="-324555">
+            <a:lvl5pPr marL="1567567" indent="-324554">
               <a:buClr>
                 <a:srgbClr val="F0AD00"/>
               </a:buClr>
               <a:buSzPct val="100000"/>
-              <a:buChar char=""/>
+              <a:buFont typeface="Avenir Next"/>
+              <a:buChar char="­"/>
               <a:defRPr sz="3200">
                 <a:latin typeface="Avenir Next"/>
                 <a:ea typeface="Avenir Next"/>
@@ -4146,8 +4199,8 @@
         </p:nvSpPr>
         <p:spPr>
           <a:xfrm>
-            <a:off x="-1" y="1076325"/>
-            <a:ext cx="9144002" cy="34925"/>
+            <a:off x="-2" y="1076325"/>
+            <a:ext cx="9144004" cy="34925"/>
           </a:xfrm>
           <a:prstGeom prst="rect">
             <a:avLst/>
@@ -4167,7 +4220,7 @@
           </a:effectLst>
         </p:spPr>
         <p:txBody>
-          <a:bodyPr lIns="45719" rIns="45719" anchor="ctr"/>
+          <a:bodyPr lIns="45718" tIns="45718" rIns="45718" bIns="45718" anchor="ctr"/>
           <a:lstStyle/>
           <a:p>
             <a:pPr algn="ctr">
@@ -4192,8 +4245,8 @@
         </p:nvSpPr>
         <p:spPr>
           <a:xfrm>
-            <a:off x="-1" y="0"/>
-            <a:ext cx="9144002" cy="1074738"/>
+            <a:off x="-2" y="0"/>
+            <a:ext cx="9144004" cy="1074738"/>
           </a:xfrm>
           <a:prstGeom prst="rect">
             <a:avLst/>
@@ -4206,7 +4259,7 @@
           </a:ln>
         </p:spPr>
         <p:txBody>
-          <a:bodyPr lIns="45719" rIns="45719" anchor="ctr"/>
+          <a:bodyPr lIns="45718" tIns="45718" rIns="45718" bIns="45718" anchor="ctr"/>
           <a:lstStyle/>
           <a:p>
             <a:pPr algn="ctr">
@@ -4231,8 +4284,8 @@
         </p:nvSpPr>
         <p:spPr>
           <a:xfrm>
-            <a:off x="2855912" y="-1"/>
-            <a:ext cx="46039" cy="5143502"/>
+            <a:off x="2855911" y="-1"/>
+            <a:ext cx="46040" cy="5143502"/>
           </a:xfrm>
           <a:prstGeom prst="rect">
             <a:avLst/>
@@ -4245,7 +4298,7 @@
           </a:ln>
         </p:spPr>
         <p:txBody>
-          <a:bodyPr lIns="45719" rIns="45719" anchor="ctr"/>
+          <a:bodyPr lIns="45718" tIns="45718" rIns="45718" bIns="45718" anchor="ctr"/>
           <a:lstStyle/>
           <a:p>
             <a:pPr algn="ctr">
@@ -4270,8 +4323,8 @@
         </p:nvSpPr>
         <p:spPr>
           <a:xfrm>
-            <a:off x="2855912" y="-1"/>
-            <a:ext cx="46039" cy="5143502"/>
+            <a:off x="2855911" y="-1"/>
+            <a:ext cx="46040" cy="5143502"/>
           </a:xfrm>
           <a:prstGeom prst="rect">
             <a:avLst/>
@@ -4284,7 +4337,7 @@
           </a:ln>
         </p:spPr>
         <p:txBody>
-          <a:bodyPr lIns="45719" rIns="45719" anchor="ctr"/>
+          <a:bodyPr lIns="45718" tIns="45718" rIns="45718" bIns="45718" anchor="ctr"/>
           <a:lstStyle/>
           <a:p>
             <a:pPr algn="ctr">
@@ -4319,7 +4372,7 @@
           </a:prstGeom>
         </p:spPr>
         <p:txBody>
-          <a:bodyPr lIns="45719" tIns="45719" rIns="45719" bIns="45719" anchor="ctr"/>
+          <a:bodyPr lIns="45718" tIns="45718" rIns="45718" bIns="45718" anchor="ctr"/>
           <a:lstStyle>
             <a:lvl1pPr>
               <a:defRPr sz="4500">
@@ -4359,14 +4412,15 @@
           </a:prstGeom>
         </p:spPr>
         <p:txBody>
-          <a:bodyPr lIns="45719" tIns="45719" rIns="45719" bIns="45719"/>
+          <a:bodyPr lIns="45718" tIns="45718" rIns="45718" bIns="45718"/>
           <a:lstStyle>
-            <a:lvl1pPr marL="438150" indent="-319087">
+            <a:lvl1pPr marL="438150" indent="-319086">
               <a:buClr>
                 <a:srgbClr val="F0AD00"/>
               </a:buClr>
               <a:buSzPct val="80000"/>
-              <a:buChar char=""/>
+              <a:buFont typeface="Avenir Next"/>
+              <a:buChar char="­"/>
               <a:defRPr sz="3200">
                 <a:latin typeface="Avenir Next"/>
                 <a:ea typeface="Avenir Next"/>
@@ -4379,6 +4433,7 @@
                 <a:srgbClr val="F0AD00"/>
               </a:buClr>
               <a:buSzPct val="90000"/>
+              <a:buFont typeface="Avenir Next"/>
               <a:buChar char="▪"/>
               <a:defRPr sz="3200">
                 <a:latin typeface="Avenir Next"/>
@@ -4392,6 +4447,7 @@
                 <a:srgbClr val="F0AD00"/>
               </a:buClr>
               <a:buSzPct val="100000"/>
+              <a:buFont typeface="Avenir Next"/>
               <a:buChar char="▪"/>
               <a:defRPr sz="3200">
                 <a:latin typeface="Avenir Next"/>
@@ -4405,6 +4461,7 @@
                 <a:srgbClr val="F0AD00"/>
               </a:buClr>
               <a:buSzPct val="100000"/>
+              <a:buFont typeface="Avenir Next"/>
               <a:buChar char="▪"/>
               <a:defRPr sz="3200">
                 <a:latin typeface="Avenir Next"/>
@@ -4413,12 +4470,13 @@
                 <a:sym typeface="Avenir Next"/>
               </a:defRPr>
             </a:lvl4pPr>
-            <a:lvl5pPr marL="1567568" indent="-324555">
+            <a:lvl5pPr marL="1567567" indent="-324554">
               <a:buClr>
                 <a:srgbClr val="F0AD00"/>
               </a:buClr>
               <a:buSzPct val="100000"/>
-              <a:buChar char=""/>
+              <a:buFont typeface="Avenir Next"/>
+              <a:buChar char="­"/>
               <a:defRPr sz="3200">
                 <a:latin typeface="Avenir Next"/>
                 <a:ea typeface="Avenir Next"/>
@@ -4534,8 +4592,8 @@
         </p:nvSpPr>
         <p:spPr>
           <a:xfrm>
-            <a:off x="-1" y="1076325"/>
-            <a:ext cx="9144002" cy="34925"/>
+            <a:off x="-2" y="1076325"/>
+            <a:ext cx="9144004" cy="34925"/>
           </a:xfrm>
           <a:prstGeom prst="rect">
             <a:avLst/>
@@ -4555,7 +4613,7 @@
           </a:effectLst>
         </p:spPr>
         <p:txBody>
-          <a:bodyPr lIns="45719" rIns="45719" anchor="ctr"/>
+          <a:bodyPr lIns="45718" tIns="45718" rIns="45718" bIns="45718" anchor="ctr"/>
           <a:lstStyle/>
           <a:p>
             <a:pPr algn="ctr">
@@ -4580,8 +4638,8 @@
         </p:nvSpPr>
         <p:spPr>
           <a:xfrm>
-            <a:off x="-1" y="0"/>
-            <a:ext cx="9144002" cy="1074738"/>
+            <a:off x="-2" y="0"/>
+            <a:ext cx="9144004" cy="1074738"/>
           </a:xfrm>
           <a:prstGeom prst="rect">
             <a:avLst/>
@@ -4594,7 +4652,7 @@
           </a:ln>
         </p:spPr>
         <p:txBody>
-          <a:bodyPr lIns="45719" rIns="45719" anchor="ctr"/>
+          <a:bodyPr lIns="45718" tIns="45718" rIns="45718" bIns="45718" anchor="ctr"/>
           <a:lstStyle/>
           <a:p>
             <a:pPr algn="ctr">
@@ -4629,7 +4687,7 @@
           </a:prstGeom>
         </p:spPr>
         <p:txBody>
-          <a:bodyPr lIns="45719" tIns="45719" rIns="45719" bIns="45719" anchor="ctr"/>
+          <a:bodyPr lIns="45718" tIns="45718" rIns="45718" bIns="45718" anchor="ctr"/>
           <a:lstStyle>
             <a:lvl1pPr>
               <a:defRPr sz="4500">
@@ -4669,14 +4727,15 @@
           </a:prstGeom>
         </p:spPr>
         <p:txBody>
-          <a:bodyPr lIns="45719" tIns="45719" rIns="45719" bIns="45719"/>
+          <a:bodyPr lIns="45718" tIns="45718" rIns="45718" bIns="45718"/>
           <a:lstStyle>
-            <a:lvl1pPr marL="438150" indent="-319087">
+            <a:lvl1pPr marL="438150" indent="-319086">
               <a:buClr>
                 <a:srgbClr val="F0AD00"/>
               </a:buClr>
               <a:buSzPct val="80000"/>
-              <a:buChar char=""/>
+              <a:buFont typeface="Avenir Next"/>
+              <a:buChar char="­"/>
               <a:defRPr sz="3200">
                 <a:latin typeface="Avenir Next"/>
                 <a:ea typeface="Avenir Next"/>
@@ -4689,6 +4748,7 @@
                 <a:srgbClr val="F0AD00"/>
               </a:buClr>
               <a:buSzPct val="90000"/>
+              <a:buFont typeface="Avenir Next"/>
               <a:buChar char="▪"/>
               <a:defRPr sz="3200">
                 <a:latin typeface="Avenir Next"/>
@@ -4702,6 +4762,7 @@
                 <a:srgbClr val="F0AD00"/>
               </a:buClr>
               <a:buSzPct val="100000"/>
+              <a:buFont typeface="Avenir Next"/>
               <a:buChar char="▪"/>
               <a:defRPr sz="3200">
                 <a:latin typeface="Avenir Next"/>
@@ -4715,6 +4776,7 @@
                 <a:srgbClr val="F0AD00"/>
               </a:buClr>
               <a:buSzPct val="100000"/>
+              <a:buFont typeface="Avenir Next"/>
               <a:buChar char="▪"/>
               <a:defRPr sz="3200">
                 <a:latin typeface="Avenir Next"/>
@@ -4723,12 +4785,13 @@
                 <a:sym typeface="Avenir Next"/>
               </a:defRPr>
             </a:lvl4pPr>
-            <a:lvl5pPr marL="1567568" indent="-324555">
+            <a:lvl5pPr marL="1567567" indent="-324554">
               <a:buClr>
                 <a:srgbClr val="F0AD00"/>
               </a:buClr>
               <a:buSzPct val="100000"/>
-              <a:buChar char=""/>
+              <a:buFont typeface="Avenir Next"/>
+              <a:buChar char="­"/>
               <a:defRPr sz="3200">
                 <a:latin typeface="Avenir Next"/>
                 <a:ea typeface="Avenir Next"/>
@@ -4844,8 +4907,8 @@
         </p:nvSpPr>
         <p:spPr>
           <a:xfrm>
-            <a:off x="6599237" y="-1"/>
-            <a:ext cx="46039" cy="5143502"/>
+            <a:off x="6599236" y="-1"/>
+            <a:ext cx="46040" cy="5143502"/>
           </a:xfrm>
           <a:prstGeom prst="rect">
             <a:avLst/>
@@ -4865,7 +4928,7 @@
           </a:effectLst>
         </p:spPr>
         <p:txBody>
-          <a:bodyPr lIns="45719" rIns="45719" anchor="ctr"/>
+          <a:bodyPr lIns="45718" tIns="45718" rIns="45718" bIns="45718" anchor="ctr"/>
           <a:lstStyle/>
           <a:p>
             <a:pPr algn="ctr">
@@ -4904,7 +4967,7 @@
           </a:ln>
         </p:spPr>
         <p:txBody>
-          <a:bodyPr lIns="45719" rIns="45719" anchor="ctr"/>
+          <a:bodyPr lIns="45718" tIns="45718" rIns="45718" bIns="45718" anchor="ctr"/>
           <a:lstStyle/>
           <a:p>
             <a:pPr algn="ctr">
@@ -4939,7 +5002,7 @@
           </a:prstGeom>
         </p:spPr>
         <p:txBody>
-          <a:bodyPr lIns="45719" tIns="45719" rIns="45719" bIns="45719" anchor="ctr"/>
+          <a:bodyPr lIns="45718" tIns="45718" rIns="45718" bIns="45718" anchor="ctr"/>
           <a:lstStyle>
             <a:lvl1pPr>
               <a:defRPr sz="4500">
@@ -4979,14 +5042,15 @@
           </a:prstGeom>
         </p:spPr>
         <p:txBody>
-          <a:bodyPr lIns="45719" tIns="45719" rIns="45719" bIns="45719"/>
+          <a:bodyPr lIns="45718" tIns="45718" rIns="45718" bIns="45718"/>
           <a:lstStyle>
-            <a:lvl1pPr marL="438150" indent="-319087">
+            <a:lvl1pPr marL="438150" indent="-319086">
               <a:buClr>
                 <a:srgbClr val="F0AD00"/>
               </a:buClr>
               <a:buSzPct val="80000"/>
-              <a:buChar char=""/>
+              <a:buFont typeface="Avenir Next"/>
+              <a:buChar char="­"/>
               <a:defRPr sz="3200">
                 <a:latin typeface="Avenir Next"/>
                 <a:ea typeface="Avenir Next"/>
@@ -4999,6 +5063,7 @@
                 <a:srgbClr val="F0AD00"/>
               </a:buClr>
               <a:buSzPct val="90000"/>
+              <a:buFont typeface="Avenir Next"/>
               <a:buChar char="▪"/>
               <a:defRPr sz="3200">
                 <a:latin typeface="Avenir Next"/>
@@ -5012,6 +5077,7 @@
                 <a:srgbClr val="F0AD00"/>
               </a:buClr>
               <a:buSzPct val="100000"/>
+              <a:buFont typeface="Avenir Next"/>
               <a:buChar char="▪"/>
               <a:defRPr sz="3200">
                 <a:latin typeface="Avenir Next"/>
@@ -5025,6 +5091,7 @@
                 <a:srgbClr val="F0AD00"/>
               </a:buClr>
               <a:buSzPct val="100000"/>
+              <a:buFont typeface="Avenir Next"/>
               <a:buChar char="▪"/>
               <a:defRPr sz="3200">
                 <a:latin typeface="Avenir Next"/>
@@ -5033,12 +5100,13 @@
                 <a:sym typeface="Avenir Next"/>
               </a:defRPr>
             </a:lvl4pPr>
-            <a:lvl5pPr marL="1567568" indent="-324555">
+            <a:lvl5pPr marL="1567567" indent="-324554">
               <a:buClr>
                 <a:srgbClr val="F0AD00"/>
               </a:buClr>
               <a:buSzPct val="100000"/>
-              <a:buChar char=""/>
+              <a:buFont typeface="Avenir Next"/>
+              <a:buChar char="­"/>
               <a:defRPr sz="3200">
                 <a:latin typeface="Avenir Next"/>
                 <a:ea typeface="Avenir Next"/>
@@ -5154,8 +5222,8 @@
         </p:nvSpPr>
         <p:spPr>
           <a:xfrm>
-            <a:off x="-1" y="1076325"/>
-            <a:ext cx="9144002" cy="34925"/>
+            <a:off x="-2" y="1076325"/>
+            <a:ext cx="9144004" cy="34925"/>
           </a:xfrm>
           <a:prstGeom prst="rect">
             <a:avLst/>
@@ -5175,7 +5243,7 @@
           </a:effectLst>
         </p:spPr>
         <p:txBody>
-          <a:bodyPr lIns="45719" rIns="45719" anchor="ctr"/>
+          <a:bodyPr lIns="45718" tIns="45718" rIns="45718" bIns="45718" anchor="ctr"/>
           <a:lstStyle/>
           <a:p>
             <a:pPr algn="ctr">
@@ -5200,8 +5268,8 @@
         </p:nvSpPr>
         <p:spPr>
           <a:xfrm>
-            <a:off x="-1" y="0"/>
-            <a:ext cx="9144002" cy="1074738"/>
+            <a:off x="-2" y="0"/>
+            <a:ext cx="9144004" cy="1074738"/>
           </a:xfrm>
           <a:prstGeom prst="rect">
             <a:avLst/>
@@ -5214,7 +5282,7 @@
           </a:ln>
         </p:spPr>
         <p:txBody>
-          <a:bodyPr lIns="45719" rIns="45719" anchor="ctr"/>
+          <a:bodyPr lIns="45718" tIns="45718" rIns="45718" bIns="45718" anchor="ctr"/>
           <a:lstStyle/>
           <a:p>
             <a:pPr algn="ctr">
@@ -5241,8 +5309,8 @@
         </p:nvSpPr>
         <p:spPr>
           <a:xfrm>
-            <a:off x="8666890" y="4685362"/>
-            <a:ext cx="372335" cy="386051"/>
+            <a:off x="8666893" y="4685363"/>
+            <a:ext cx="372333" cy="386049"/>
           </a:xfrm>
           <a:prstGeom prst="rect">
             <a:avLst/>
@@ -5306,8 +5374,8 @@
         </p:nvSpPr>
         <p:spPr>
           <a:xfrm>
-            <a:off x="2478087" y="415925"/>
-            <a:ext cx="6243639" cy="0"/>
+            <a:off x="2478086" y="415925"/>
+            <a:ext cx="6243640" cy="0"/>
           </a:xfrm>
           <a:prstGeom prst="line">
             <a:avLst/>
@@ -5319,10 +5387,16 @@
           </a:ln>
         </p:spPr>
         <p:txBody>
-          <a:bodyPr lIns="45719" rIns="45719"/>
+          <a:bodyPr lIns="45718" tIns="45718" rIns="45718" bIns="45718"/>
           <a:lstStyle/>
           <a:p>
-            <a:pPr/>
+            <a:pPr>
+              <a:defRPr>
+                <a:solidFill>
+                  <a:srgbClr val="4285F4"/>
+                </a:solidFill>
+              </a:defRPr>
+            </a:pPr>
           </a:p>
         </p:txBody>
       </p:sp>
@@ -5334,8 +5408,8 @@
         </p:nvSpPr>
         <p:spPr>
           <a:xfrm>
-            <a:off x="2478087" y="4740275"/>
-            <a:ext cx="6243639" cy="0"/>
+            <a:off x="2478086" y="4740275"/>
+            <a:ext cx="6243640" cy="0"/>
           </a:xfrm>
           <a:prstGeom prst="line">
             <a:avLst/>
@@ -5347,10 +5421,16 @@
           </a:ln>
         </p:spPr>
         <p:txBody>
-          <a:bodyPr lIns="45719" rIns="45719"/>
+          <a:bodyPr lIns="45718" tIns="45718" rIns="45718" bIns="45718"/>
           <a:lstStyle/>
           <a:p>
-            <a:pPr/>
+            <a:pPr>
+              <a:defRPr>
+                <a:solidFill>
+                  <a:srgbClr val="4285F4"/>
+                </a:solidFill>
+              </a:defRPr>
+            </a:pPr>
           </a:p>
         </p:txBody>
       </p:sp>
@@ -5362,8 +5442,8 @@
         </p:nvSpPr>
         <p:spPr>
           <a:xfrm>
-            <a:off x="425450" y="415925"/>
-            <a:ext cx="182563" cy="0"/>
+            <a:off x="425449" y="415925"/>
+            <a:ext cx="182564" cy="0"/>
           </a:xfrm>
           <a:prstGeom prst="line">
             <a:avLst/>
@@ -5375,10 +5455,16 @@
           </a:ln>
         </p:spPr>
         <p:txBody>
-          <a:bodyPr lIns="45719" rIns="45719"/>
+          <a:bodyPr lIns="45718" tIns="45718" rIns="45718" bIns="45718"/>
           <a:lstStyle/>
           <a:p>
-            <a:pPr/>
+            <a:pPr>
+              <a:defRPr>
+                <a:solidFill>
+                  <a:srgbClr val="4285F4"/>
+                </a:solidFill>
+              </a:defRPr>
+            </a:pPr>
           </a:p>
         </p:txBody>
       </p:sp>
@@ -5393,7 +5479,7 @@
         <p:spPr>
           <a:xfrm>
             <a:off x="2400300" y="576262"/>
-            <a:ext cx="6321425" cy="635001"/>
+            <a:ext cx="6321425" cy="635002"/>
           </a:xfrm>
           <a:prstGeom prst="rect">
             <a:avLst/>
@@ -5421,7 +5507,7 @@
         <p:spPr>
           <a:xfrm>
             <a:off x="2409825" y="1595437"/>
-            <a:ext cx="6321425" cy="3001963"/>
+            <a:ext cx="6321425" cy="3001964"/>
           </a:xfrm>
           <a:prstGeom prst="rect">
             <a:avLst/>
@@ -5472,8 +5558,8 @@
         </p:nvSpPr>
         <p:spPr>
           <a:xfrm>
-            <a:off x="8497887" y="4695414"/>
-            <a:ext cx="393319" cy="380234"/>
+            <a:off x="8497886" y="4695415"/>
+            <a:ext cx="393317" cy="380232"/>
           </a:xfrm>
           <a:prstGeom prst="rect">
             <a:avLst/>
@@ -5544,7 +5630,7 @@
         <p:spPr>
           <a:xfrm>
             <a:off x="2400300" y="576262"/>
-            <a:ext cx="6321425" cy="635001"/>
+            <a:ext cx="6321425" cy="635002"/>
           </a:xfrm>
           <a:prstGeom prst="rect">
             <a:avLst/>
@@ -5572,7 +5658,7 @@
         <p:spPr>
           <a:xfrm>
             <a:off x="2409825" y="1595437"/>
-            <a:ext cx="6321425" cy="3001963"/>
+            <a:ext cx="6321425" cy="3001964"/>
           </a:xfrm>
           <a:prstGeom prst="rect">
             <a:avLst/>
@@ -5623,8 +5709,8 @@
         </p:nvSpPr>
         <p:spPr>
           <a:xfrm>
-            <a:off x="8497887" y="4695414"/>
-            <a:ext cx="393319" cy="380234"/>
+            <a:off x="8497886" y="4695415"/>
+            <a:ext cx="393317" cy="380232"/>
           </a:xfrm>
           <a:prstGeom prst="rect">
             <a:avLst/>
@@ -5692,8 +5778,8 @@
         </p:nvSpPr>
         <p:spPr>
           <a:xfrm>
-            <a:off x="425450" y="415925"/>
-            <a:ext cx="182563" cy="0"/>
+            <a:off x="425449" y="415925"/>
+            <a:ext cx="182564" cy="0"/>
           </a:xfrm>
           <a:prstGeom prst="line">
             <a:avLst/>
@@ -5705,10 +5791,16 @@
           </a:ln>
         </p:spPr>
         <p:txBody>
-          <a:bodyPr lIns="45719" rIns="45719"/>
+          <a:bodyPr lIns="45718" tIns="45718" rIns="45718" bIns="45718"/>
           <a:lstStyle/>
           <a:p>
-            <a:pPr/>
+            <a:pPr>
+              <a:defRPr>
+                <a:solidFill>
+                  <a:srgbClr val="4285F4"/>
+                </a:solidFill>
+              </a:defRPr>
+            </a:pPr>
           </a:p>
         </p:txBody>
       </p:sp>
@@ -5723,7 +5815,7 @@
         <p:spPr>
           <a:xfrm>
             <a:off x="2400300" y="576262"/>
-            <a:ext cx="6321425" cy="635001"/>
+            <a:ext cx="6321425" cy="635002"/>
           </a:xfrm>
           <a:prstGeom prst="rect">
             <a:avLst/>
@@ -5751,7 +5843,7 @@
         <p:spPr>
           <a:xfrm>
             <a:off x="2409825" y="1595437"/>
-            <a:ext cx="6321425" cy="3001963"/>
+            <a:ext cx="6321425" cy="3001964"/>
           </a:xfrm>
           <a:prstGeom prst="rect">
             <a:avLst/>
@@ -5802,8 +5894,8 @@
         </p:nvSpPr>
         <p:spPr>
           <a:xfrm>
-            <a:off x="8497887" y="4695414"/>
-            <a:ext cx="393319" cy="380234"/>
+            <a:off x="8497886" y="4695415"/>
+            <a:ext cx="393317" cy="380232"/>
           </a:xfrm>
           <a:prstGeom prst="rect">
             <a:avLst/>
@@ -5871,8 +5963,8 @@
         </p:nvSpPr>
         <p:spPr>
           <a:xfrm>
-            <a:off x="425450" y="415925"/>
-            <a:ext cx="182563" cy="0"/>
+            <a:off x="425449" y="415925"/>
+            <a:ext cx="182564" cy="0"/>
           </a:xfrm>
           <a:prstGeom prst="line">
             <a:avLst/>
@@ -5884,10 +5976,16 @@
           </a:ln>
         </p:spPr>
         <p:txBody>
-          <a:bodyPr lIns="45719" rIns="45719"/>
+          <a:bodyPr lIns="45718" tIns="45718" rIns="45718" bIns="45718"/>
           <a:lstStyle/>
           <a:p>
-            <a:pPr/>
+            <a:pPr>
+              <a:defRPr>
+                <a:solidFill>
+                  <a:srgbClr val="4285F4"/>
+                </a:solidFill>
+              </a:defRPr>
+            </a:pPr>
           </a:p>
         </p:txBody>
       </p:sp>
@@ -5901,8 +5999,8 @@
         </p:nvSpPr>
         <p:spPr>
           <a:xfrm>
-            <a:off x="8497887" y="4695414"/>
-            <a:ext cx="393319" cy="380234"/>
+            <a:off x="8497886" y="4695415"/>
+            <a:ext cx="393317" cy="380232"/>
           </a:xfrm>
           <a:prstGeom prst="rect">
             <a:avLst/>
@@ -5970,8 +6068,8 @@
         </p:nvSpPr>
         <p:spPr>
           <a:xfrm>
-            <a:off x="4571999" y="-1"/>
-            <a:ext cx="4572002" cy="5143502"/>
+            <a:off x="4571998" y="-1"/>
+            <a:ext cx="4572003" cy="5143502"/>
           </a:xfrm>
           <a:prstGeom prst="rect">
             <a:avLst/>
@@ -5984,7 +6082,7 @@
           </a:ln>
         </p:spPr>
         <p:txBody>
-          <a:bodyPr lIns="45719" rIns="45719" anchor="ctr"/>
+          <a:bodyPr lIns="45718" tIns="45718" rIns="45718" bIns="45718" anchor="ctr"/>
           <a:lstStyle/>
           <a:p>
             <a:pPr>
@@ -5992,6 +6090,10 @@
                 <a:solidFill>
                   <a:srgbClr val="000000"/>
                 </a:solidFill>
+                <a:latin typeface="+mj-lt"/>
+                <a:ea typeface="+mj-ea"/>
+                <a:cs typeface="+mj-cs"/>
+                <a:sym typeface="Arial"/>
               </a:defRPr>
             </a:pPr>
           </a:p>
@@ -6018,10 +6120,16 @@
           </a:ln>
         </p:spPr>
         <p:txBody>
-          <a:bodyPr lIns="45719" rIns="45719"/>
+          <a:bodyPr lIns="45718" tIns="45718" rIns="45718" bIns="45718"/>
           <a:lstStyle/>
           <a:p>
-            <a:pPr/>
+            <a:pPr>
+              <a:defRPr>
+                <a:solidFill>
+                  <a:srgbClr val="4285F4"/>
+                </a:solidFill>
+              </a:defRPr>
+            </a:pPr>
           </a:p>
         </p:txBody>
       </p:sp>
@@ -6036,7 +6144,7 @@
         <p:spPr>
           <a:xfrm>
             <a:off x="2400300" y="576262"/>
-            <a:ext cx="6321425" cy="635001"/>
+            <a:ext cx="6321425" cy="635002"/>
           </a:xfrm>
           <a:prstGeom prst="rect">
             <a:avLst/>
@@ -6064,7 +6172,7 @@
         <p:spPr>
           <a:xfrm>
             <a:off x="2409825" y="1595437"/>
-            <a:ext cx="6321425" cy="3001963"/>
+            <a:ext cx="6321425" cy="3001964"/>
           </a:xfrm>
           <a:prstGeom prst="rect">
             <a:avLst/>
@@ -6115,8 +6223,8 @@
         </p:nvSpPr>
         <p:spPr>
           <a:xfrm>
-            <a:off x="8497887" y="4695414"/>
-            <a:ext cx="393319" cy="380234"/>
+            <a:off x="8497886" y="4695415"/>
+            <a:ext cx="393317" cy="380232"/>
           </a:xfrm>
           <a:prstGeom prst="rect">
             <a:avLst/>
@@ -6185,7 +6293,7 @@
         <p:spPr>
           <a:xfrm>
             <a:off x="425450" y="4740275"/>
-            <a:ext cx="8296276" cy="0"/>
+            <a:ext cx="8296277" cy="0"/>
           </a:xfrm>
           <a:prstGeom prst="line">
             <a:avLst/>
@@ -6197,10 +6305,16 @@
           </a:ln>
         </p:spPr>
         <p:txBody>
-          <a:bodyPr lIns="45719" rIns="45719"/>
+          <a:bodyPr lIns="45718" tIns="45718" rIns="45718" bIns="45718"/>
           <a:lstStyle/>
           <a:p>
-            <a:pPr/>
+            <a:pPr>
+              <a:defRPr>
+                <a:solidFill>
+                  <a:srgbClr val="4285F4"/>
+                </a:solidFill>
+              </a:defRPr>
+            </a:pPr>
           </a:p>
         </p:txBody>
       </p:sp>
@@ -6212,8 +6326,8 @@
         </p:nvSpPr>
         <p:spPr>
           <a:xfrm>
-            <a:off x="425450" y="415925"/>
-            <a:ext cx="182563" cy="0"/>
+            <a:off x="425449" y="415925"/>
+            <a:ext cx="182564" cy="0"/>
           </a:xfrm>
           <a:prstGeom prst="line">
             <a:avLst/>
@@ -6225,10 +6339,16 @@
           </a:ln>
         </p:spPr>
         <p:txBody>
-          <a:bodyPr lIns="45719" rIns="45719"/>
+          <a:bodyPr lIns="45718" tIns="45718" rIns="45718" bIns="45718"/>
           <a:lstStyle/>
           <a:p>
-            <a:pPr/>
+            <a:pPr>
+              <a:defRPr>
+                <a:solidFill>
+                  <a:srgbClr val="4285F4"/>
+                </a:solidFill>
+              </a:defRPr>
+            </a:pPr>
           </a:p>
         </p:txBody>
       </p:sp>
@@ -6243,7 +6363,7 @@
         <p:spPr>
           <a:xfrm>
             <a:off x="2400300" y="576262"/>
-            <a:ext cx="6321425" cy="635001"/>
+            <a:ext cx="6321425" cy="635002"/>
           </a:xfrm>
           <a:prstGeom prst="rect">
             <a:avLst/>
@@ -6271,7 +6391,7 @@
         <p:spPr>
           <a:xfrm>
             <a:off x="2409825" y="1595437"/>
-            <a:ext cx="6321425" cy="3001963"/>
+            <a:ext cx="6321425" cy="3001964"/>
           </a:xfrm>
           <a:prstGeom prst="rect">
             <a:avLst/>
@@ -6322,8 +6442,8 @@
         </p:nvSpPr>
         <p:spPr>
           <a:xfrm>
-            <a:off x="8497887" y="4695414"/>
-            <a:ext cx="393319" cy="380234"/>
+            <a:off x="8497886" y="4695415"/>
+            <a:ext cx="393317" cy="380232"/>
           </a:xfrm>
           <a:prstGeom prst="rect">
             <a:avLst/>
@@ -6392,7 +6512,7 @@
         <p:spPr>
           <a:xfrm>
             <a:off x="425450" y="4740275"/>
-            <a:ext cx="8296276" cy="0"/>
+            <a:ext cx="8296277" cy="0"/>
           </a:xfrm>
           <a:prstGeom prst="line">
             <a:avLst/>
@@ -6404,10 +6524,16 @@
           </a:ln>
         </p:spPr>
         <p:txBody>
-          <a:bodyPr lIns="45719" rIns="45719"/>
+          <a:bodyPr lIns="45718" tIns="45718" rIns="45718" bIns="45718"/>
           <a:lstStyle/>
           <a:p>
-            <a:pPr/>
+            <a:pPr>
+              <a:defRPr>
+                <a:solidFill>
+                  <a:srgbClr val="4285F4"/>
+                </a:solidFill>
+              </a:defRPr>
+            </a:pPr>
           </a:p>
         </p:txBody>
       </p:sp>
@@ -6420,7 +6546,7 @@
         <p:spPr>
           <a:xfrm>
             <a:off x="425450" y="415925"/>
-            <a:ext cx="8296276" cy="0"/>
+            <a:ext cx="8296277" cy="0"/>
           </a:xfrm>
           <a:prstGeom prst="line">
             <a:avLst/>
@@ -6432,10 +6558,16 @@
           </a:ln>
         </p:spPr>
         <p:txBody>
-          <a:bodyPr lIns="45719" rIns="45719"/>
+          <a:bodyPr lIns="45718" tIns="45718" rIns="45718" bIns="45718"/>
           <a:lstStyle/>
           <a:p>
-            <a:pPr/>
+            <a:pPr>
+              <a:defRPr>
+                <a:solidFill>
+                  <a:srgbClr val="4285F4"/>
+                </a:solidFill>
+              </a:defRPr>
+            </a:pPr>
           </a:p>
         </p:txBody>
       </p:sp>
@@ -6450,7 +6582,7 @@
         <p:spPr>
           <a:xfrm>
             <a:off x="2400300" y="576262"/>
-            <a:ext cx="6321425" cy="635001"/>
+            <a:ext cx="6321425" cy="635002"/>
           </a:xfrm>
           <a:prstGeom prst="rect">
             <a:avLst/>
@@ -6478,7 +6610,7 @@
         <p:spPr>
           <a:xfrm>
             <a:off x="2409825" y="1595437"/>
-            <a:ext cx="6321425" cy="3001963"/>
+            <a:ext cx="6321425" cy="3001964"/>
           </a:xfrm>
           <a:prstGeom prst="rect">
             <a:avLst/>
@@ -6529,8 +6661,8 @@
         </p:nvSpPr>
         <p:spPr>
           <a:xfrm>
-            <a:off x="8497887" y="4695414"/>
-            <a:ext cx="393319" cy="380234"/>
+            <a:off x="8497886" y="4695415"/>
+            <a:ext cx="393317" cy="380232"/>
           </a:xfrm>
           <a:prstGeom prst="rect">
             <a:avLst/>
@@ -6601,7 +6733,7 @@
         <p:spPr>
           <a:xfrm>
             <a:off x="2400300" y="576262"/>
-            <a:ext cx="6321425" cy="635001"/>
+            <a:ext cx="6321425" cy="635002"/>
           </a:xfrm>
           <a:prstGeom prst="rect">
             <a:avLst/>
@@ -6629,7 +6761,7 @@
         <p:spPr>
           <a:xfrm>
             <a:off x="2409825" y="1595437"/>
-            <a:ext cx="6321425" cy="3001963"/>
+            <a:ext cx="6321425" cy="3001964"/>
           </a:xfrm>
           <a:prstGeom prst="rect">
             <a:avLst/>
@@ -6680,8 +6812,8 @@
         </p:nvSpPr>
         <p:spPr>
           <a:xfrm>
-            <a:off x="8497887" y="4695414"/>
-            <a:ext cx="393319" cy="380234"/>
+            <a:off x="8497886" y="4695415"/>
+            <a:ext cx="393317" cy="380232"/>
           </a:xfrm>
           <a:prstGeom prst="rect">
             <a:avLst/>
@@ -6752,7 +6884,7 @@
         <p:spPr>
           <a:xfrm>
             <a:off x="2400300" y="576262"/>
-            <a:ext cx="6321425" cy="635001"/>
+            <a:ext cx="6321425" cy="635002"/>
           </a:xfrm>
           <a:prstGeom prst="rect">
             <a:avLst/>
@@ -6780,7 +6912,7 @@
         <p:spPr>
           <a:xfrm>
             <a:off x="2409825" y="1595437"/>
-            <a:ext cx="6321425" cy="3001963"/>
+            <a:ext cx="6321425" cy="3001964"/>
           </a:xfrm>
           <a:prstGeom prst="rect">
             <a:avLst/>
@@ -6831,8 +6963,8 @@
         </p:nvSpPr>
         <p:spPr>
           <a:xfrm>
-            <a:off x="8704292" y="4705206"/>
-            <a:ext cx="342871" cy="360651"/>
+            <a:off x="8704294" y="4705207"/>
+            <a:ext cx="342869" cy="360649"/>
           </a:xfrm>
           <a:prstGeom prst="rect">
             <a:avLst/>
@@ -6897,7 +7029,7 @@
         <p:spPr>
           <a:xfrm flipV="1">
             <a:off x="5410200" y="2857500"/>
-            <a:ext cx="3733800" cy="68263"/>
+            <a:ext cx="3733800" cy="68264"/>
           </a:xfrm>
           <a:prstGeom prst="rect">
             <a:avLst/>
@@ -6910,7 +7042,7 @@
           </a:ln>
         </p:spPr>
         <p:txBody>
-          <a:bodyPr lIns="45719" rIns="45719" anchor="ctr"/>
+          <a:bodyPr lIns="45718" tIns="45718" rIns="45718" bIns="45718" anchor="ctr"/>
           <a:lstStyle/>
           <a:p>
             <a:pPr algn="ctr">
@@ -6935,8 +7067,8 @@
         </p:nvSpPr>
         <p:spPr>
           <a:xfrm flipV="1">
-            <a:off x="5410200" y="2922587"/>
-            <a:ext cx="3733800" cy="144463"/>
+            <a:off x="5410200" y="2922586"/>
+            <a:ext cx="3733800" cy="144464"/>
           </a:xfrm>
           <a:prstGeom prst="rect">
             <a:avLst/>
@@ -6951,7 +7083,7 @@
           </a:ln>
         </p:spPr>
         <p:txBody>
-          <a:bodyPr lIns="45719" rIns="45719" anchor="ctr"/>
+          <a:bodyPr lIns="45718" tIns="45718" rIns="45718" bIns="45718" anchor="ctr"/>
           <a:lstStyle/>
           <a:p>
             <a:pPr algn="ctr">
@@ -6992,7 +7124,7 @@
           </a:ln>
         </p:spPr>
         <p:txBody>
-          <a:bodyPr lIns="45719" rIns="45719" anchor="ctr"/>
+          <a:bodyPr lIns="45718" tIns="45718" rIns="45718" bIns="45718" anchor="ctr"/>
           <a:lstStyle/>
           <a:p>
             <a:pPr algn="ctr">
@@ -7017,8 +7149,8 @@
         </p:nvSpPr>
         <p:spPr>
           <a:xfrm flipV="1">
-            <a:off x="5410200" y="3122612"/>
-            <a:ext cx="1965325" cy="14288"/>
+            <a:off x="5410200" y="3122611"/>
+            <a:ext cx="1965325" cy="14289"/>
           </a:xfrm>
           <a:prstGeom prst="rect">
             <a:avLst/>
@@ -7033,7 +7165,7 @@
           </a:ln>
         </p:spPr>
         <p:txBody>
-          <a:bodyPr lIns="45719" rIns="45719" anchor="ctr"/>
+          <a:bodyPr lIns="45718" tIns="45718" rIns="45718" bIns="45718" anchor="ctr"/>
           <a:lstStyle/>
           <a:p>
             <a:pPr algn="ctr">
@@ -7074,7 +7206,7 @@
           </a:ln>
         </p:spPr>
         <p:txBody>
-          <a:bodyPr lIns="45719" rIns="45719" anchor="ctr"/>
+          <a:bodyPr lIns="45718" tIns="45718" rIns="45718" bIns="45718" anchor="ctr"/>
           <a:lstStyle/>
           <a:p>
             <a:pPr algn="ctr">
@@ -7115,7 +7247,7 @@
           </a:ln>
         </p:spPr>
         <p:txBody>
-          <a:bodyPr lIns="45719" rIns="45719" anchor="ctr"/>
+          <a:bodyPr lIns="45718" tIns="45718" rIns="45718" bIns="45718" anchor="ctr"/>
           <a:lstStyle/>
           <a:p>
             <a:pPr algn="ctr">
@@ -7140,8 +7272,8 @@
         </p:nvSpPr>
         <p:spPr>
           <a:xfrm>
-            <a:off x="7377112" y="3046412"/>
-            <a:ext cx="1600201" cy="26988"/>
+            <a:off x="7377111" y="3046411"/>
+            <a:ext cx="1600202" cy="26989"/>
           </a:xfrm>
           <a:prstGeom prst="roundRect">
             <a:avLst>
@@ -7156,7 +7288,7 @@
           </a:ln>
         </p:spPr>
         <p:txBody>
-          <a:bodyPr lIns="45719" rIns="45719" anchor="ctr"/>
+          <a:bodyPr lIns="45718" tIns="45718" rIns="45718" bIns="45718" anchor="ctr"/>
           <a:lstStyle/>
           <a:p>
             <a:pPr algn="ctr">
@@ -7181,8 +7313,8 @@
         </p:nvSpPr>
         <p:spPr>
           <a:xfrm>
-            <a:off x="-1" y="2736849"/>
-            <a:ext cx="9144002" cy="184152"/>
+            <a:off x="-2" y="2736849"/>
+            <a:ext cx="9144004" cy="184153"/>
           </a:xfrm>
           <a:prstGeom prst="rect">
             <a:avLst/>
@@ -7197,7 +7329,7 @@
           </a:ln>
         </p:spPr>
         <p:txBody>
-          <a:bodyPr lIns="45719" rIns="45719" anchor="ctr"/>
+          <a:bodyPr lIns="45718" tIns="45718" rIns="45718" bIns="45718" anchor="ctr"/>
           <a:lstStyle/>
           <a:p>
             <a:pPr algn="ctr">
@@ -7222,8 +7354,8 @@
         </p:nvSpPr>
         <p:spPr>
           <a:xfrm>
-            <a:off x="-1" y="2755900"/>
-            <a:ext cx="9144002" cy="106363"/>
+            <a:off x="-2" y="2755900"/>
+            <a:ext cx="9144004" cy="106363"/>
           </a:xfrm>
           <a:prstGeom prst="rect">
             <a:avLst/>
@@ -7236,7 +7368,7 @@
           </a:ln>
         </p:spPr>
         <p:txBody>
-          <a:bodyPr lIns="45719" rIns="45719" anchor="ctr"/>
+          <a:bodyPr lIns="45718" tIns="45718" rIns="45718" bIns="45718" anchor="ctr"/>
           <a:lstStyle/>
           <a:p>
             <a:pPr algn="ctr">
@@ -7261,8 +7393,8 @@
         </p:nvSpPr>
         <p:spPr>
           <a:xfrm flipV="1">
-            <a:off x="6413500" y="2732087"/>
-            <a:ext cx="2730500" cy="187326"/>
+            <a:off x="6413500" y="2732086"/>
+            <a:ext cx="2730500" cy="187327"/>
           </a:xfrm>
           <a:prstGeom prst="rect">
             <a:avLst/>
@@ -7275,7 +7407,7 @@
           </a:ln>
         </p:spPr>
         <p:txBody>
-          <a:bodyPr lIns="45719" rIns="45719" anchor="ctr"/>
+          <a:bodyPr lIns="45718" tIns="45718" rIns="45718" bIns="45718" anchor="ctr"/>
           <a:lstStyle/>
           <a:p>
             <a:pPr algn="ctr">
@@ -7300,8 +7432,8 @@
         </p:nvSpPr>
         <p:spPr>
           <a:xfrm>
-            <a:off x="-1" y="0"/>
-            <a:ext cx="9144002" cy="2776538"/>
+            <a:off x="-2" y="-1"/>
+            <a:ext cx="9144004" cy="2776540"/>
           </a:xfrm>
           <a:prstGeom prst="rect">
             <a:avLst/>
@@ -7314,7 +7446,7 @@
           </a:ln>
         </p:spPr>
         <p:txBody>
-          <a:bodyPr lIns="45719" rIns="45719" anchor="ctr"/>
+          <a:bodyPr lIns="45718" tIns="45718" rIns="45718" bIns="45718" anchor="ctr"/>
           <a:lstStyle/>
           <a:p>
             <a:pPr algn="ctr">
@@ -7349,7 +7481,7 @@
           </a:prstGeom>
         </p:spPr>
         <p:txBody>
-          <a:bodyPr lIns="45719" tIns="45719" rIns="45719" bIns="45719" anchor="ctr"/>
+          <a:bodyPr lIns="45718" tIns="45718" rIns="45718" bIns="45718" anchor="ctr"/>
           <a:lstStyle>
             <a:lvl1pPr>
               <a:defRPr sz="4000">
@@ -7381,17 +7513,17 @@
         </p:nvSpPr>
         <p:spPr>
           <a:xfrm>
-            <a:off x="457200" y="1687512"/>
-            <a:ext cx="8229600" cy="3243263"/>
-          </a:xfrm>
-          <a:prstGeom prst="rect">
-            <a:avLst/>
-          </a:prstGeom>
-        </p:spPr>
-        <p:txBody>
-          <a:bodyPr lIns="45719" tIns="45719" rIns="45719" bIns="45719"/>
+            <a:off x="457200" y="1687511"/>
+            <a:ext cx="8229600" cy="3243264"/>
+          </a:xfrm>
+          <a:prstGeom prst="rect">
+            <a:avLst/>
+          </a:prstGeom>
+        </p:spPr>
+        <p:txBody>
+          <a:bodyPr lIns="45718" tIns="45718" rIns="45718" bIns="45718"/>
           <a:lstStyle>
-            <a:lvl1pPr marL="365125" indent="-255587">
+            <a:lvl1pPr marL="365125" indent="-255586">
               <a:spcBef>
                 <a:spcPts val="300"/>
               </a:spcBef>
@@ -7408,7 +7540,7 @@
                 <a:sym typeface="Georgia"/>
               </a:defRPr>
             </a:lvl1pPr>
-            <a:lvl2pPr marL="676152" indent="-264990">
+            <a:lvl2pPr marL="676151" indent="-264989">
               <a:spcBef>
                 <a:spcPts val="300"/>
               </a:spcBef>
@@ -7442,7 +7574,7 @@
                 <a:sym typeface="Georgia"/>
               </a:defRPr>
             </a:lvl3pPr>
-            <a:lvl4pPr marL="1234064" indent="-254577">
+            <a:lvl4pPr marL="1234064" indent="-254576">
               <a:spcBef>
                 <a:spcPts val="300"/>
               </a:spcBef>
@@ -7519,15 +7651,15 @@
         </p:nvSpPr>
         <p:spPr>
           <a:xfrm>
-            <a:off x="8725125" y="-83503"/>
-            <a:ext cx="342675" cy="358141"/>
-          </a:xfrm>
-          <a:prstGeom prst="rect">
-            <a:avLst/>
-          </a:prstGeom>
-        </p:spPr>
-        <p:txBody>
-          <a:bodyPr lIns="45719" tIns="45719" rIns="45719" bIns="45719" anchor="b"/>
+            <a:off x="8725127" y="-83500"/>
+            <a:ext cx="342673" cy="358139"/>
+          </a:xfrm>
+          <a:prstGeom prst="rect">
+            <a:avLst/>
+          </a:prstGeom>
+        </p:spPr>
+        <p:txBody>
+          <a:bodyPr lIns="45718" tIns="45718" rIns="45718" bIns="45718" anchor="b"/>
           <a:lstStyle>
             <a:lvl1pPr>
               <a:defRPr sz="1800">
@@ -7588,8 +7720,8 @@
         </p:nvSpPr>
         <p:spPr>
           <a:xfrm>
-            <a:off x="-1" y="274637"/>
-            <a:ext cx="9144002" cy="63501"/>
+            <a:off x="-2" y="274636"/>
+            <a:ext cx="9144004" cy="63502"/>
           </a:xfrm>
           <a:prstGeom prst="rect">
             <a:avLst/>
@@ -7604,7 +7736,7 @@
           </a:ln>
         </p:spPr>
         <p:txBody>
-          <a:bodyPr lIns="45719" rIns="45719" anchor="ctr"/>
+          <a:bodyPr lIns="45718" tIns="45718" rIns="45718" bIns="45718" anchor="ctr"/>
           <a:lstStyle/>
           <a:p>
             <a:pPr algn="ctr">
@@ -7629,8 +7761,8 @@
         </p:nvSpPr>
         <p:spPr>
           <a:xfrm>
-            <a:off x="-1" y="0"/>
-            <a:ext cx="9144002" cy="233363"/>
+            <a:off x="-2" y="-1"/>
+            <a:ext cx="9144004" cy="233365"/>
           </a:xfrm>
           <a:prstGeom prst="rect">
             <a:avLst/>
@@ -7643,7 +7775,7 @@
           </a:ln>
         </p:spPr>
         <p:txBody>
-          <a:bodyPr lIns="45719" rIns="45719" anchor="ctr"/>
+          <a:bodyPr lIns="45718" tIns="45718" rIns="45718" bIns="45718" anchor="ctr"/>
           <a:lstStyle/>
           <a:p>
             <a:pPr algn="ctr">
@@ -7668,8 +7800,8 @@
         </p:nvSpPr>
         <p:spPr>
           <a:xfrm>
-            <a:off x="-1" y="231775"/>
-            <a:ext cx="9144002" cy="68263"/>
+            <a:off x="-2" y="231774"/>
+            <a:ext cx="9144004" cy="68265"/>
           </a:xfrm>
           <a:prstGeom prst="rect">
             <a:avLst/>
@@ -7682,7 +7814,7 @@
           </a:ln>
         </p:spPr>
         <p:txBody>
-          <a:bodyPr lIns="45719" rIns="45719" anchor="ctr"/>
+          <a:bodyPr lIns="45718" tIns="45718" rIns="45718" bIns="45718" anchor="ctr"/>
           <a:lstStyle/>
           <a:p>
             <a:pPr algn="ctr">
@@ -7708,7 +7840,7 @@
         <p:spPr>
           <a:xfrm flipV="1">
             <a:off x="5410200" y="269875"/>
-            <a:ext cx="3733800" cy="68263"/>
+            <a:ext cx="3733800" cy="68264"/>
           </a:xfrm>
           <a:prstGeom prst="rect">
             <a:avLst/>
@@ -7721,7 +7853,7 @@
           </a:ln>
         </p:spPr>
         <p:txBody>
-          <a:bodyPr lIns="45719" rIns="45719" anchor="ctr"/>
+          <a:bodyPr lIns="45718" tIns="45718" rIns="45718" bIns="45718" anchor="ctr"/>
           <a:lstStyle/>
           <a:p>
             <a:pPr algn="ctr">
@@ -7746,8 +7878,8 @@
         </p:nvSpPr>
         <p:spPr>
           <a:xfrm flipV="1">
-            <a:off x="5410200" y="330200"/>
-            <a:ext cx="3733800" cy="134938"/>
+            <a:off x="5410200" y="330199"/>
+            <a:ext cx="3733800" cy="134939"/>
           </a:xfrm>
           <a:prstGeom prst="rect">
             <a:avLst/>
@@ -7762,7 +7894,7 @@
           </a:ln>
         </p:spPr>
         <p:txBody>
-          <a:bodyPr lIns="45719" rIns="45719" anchor="ctr"/>
+          <a:bodyPr lIns="45718" tIns="45718" rIns="45718" bIns="45718" anchor="ctr"/>
           <a:lstStyle/>
           <a:p>
             <a:pPr algn="ctr">
@@ -7787,8 +7919,8 @@
         </p:nvSpPr>
         <p:spPr>
           <a:xfrm>
-            <a:off x="5407025" y="373062"/>
-            <a:ext cx="3063875" cy="20638"/>
+            <a:off x="5407025" y="373061"/>
+            <a:ext cx="3063875" cy="20639"/>
           </a:xfrm>
           <a:prstGeom prst="roundRect">
             <a:avLst>
@@ -7803,7 +7935,7 @@
           </a:ln>
         </p:spPr>
         <p:txBody>
-          <a:bodyPr lIns="45719" rIns="45719" anchor="ctr"/>
+          <a:bodyPr lIns="45718" tIns="45718" rIns="45718" bIns="45718" anchor="ctr"/>
           <a:lstStyle/>
           <a:p>
             <a:pPr algn="ctr">
@@ -7828,8 +7960,8 @@
         </p:nvSpPr>
         <p:spPr>
           <a:xfrm>
-            <a:off x="7373937" y="441325"/>
-            <a:ext cx="1600201" cy="28575"/>
+            <a:off x="7373936" y="441325"/>
+            <a:ext cx="1600202" cy="28575"/>
           </a:xfrm>
           <a:prstGeom prst="roundRect">
             <a:avLst>
@@ -7844,7 +7976,7 @@
           </a:ln>
         </p:spPr>
         <p:txBody>
-          <a:bodyPr lIns="45719" rIns="45719" anchor="ctr"/>
+          <a:bodyPr lIns="45718" tIns="45718" rIns="45718" bIns="45718" anchor="ctr"/>
           <a:lstStyle/>
           <a:p>
             <a:pPr algn="ctr">
@@ -7869,8 +8001,8 @@
         </p:nvSpPr>
         <p:spPr>
           <a:xfrm>
-            <a:off x="9085262" y="-1588"/>
-            <a:ext cx="57151" cy="466726"/>
+            <a:off x="9085261" y="-1589"/>
+            <a:ext cx="57152" cy="466728"/>
           </a:xfrm>
           <a:prstGeom prst="rect">
             <a:avLst/>
@@ -7885,7 +8017,7 @@
           </a:ln>
         </p:spPr>
         <p:txBody>
-          <a:bodyPr lIns="45719" rIns="45719" anchor="ctr"/>
+          <a:bodyPr lIns="45718" tIns="45718" rIns="45718" bIns="45718" anchor="ctr"/>
           <a:lstStyle/>
           <a:p>
             <a:pPr algn="ctr">
@@ -7910,8 +8042,8 @@
         </p:nvSpPr>
         <p:spPr>
           <a:xfrm>
-            <a:off x="9043987" y="-1588"/>
-            <a:ext cx="28576" cy="466726"/>
+            <a:off x="9043986" y="-1589"/>
+            <a:ext cx="28577" cy="466728"/>
           </a:xfrm>
           <a:prstGeom prst="rect">
             <a:avLst/>
@@ -7926,7 +8058,7 @@
           </a:ln>
         </p:spPr>
         <p:txBody>
-          <a:bodyPr lIns="45719" rIns="45719" anchor="ctr"/>
+          <a:bodyPr lIns="45718" tIns="45718" rIns="45718" bIns="45718" anchor="ctr"/>
           <a:lstStyle/>
           <a:p>
             <a:pPr algn="ctr">
@@ -7951,8 +8083,8 @@
         </p:nvSpPr>
         <p:spPr>
           <a:xfrm>
-            <a:off x="9023350" y="-1588"/>
-            <a:ext cx="12700" cy="466726"/>
+            <a:off x="9023350" y="-1589"/>
+            <a:ext cx="12700" cy="466728"/>
           </a:xfrm>
           <a:prstGeom prst="rect">
             <a:avLst/>
@@ -7967,7 +8099,7 @@
           </a:ln>
         </p:spPr>
         <p:txBody>
-          <a:bodyPr lIns="45719" rIns="45719" anchor="ctr"/>
+          <a:bodyPr lIns="45718" tIns="45718" rIns="45718" bIns="45718" anchor="ctr"/>
           <a:lstStyle/>
           <a:p>
             <a:pPr algn="ctr">
@@ -7992,8 +8124,8 @@
         </p:nvSpPr>
         <p:spPr>
           <a:xfrm>
-            <a:off x="8975725" y="-1588"/>
-            <a:ext cx="26988" cy="466726"/>
+            <a:off x="8975725" y="-1589"/>
+            <a:ext cx="26988" cy="466728"/>
           </a:xfrm>
           <a:prstGeom prst="rect">
             <a:avLst/>
@@ -8008,7 +8140,7 @@
           </a:ln>
         </p:spPr>
         <p:txBody>
-          <a:bodyPr lIns="45719" rIns="45719" anchor="ctr"/>
+          <a:bodyPr lIns="45718" tIns="45718" rIns="45718" bIns="45718" anchor="ctr"/>
           <a:lstStyle/>
           <a:p>
             <a:pPr algn="ctr">
@@ -8033,8 +8165,8 @@
         </p:nvSpPr>
         <p:spPr>
           <a:xfrm>
-            <a:off x="8915400" y="0"/>
-            <a:ext cx="55563" cy="439738"/>
+            <a:off x="8915399" y="0"/>
+            <a:ext cx="55565" cy="439738"/>
           </a:xfrm>
           <a:prstGeom prst="rect">
             <a:avLst/>
@@ -8049,7 +8181,7 @@
           </a:ln>
         </p:spPr>
         <p:txBody>
-          <a:bodyPr lIns="45719" rIns="45719" anchor="ctr"/>
+          <a:bodyPr lIns="45718" tIns="45718" rIns="45718" bIns="45718" anchor="ctr"/>
           <a:lstStyle/>
           <a:p>
             <a:pPr algn="ctr">
@@ -8074,8 +8206,8 @@
         </p:nvSpPr>
         <p:spPr>
           <a:xfrm>
-            <a:off x="8871743" y="0"/>
-            <a:ext cx="12701" cy="439738"/>
+            <a:off x="8871742" y="0"/>
+            <a:ext cx="12702" cy="439738"/>
           </a:xfrm>
           <a:prstGeom prst="rect">
             <a:avLst/>
@@ -8090,7 +8222,7 @@
           </a:ln>
         </p:spPr>
         <p:txBody>
-          <a:bodyPr lIns="45719" rIns="45719" anchor="ctr"/>
+          <a:bodyPr lIns="45718" tIns="45718" rIns="45718" bIns="45718" anchor="ctr"/>
           <a:lstStyle/>
           <a:p>
             <a:pPr algn="ctr">
@@ -8125,7 +8257,7 @@
           </a:prstGeom>
         </p:spPr>
         <p:txBody>
-          <a:bodyPr lIns="45719" tIns="45719" rIns="45719" bIns="45719" anchor="ctr"/>
+          <a:bodyPr lIns="45718" tIns="45718" rIns="45718" bIns="45718" anchor="ctr"/>
           <a:lstStyle>
             <a:lvl1pPr>
               <a:defRPr sz="4000">
@@ -8157,17 +8289,17 @@
         </p:nvSpPr>
         <p:spPr>
           <a:xfrm>
-            <a:off x="457200" y="1687512"/>
-            <a:ext cx="8229600" cy="3243263"/>
-          </a:xfrm>
-          <a:prstGeom prst="rect">
-            <a:avLst/>
-          </a:prstGeom>
-        </p:spPr>
-        <p:txBody>
-          <a:bodyPr lIns="45719" tIns="45719" rIns="45719" bIns="45719"/>
+            <a:off x="457200" y="1687511"/>
+            <a:ext cx="8229600" cy="3243264"/>
+          </a:xfrm>
+          <a:prstGeom prst="rect">
+            <a:avLst/>
+          </a:prstGeom>
+        </p:spPr>
+        <p:txBody>
+          <a:bodyPr lIns="45718" tIns="45718" rIns="45718" bIns="45718"/>
           <a:lstStyle>
-            <a:lvl1pPr marL="365125" indent="-255587">
+            <a:lvl1pPr marL="365125" indent="-255586">
               <a:spcBef>
                 <a:spcPts val="300"/>
               </a:spcBef>
@@ -8184,7 +8316,7 @@
                 <a:sym typeface="Georgia"/>
               </a:defRPr>
             </a:lvl1pPr>
-            <a:lvl2pPr marL="676152" indent="-264990">
+            <a:lvl2pPr marL="676151" indent="-264989">
               <a:spcBef>
                 <a:spcPts val="300"/>
               </a:spcBef>
@@ -8218,7 +8350,7 @@
                 <a:sym typeface="Georgia"/>
               </a:defRPr>
             </a:lvl3pPr>
-            <a:lvl4pPr marL="1234064" indent="-254577">
+            <a:lvl4pPr marL="1234064" indent="-254576">
               <a:spcBef>
                 <a:spcPts val="300"/>
               </a:spcBef>
@@ -8295,15 +8427,15 @@
         </p:nvSpPr>
         <p:spPr>
           <a:xfrm>
-            <a:off x="8593363" y="-81916"/>
-            <a:ext cx="342675" cy="358141"/>
-          </a:xfrm>
-          <a:prstGeom prst="rect">
-            <a:avLst/>
-          </a:prstGeom>
-        </p:spPr>
-        <p:txBody>
-          <a:bodyPr lIns="45719" tIns="45719" rIns="45719" bIns="45719" anchor="b"/>
+            <a:off x="8593365" y="-81914"/>
+            <a:ext cx="342674" cy="358139"/>
+          </a:xfrm>
+          <a:prstGeom prst="rect">
+            <a:avLst/>
+          </a:prstGeom>
+        </p:spPr>
+        <p:txBody>
+          <a:bodyPr lIns="45718" tIns="45718" rIns="45718" bIns="45718" anchor="b"/>
           <a:lstStyle>
             <a:lvl1pPr>
               <a:defRPr sz="1800">
@@ -8364,8 +8496,8 @@
         </p:nvSpPr>
         <p:spPr>
           <a:xfrm>
-            <a:off x="-1" y="274637"/>
-            <a:ext cx="9144002" cy="63501"/>
+            <a:off x="-2" y="274636"/>
+            <a:ext cx="9144004" cy="63502"/>
           </a:xfrm>
           <a:prstGeom prst="rect">
             <a:avLst/>
@@ -8380,7 +8512,7 @@
           </a:ln>
         </p:spPr>
         <p:txBody>
-          <a:bodyPr lIns="45719" rIns="45719" anchor="ctr"/>
+          <a:bodyPr lIns="45718" tIns="45718" rIns="45718" bIns="45718" anchor="ctr"/>
           <a:lstStyle/>
           <a:p>
             <a:pPr algn="ctr">
@@ -8405,8 +8537,8 @@
         </p:nvSpPr>
         <p:spPr>
           <a:xfrm>
-            <a:off x="-1" y="0"/>
-            <a:ext cx="9144002" cy="233363"/>
+            <a:off x="-2" y="-1"/>
+            <a:ext cx="9144004" cy="233365"/>
           </a:xfrm>
           <a:prstGeom prst="rect">
             <a:avLst/>
@@ -8419,7 +8551,7 @@
           </a:ln>
         </p:spPr>
         <p:txBody>
-          <a:bodyPr lIns="45719" rIns="45719" anchor="ctr"/>
+          <a:bodyPr lIns="45718" tIns="45718" rIns="45718" bIns="45718" anchor="ctr"/>
           <a:lstStyle/>
           <a:p>
             <a:pPr algn="ctr">
@@ -8444,8 +8576,8 @@
         </p:nvSpPr>
         <p:spPr>
           <a:xfrm>
-            <a:off x="-1" y="231775"/>
-            <a:ext cx="9144002" cy="68263"/>
+            <a:off x="-2" y="231774"/>
+            <a:ext cx="9144004" cy="68265"/>
           </a:xfrm>
           <a:prstGeom prst="rect">
             <a:avLst/>
@@ -8458,7 +8590,7 @@
           </a:ln>
         </p:spPr>
         <p:txBody>
-          <a:bodyPr lIns="45719" rIns="45719" anchor="ctr"/>
+          <a:bodyPr lIns="45718" tIns="45718" rIns="45718" bIns="45718" anchor="ctr"/>
           <a:lstStyle/>
           <a:p>
             <a:pPr algn="ctr">
@@ -8484,7 +8616,7 @@
         <p:spPr>
           <a:xfrm flipV="1">
             <a:off x="5410200" y="269875"/>
-            <a:ext cx="3733800" cy="68263"/>
+            <a:ext cx="3733800" cy="68264"/>
           </a:xfrm>
           <a:prstGeom prst="rect">
             <a:avLst/>
@@ -8497,7 +8629,7 @@
           </a:ln>
         </p:spPr>
         <p:txBody>
-          <a:bodyPr lIns="45719" rIns="45719" anchor="ctr"/>
+          <a:bodyPr lIns="45718" tIns="45718" rIns="45718" bIns="45718" anchor="ctr"/>
           <a:lstStyle/>
           <a:p>
             <a:pPr algn="ctr">
@@ -8522,8 +8654,8 @@
         </p:nvSpPr>
         <p:spPr>
           <a:xfrm flipV="1">
-            <a:off x="5410200" y="330200"/>
-            <a:ext cx="3733800" cy="134938"/>
+            <a:off x="5410200" y="330199"/>
+            <a:ext cx="3733800" cy="134939"/>
           </a:xfrm>
           <a:prstGeom prst="rect">
             <a:avLst/>
@@ -8538,7 +8670,7 @@
           </a:ln>
         </p:spPr>
         <p:txBody>
-          <a:bodyPr lIns="45719" rIns="45719" anchor="ctr"/>
+          <a:bodyPr lIns="45718" tIns="45718" rIns="45718" bIns="45718" anchor="ctr"/>
           <a:lstStyle/>
           <a:p>
             <a:pPr algn="ctr">
@@ -8563,8 +8695,8 @@
         </p:nvSpPr>
         <p:spPr>
           <a:xfrm>
-            <a:off x="5407025" y="373062"/>
-            <a:ext cx="3063875" cy="20638"/>
+            <a:off x="5407025" y="373061"/>
+            <a:ext cx="3063875" cy="20639"/>
           </a:xfrm>
           <a:prstGeom prst="roundRect">
             <a:avLst>
@@ -8579,7 +8711,7 @@
           </a:ln>
         </p:spPr>
         <p:txBody>
-          <a:bodyPr lIns="45719" rIns="45719" anchor="ctr"/>
+          <a:bodyPr lIns="45718" tIns="45718" rIns="45718" bIns="45718" anchor="ctr"/>
           <a:lstStyle/>
           <a:p>
             <a:pPr algn="ctr">
@@ -8604,8 +8736,8 @@
         </p:nvSpPr>
         <p:spPr>
           <a:xfrm>
-            <a:off x="7373937" y="441325"/>
-            <a:ext cx="1600201" cy="28575"/>
+            <a:off x="7373936" y="441325"/>
+            <a:ext cx="1600202" cy="28575"/>
           </a:xfrm>
           <a:prstGeom prst="roundRect">
             <a:avLst>
@@ -8620,7 +8752,7 @@
           </a:ln>
         </p:spPr>
         <p:txBody>
-          <a:bodyPr lIns="45719" rIns="45719" anchor="ctr"/>
+          <a:bodyPr lIns="45718" tIns="45718" rIns="45718" bIns="45718" anchor="ctr"/>
           <a:lstStyle/>
           <a:p>
             <a:pPr algn="ctr">
@@ -8645,8 +8777,8 @@
         </p:nvSpPr>
         <p:spPr>
           <a:xfrm>
-            <a:off x="9085262" y="-1588"/>
-            <a:ext cx="57151" cy="466726"/>
+            <a:off x="9085261" y="-1589"/>
+            <a:ext cx="57152" cy="466728"/>
           </a:xfrm>
           <a:prstGeom prst="rect">
             <a:avLst/>
@@ -8661,7 +8793,7 @@
           </a:ln>
         </p:spPr>
         <p:txBody>
-          <a:bodyPr lIns="45719" rIns="45719" anchor="ctr"/>
+          <a:bodyPr lIns="45718" tIns="45718" rIns="45718" bIns="45718" anchor="ctr"/>
           <a:lstStyle/>
           <a:p>
             <a:pPr algn="ctr">
@@ -8686,8 +8818,8 @@
         </p:nvSpPr>
         <p:spPr>
           <a:xfrm>
-            <a:off x="9043987" y="-1588"/>
-            <a:ext cx="28576" cy="466726"/>
+            <a:off x="9043986" y="-1589"/>
+            <a:ext cx="28577" cy="466728"/>
           </a:xfrm>
           <a:prstGeom prst="rect">
             <a:avLst/>
@@ -8702,7 +8834,7 @@
           </a:ln>
         </p:spPr>
         <p:txBody>
-          <a:bodyPr lIns="45719" rIns="45719" anchor="ctr"/>
+          <a:bodyPr lIns="45718" tIns="45718" rIns="45718" bIns="45718" anchor="ctr"/>
           <a:lstStyle/>
           <a:p>
             <a:pPr algn="ctr">
@@ -8727,8 +8859,8 @@
         </p:nvSpPr>
         <p:spPr>
           <a:xfrm>
-            <a:off x="9023350" y="-1588"/>
-            <a:ext cx="12700" cy="466726"/>
+            <a:off x="9023350" y="-1589"/>
+            <a:ext cx="12700" cy="466728"/>
           </a:xfrm>
           <a:prstGeom prst="rect">
             <a:avLst/>
@@ -8743,7 +8875,7 @@
           </a:ln>
         </p:spPr>
         <p:txBody>
-          <a:bodyPr lIns="45719" rIns="45719" anchor="ctr"/>
+          <a:bodyPr lIns="45718" tIns="45718" rIns="45718" bIns="45718" anchor="ctr"/>
           <a:lstStyle/>
           <a:p>
             <a:pPr algn="ctr">
@@ -8768,8 +8900,8 @@
         </p:nvSpPr>
         <p:spPr>
           <a:xfrm>
-            <a:off x="8975725" y="-1588"/>
-            <a:ext cx="26988" cy="466726"/>
+            <a:off x="8975725" y="-1589"/>
+            <a:ext cx="26988" cy="466728"/>
           </a:xfrm>
           <a:prstGeom prst="rect">
             <a:avLst/>
@@ -8784,7 +8916,7 @@
           </a:ln>
         </p:spPr>
         <p:txBody>
-          <a:bodyPr lIns="45719" rIns="45719" anchor="ctr"/>
+          <a:bodyPr lIns="45718" tIns="45718" rIns="45718" bIns="45718" anchor="ctr"/>
           <a:lstStyle/>
           <a:p>
             <a:pPr algn="ctr">
@@ -8809,8 +8941,8 @@
         </p:nvSpPr>
         <p:spPr>
           <a:xfrm>
-            <a:off x="8915400" y="0"/>
-            <a:ext cx="55563" cy="439738"/>
+            <a:off x="8915399" y="0"/>
+            <a:ext cx="55565" cy="439738"/>
           </a:xfrm>
           <a:prstGeom prst="rect">
             <a:avLst/>
@@ -8825,7 +8957,7 @@
           </a:ln>
         </p:spPr>
         <p:txBody>
-          <a:bodyPr lIns="45719" rIns="45719" anchor="ctr"/>
+          <a:bodyPr lIns="45718" tIns="45718" rIns="45718" bIns="45718" anchor="ctr"/>
           <a:lstStyle/>
           <a:p>
             <a:pPr algn="ctr">
@@ -8850,8 +8982,8 @@
         </p:nvSpPr>
         <p:spPr>
           <a:xfrm>
-            <a:off x="8871743" y="0"/>
-            <a:ext cx="12701" cy="439738"/>
+            <a:off x="8871742" y="0"/>
+            <a:ext cx="12702" cy="439738"/>
           </a:xfrm>
           <a:prstGeom prst="rect">
             <a:avLst/>
@@ -8866,7 +8998,7 @@
           </a:ln>
         </p:spPr>
         <p:txBody>
-          <a:bodyPr lIns="45719" rIns="45719" anchor="ctr"/>
+          <a:bodyPr lIns="45718" tIns="45718" rIns="45718" bIns="45718" anchor="ctr"/>
           <a:lstStyle/>
           <a:p>
             <a:pPr algn="ctr">
@@ -8901,7 +9033,7 @@
           </a:prstGeom>
         </p:spPr>
         <p:txBody>
-          <a:bodyPr lIns="45719" tIns="45719" rIns="45719" bIns="45719" anchor="ctr"/>
+          <a:bodyPr lIns="45718" tIns="45718" rIns="45718" bIns="45718" anchor="ctr"/>
           <a:lstStyle>
             <a:lvl1pPr>
               <a:defRPr sz="4000">
@@ -8933,17 +9065,17 @@
         </p:nvSpPr>
         <p:spPr>
           <a:xfrm>
-            <a:off x="457200" y="1687512"/>
-            <a:ext cx="8229600" cy="3243263"/>
-          </a:xfrm>
-          <a:prstGeom prst="rect">
-            <a:avLst/>
-          </a:prstGeom>
-        </p:spPr>
-        <p:txBody>
-          <a:bodyPr lIns="45719" tIns="45719" rIns="45719" bIns="45719"/>
+            <a:off x="457200" y="1687511"/>
+            <a:ext cx="8229600" cy="3243264"/>
+          </a:xfrm>
+          <a:prstGeom prst="rect">
+            <a:avLst/>
+          </a:prstGeom>
+        </p:spPr>
+        <p:txBody>
+          <a:bodyPr lIns="45718" tIns="45718" rIns="45718" bIns="45718"/>
           <a:lstStyle>
-            <a:lvl1pPr marL="365125" indent="-255587">
+            <a:lvl1pPr marL="365125" indent="-255586">
               <a:spcBef>
                 <a:spcPts val="300"/>
               </a:spcBef>
@@ -8960,7 +9092,7 @@
                 <a:sym typeface="Georgia"/>
               </a:defRPr>
             </a:lvl1pPr>
-            <a:lvl2pPr marL="676152" indent="-264990">
+            <a:lvl2pPr marL="676151" indent="-264989">
               <a:spcBef>
                 <a:spcPts val="300"/>
               </a:spcBef>
@@ -8994,7 +9126,7 @@
                 <a:sym typeface="Georgia"/>
               </a:defRPr>
             </a:lvl3pPr>
-            <a:lvl4pPr marL="1234064" indent="-254577">
+            <a:lvl4pPr marL="1234064" indent="-254576">
               <a:spcBef>
                 <a:spcPts val="300"/>
               </a:spcBef>
@@ -9071,15 +9203,15 @@
         </p:nvSpPr>
         <p:spPr>
           <a:xfrm>
-            <a:off x="8593363" y="-81916"/>
-            <a:ext cx="342675" cy="358141"/>
-          </a:xfrm>
-          <a:prstGeom prst="rect">
-            <a:avLst/>
-          </a:prstGeom>
-        </p:spPr>
-        <p:txBody>
-          <a:bodyPr lIns="45719" tIns="45719" rIns="45719" bIns="45719" anchor="b"/>
+            <a:off x="8593365" y="-81914"/>
+            <a:ext cx="342674" cy="358139"/>
+          </a:xfrm>
+          <a:prstGeom prst="rect">
+            <a:avLst/>
+          </a:prstGeom>
+        </p:spPr>
+        <p:txBody>
+          <a:bodyPr lIns="45718" tIns="45718" rIns="45718" bIns="45718" anchor="b"/>
           <a:lstStyle>
             <a:lvl1pPr>
               <a:defRPr sz="1800">
@@ -9144,8 +9276,8 @@
         </p:nvSpPr>
         <p:spPr>
           <a:xfrm>
-            <a:off x="-1" y="0"/>
-            <a:ext cx="9144002" cy="3851275"/>
+            <a:off x="-2" y="0"/>
+            <a:ext cx="9144004" cy="3851275"/>
           </a:xfrm>
           <a:prstGeom prst="rect">
             <a:avLst/>
@@ -9158,7 +9290,7 @@
           </a:ln>
         </p:spPr>
         <p:txBody>
-          <a:bodyPr lIns="45719" rIns="45719" anchor="ctr"/>
+          <a:bodyPr lIns="45718" tIns="45718" rIns="45718" bIns="45718" anchor="ctr"/>
           <a:lstStyle/>
           <a:p>
             <a:pPr algn="ctr">
@@ -9183,8 +9315,8 @@
         </p:nvSpPr>
         <p:spPr>
           <a:xfrm>
-            <a:off x="-1" y="3846512"/>
-            <a:ext cx="9144002" cy="33338"/>
+            <a:off x="-2" y="3846512"/>
+            <a:ext cx="9144004" cy="33339"/>
           </a:xfrm>
           <a:prstGeom prst="rect">
             <a:avLst/>
@@ -9204,7 +9336,7 @@
           </a:effectLst>
         </p:spPr>
         <p:txBody>
-          <a:bodyPr lIns="45719" rIns="45719" anchor="ctr"/>
+          <a:bodyPr lIns="45718" tIns="45718" rIns="45718" bIns="45718" anchor="ctr"/>
           <a:lstStyle/>
           <a:p>
             <a:pPr algn="ctr">
@@ -9239,7 +9371,7 @@
           </a:prstGeom>
         </p:spPr>
         <p:txBody>
-          <a:bodyPr lIns="45719" tIns="45719" rIns="45719" bIns="45719" anchor="ctr"/>
+          <a:bodyPr lIns="45718" tIns="45718" rIns="45718" bIns="45718" anchor="ctr"/>
           <a:lstStyle>
             <a:lvl1pPr>
               <a:defRPr sz="4500">
@@ -9279,14 +9411,15 @@
           </a:prstGeom>
         </p:spPr>
         <p:txBody>
-          <a:bodyPr lIns="45719" tIns="45719" rIns="45719" bIns="45719"/>
+          <a:bodyPr lIns="45718" tIns="45718" rIns="45718" bIns="45718"/>
           <a:lstStyle>
-            <a:lvl1pPr marL="438150" indent="-319087">
+            <a:lvl1pPr marL="438150" indent="-319086">
               <a:buClr>
                 <a:srgbClr val="F0AD00"/>
               </a:buClr>
               <a:buSzPct val="80000"/>
-              <a:buChar char=""/>
+              <a:buFont typeface="Avenir Next"/>
+              <a:buChar char="­"/>
               <a:defRPr sz="3200">
                 <a:solidFill>
                   <a:srgbClr val="FFFFFF"/>
@@ -9302,6 +9435,7 @@
                 <a:srgbClr val="F0AD00"/>
               </a:buClr>
               <a:buSzPct val="90000"/>
+              <a:buFont typeface="Avenir Next"/>
               <a:buChar char="▪"/>
               <a:defRPr sz="3200">
                 <a:solidFill>
@@ -9318,6 +9452,7 @@
                 <a:srgbClr val="F0AD00"/>
               </a:buClr>
               <a:buSzPct val="100000"/>
+              <a:buFont typeface="Avenir Next"/>
               <a:buChar char="▪"/>
               <a:defRPr sz="3200">
                 <a:solidFill>
@@ -9334,6 +9469,7 @@
                 <a:srgbClr val="F0AD00"/>
               </a:buClr>
               <a:buSzPct val="100000"/>
+              <a:buFont typeface="Avenir Next"/>
               <a:buChar char="▪"/>
               <a:defRPr sz="3200">
                 <a:solidFill>
@@ -9345,12 +9481,13 @@
                 <a:sym typeface="Avenir Next"/>
               </a:defRPr>
             </a:lvl4pPr>
-            <a:lvl5pPr marL="1567568" indent="-324555">
+            <a:lvl5pPr marL="1567567" indent="-324554">
               <a:buClr>
                 <a:srgbClr val="F0AD00"/>
               </a:buClr>
               <a:buSzPct val="100000"/>
-              <a:buChar char=""/>
+              <a:buFont typeface="Avenir Next"/>
+              <a:buChar char="­"/>
               <a:defRPr sz="3200">
                 <a:solidFill>
                   <a:srgbClr val="FFFFFF"/>
@@ -9473,8 +9610,8 @@
         </p:nvSpPr>
         <p:spPr>
           <a:xfrm>
-            <a:off x="-1" y="0"/>
-            <a:ext cx="9144002" cy="1952625"/>
+            <a:off x="-2" y="0"/>
+            <a:ext cx="9144004" cy="1952625"/>
           </a:xfrm>
           <a:prstGeom prst="rect">
             <a:avLst/>
@@ -9487,7 +9624,7 @@
           </a:ln>
         </p:spPr>
         <p:txBody>
-          <a:bodyPr lIns="45719" rIns="45719" anchor="ctr"/>
+          <a:bodyPr lIns="45718" tIns="45718" rIns="45718" bIns="45718" anchor="ctr"/>
           <a:lstStyle/>
           <a:p>
             <a:pPr algn="ctr">
@@ -9512,8 +9649,8 @@
         </p:nvSpPr>
         <p:spPr>
           <a:xfrm>
-            <a:off x="-1" y="1952625"/>
-            <a:ext cx="9144002" cy="33338"/>
+            <a:off x="-2" y="1952625"/>
+            <a:ext cx="9144004" cy="33338"/>
           </a:xfrm>
           <a:prstGeom prst="rect">
             <a:avLst/>
@@ -9533,7 +9670,7 @@
           </a:effectLst>
         </p:spPr>
         <p:txBody>
-          <a:bodyPr lIns="45719" rIns="45719" anchor="ctr"/>
+          <a:bodyPr lIns="45718" tIns="45718" rIns="45718" bIns="45718" anchor="ctr"/>
           <a:lstStyle/>
           <a:p>
             <a:pPr algn="ctr">
@@ -9568,7 +9705,7 @@
           </a:prstGeom>
         </p:spPr>
         <p:txBody>
-          <a:bodyPr lIns="45719" tIns="45719" rIns="45719" bIns="45719" anchor="ctr"/>
+          <a:bodyPr lIns="45718" tIns="45718" rIns="45718" bIns="45718" anchor="ctr"/>
           <a:lstStyle>
             <a:lvl1pPr>
               <a:defRPr sz="4500">
@@ -9608,14 +9745,15 @@
           </a:prstGeom>
         </p:spPr>
         <p:txBody>
-          <a:bodyPr lIns="45719" tIns="45719" rIns="45719" bIns="45719"/>
+          <a:bodyPr lIns="45718" tIns="45718" rIns="45718" bIns="45718"/>
           <a:lstStyle>
-            <a:lvl1pPr marL="438150" indent="-319087">
+            <a:lvl1pPr marL="438150" indent="-319086">
               <a:buClr>
                 <a:srgbClr val="F0AD00"/>
               </a:buClr>
               <a:buSzPct val="80000"/>
-              <a:buChar char=""/>
+              <a:buFont typeface="Avenir Next"/>
+              <a:buChar char="­"/>
               <a:defRPr sz="3200">
                 <a:solidFill>
                   <a:srgbClr val="FFFFFF"/>
@@ -9631,6 +9769,7 @@
                 <a:srgbClr val="F0AD00"/>
               </a:buClr>
               <a:buSzPct val="90000"/>
+              <a:buFont typeface="Avenir Next"/>
               <a:buChar char="▪"/>
               <a:defRPr sz="3200">
                 <a:solidFill>
@@ -9647,6 +9786,7 @@
                 <a:srgbClr val="F0AD00"/>
               </a:buClr>
               <a:buSzPct val="100000"/>
+              <a:buFont typeface="Avenir Next"/>
               <a:buChar char="▪"/>
               <a:defRPr sz="3200">
                 <a:solidFill>
@@ -9663,6 +9803,7 @@
                 <a:srgbClr val="F0AD00"/>
               </a:buClr>
               <a:buSzPct val="100000"/>
+              <a:buFont typeface="Avenir Next"/>
               <a:buChar char="▪"/>
               <a:defRPr sz="3200">
                 <a:solidFill>
@@ -9674,12 +9815,13 @@
                 <a:sym typeface="Avenir Next"/>
               </a:defRPr>
             </a:lvl4pPr>
-            <a:lvl5pPr marL="1567568" indent="-324555">
+            <a:lvl5pPr marL="1567567" indent="-324554">
               <a:buClr>
                 <a:srgbClr val="F0AD00"/>
               </a:buClr>
               <a:buSzPct val="100000"/>
-              <a:buChar char=""/>
+              <a:buFont typeface="Avenir Next"/>
+              <a:buChar char="­"/>
               <a:defRPr sz="3200">
                 <a:solidFill>
                   <a:srgbClr val="FFFFFF"/>
@@ -9808,7 +9950,7 @@
           </a:prstGeom>
         </p:spPr>
         <p:txBody>
-          <a:bodyPr lIns="45719" tIns="45719" rIns="45719" bIns="45719" anchor="ctr"/>
+          <a:bodyPr lIns="45718" tIns="45718" rIns="45718" bIns="45718" anchor="ctr"/>
           <a:lstStyle>
             <a:lvl1pPr>
               <a:defRPr sz="4500">
@@ -9848,14 +9990,15 @@
           </a:prstGeom>
         </p:spPr>
         <p:txBody>
-          <a:bodyPr lIns="45719" tIns="45719" rIns="45719" bIns="45719"/>
+          <a:bodyPr lIns="45718" tIns="45718" rIns="45718" bIns="45718"/>
           <a:lstStyle>
-            <a:lvl1pPr marL="438150" indent="-319087">
+            <a:lvl1pPr marL="438150" indent="-319086">
               <a:buClr>
                 <a:srgbClr val="F0AD00"/>
               </a:buClr>
               <a:buSzPct val="80000"/>
-              <a:buChar char=""/>
+              <a:buFont typeface="Avenir Next"/>
+              <a:buChar char="­"/>
               <a:defRPr sz="3200">
                 <a:latin typeface="Avenir Next"/>
                 <a:ea typeface="Avenir Next"/>
@@ -9868,6 +10011,7 @@
                 <a:srgbClr val="F0AD00"/>
               </a:buClr>
               <a:buSzPct val="90000"/>
+              <a:buFont typeface="Avenir Next"/>
               <a:buChar char="▪"/>
               <a:defRPr sz="3200">
                 <a:latin typeface="Avenir Next"/>
@@ -9881,6 +10025,7 @@
                 <a:srgbClr val="F0AD00"/>
               </a:buClr>
               <a:buSzPct val="100000"/>
+              <a:buFont typeface="Avenir Next"/>
               <a:buChar char="▪"/>
               <a:defRPr sz="3200">
                 <a:latin typeface="Avenir Next"/>
@@ -9894,6 +10039,7 @@
                 <a:srgbClr val="F0AD00"/>
               </a:buClr>
               <a:buSzPct val="100000"/>
+              <a:buFont typeface="Avenir Next"/>
               <a:buChar char="▪"/>
               <a:defRPr sz="3200">
                 <a:latin typeface="Avenir Next"/>
@@ -9902,12 +10048,13 @@
                 <a:sym typeface="Avenir Next"/>
               </a:defRPr>
             </a:lvl4pPr>
-            <a:lvl5pPr marL="1567568" indent="-324555">
+            <a:lvl5pPr marL="1567567" indent="-324554">
               <a:buClr>
                 <a:srgbClr val="F0AD00"/>
               </a:buClr>
               <a:buSzPct val="100000"/>
-              <a:buChar char=""/>
+              <a:buFont typeface="Avenir Next"/>
+              <a:buChar char="­"/>
               <a:defRPr sz="3200">
                 <a:latin typeface="Avenir Next"/>
                 <a:ea typeface="Avenir Next"/>
@@ -10023,8 +10170,8 @@
         </p:nvSpPr>
         <p:spPr>
           <a:xfrm>
-            <a:off x="-1" y="1076325"/>
-            <a:ext cx="9144002" cy="34925"/>
+            <a:off x="-2" y="1076325"/>
+            <a:ext cx="9144004" cy="34925"/>
           </a:xfrm>
           <a:prstGeom prst="rect">
             <a:avLst/>
@@ -10044,7 +10191,7 @@
           </a:effectLst>
         </p:spPr>
         <p:txBody>
-          <a:bodyPr lIns="45719" rIns="45719" anchor="ctr"/>
+          <a:bodyPr lIns="45718" tIns="45718" rIns="45718" bIns="45718" anchor="ctr"/>
           <a:lstStyle/>
           <a:p>
             <a:pPr algn="ctr">
@@ -10069,8 +10216,8 @@
         </p:nvSpPr>
         <p:spPr>
           <a:xfrm>
-            <a:off x="-1" y="0"/>
-            <a:ext cx="9144002" cy="1074738"/>
+            <a:off x="-2" y="0"/>
+            <a:ext cx="9144004" cy="1074738"/>
           </a:xfrm>
           <a:prstGeom prst="rect">
             <a:avLst/>
@@ -10083,7 +10230,7 @@
           </a:ln>
         </p:spPr>
         <p:txBody>
-          <a:bodyPr lIns="45719" rIns="45719" anchor="ctr"/>
+          <a:bodyPr lIns="45718" tIns="45718" rIns="45718" bIns="45718" anchor="ctr"/>
           <a:lstStyle/>
           <a:p>
             <a:pPr algn="ctr">
@@ -10108,8 +10255,8 @@
         </p:nvSpPr>
         <p:spPr>
           <a:xfrm>
-            <a:off x="2855912" y="0"/>
-            <a:ext cx="46039" cy="1090613"/>
+            <a:off x="2855911" y="0"/>
+            <a:ext cx="46040" cy="1090613"/>
           </a:xfrm>
           <a:prstGeom prst="rect">
             <a:avLst/>
@@ -10122,7 +10269,7 @@
           </a:ln>
         </p:spPr>
         <p:txBody>
-          <a:bodyPr lIns="45719" rIns="45719" anchor="ctr"/>
+          <a:bodyPr lIns="45718" tIns="45718" rIns="45718" bIns="45718" anchor="ctr"/>
           <a:lstStyle/>
           <a:p>
             <a:pPr algn="ctr">
@@ -10147,8 +10294,8 @@
         </p:nvSpPr>
         <p:spPr>
           <a:xfrm>
-            <a:off x="2855912" y="0"/>
-            <a:ext cx="46039" cy="1090613"/>
+            <a:off x="2855911" y="0"/>
+            <a:ext cx="46040" cy="1090613"/>
           </a:xfrm>
           <a:prstGeom prst="rect">
             <a:avLst/>
@@ -10161,7 +10308,7 @@
           </a:ln>
         </p:spPr>
         <p:txBody>
-          <a:bodyPr lIns="45719" rIns="45719" anchor="ctr"/>
+          <a:bodyPr lIns="45718" tIns="45718" rIns="45718" bIns="45718" anchor="ctr"/>
           <a:lstStyle/>
           <a:p>
             <a:pPr algn="ctr">
@@ -10196,7 +10343,7 @@
           </a:prstGeom>
         </p:spPr>
         <p:txBody>
-          <a:bodyPr lIns="45719" tIns="45719" rIns="45719" bIns="45719" anchor="ctr"/>
+          <a:bodyPr lIns="45718" tIns="45718" rIns="45718" bIns="45718" anchor="ctr"/>
           <a:lstStyle>
             <a:lvl1pPr>
               <a:defRPr sz="4500">
@@ -10236,14 +10383,15 @@
           </a:prstGeom>
         </p:spPr>
         <p:txBody>
-          <a:bodyPr lIns="45719" tIns="45719" rIns="45719" bIns="45719"/>
+          <a:bodyPr lIns="45718" tIns="45718" rIns="45718" bIns="45718"/>
           <a:lstStyle>
-            <a:lvl1pPr marL="438150" indent="-319087">
+            <a:lvl1pPr marL="438150" indent="-319086">
               <a:buClr>
                 <a:srgbClr val="F0AD00"/>
               </a:buClr>
               <a:buSzPct val="80000"/>
-              <a:buChar char=""/>
+              <a:buFont typeface="Avenir Next"/>
+              <a:buChar char="­"/>
               <a:defRPr sz="3200">
                 <a:latin typeface="Avenir Next"/>
                 <a:ea typeface="Avenir Next"/>
@@ -10256,6 +10404,7 @@
                 <a:srgbClr val="F0AD00"/>
               </a:buClr>
               <a:buSzPct val="90000"/>
+              <a:buFont typeface="Avenir Next"/>
               <a:buChar char="▪"/>
               <a:defRPr sz="3200">
                 <a:latin typeface="Avenir Next"/>
@@ -10269,6 +10418,7 @@
                 <a:srgbClr val="F0AD00"/>
               </a:buClr>
               <a:buSzPct val="100000"/>
+              <a:buFont typeface="Avenir Next"/>
               <a:buChar char="▪"/>
               <a:defRPr sz="3200">
                 <a:latin typeface="Avenir Next"/>
@@ -10282,6 +10432,7 @@
                 <a:srgbClr val="F0AD00"/>
               </a:buClr>
               <a:buSzPct val="100000"/>
+              <a:buFont typeface="Avenir Next"/>
               <a:buChar char="▪"/>
               <a:defRPr sz="3200">
                 <a:latin typeface="Avenir Next"/>
@@ -10290,12 +10441,13 @@
                 <a:sym typeface="Avenir Next"/>
               </a:defRPr>
             </a:lvl4pPr>
-            <a:lvl5pPr marL="1567568" indent="-324555">
+            <a:lvl5pPr marL="1567567" indent="-324554">
               <a:buClr>
                 <a:srgbClr val="F0AD00"/>
               </a:buClr>
               <a:buSzPct val="100000"/>
-              <a:buChar char=""/>
+              <a:buFont typeface="Avenir Next"/>
+              <a:buChar char="­"/>
               <a:defRPr sz="3200">
                 <a:latin typeface="Avenir Next"/>
                 <a:ea typeface="Avenir Next"/>
@@ -10411,8 +10563,8 @@
         </p:nvSpPr>
         <p:spPr>
           <a:xfrm>
-            <a:off x="-1" y="1076325"/>
-            <a:ext cx="9144002" cy="34925"/>
+            <a:off x="-2" y="1076325"/>
+            <a:ext cx="9144004" cy="34925"/>
           </a:xfrm>
           <a:prstGeom prst="rect">
             <a:avLst/>
@@ -10432,7 +10584,7 @@
           </a:effectLst>
         </p:spPr>
         <p:txBody>
-          <a:bodyPr lIns="45719" rIns="45719" anchor="ctr"/>
+          <a:bodyPr lIns="45718" tIns="45718" rIns="45718" bIns="45718" anchor="ctr"/>
           <a:lstStyle/>
           <a:p>
             <a:pPr algn="ctr">
@@ -10457,8 +10609,8 @@
         </p:nvSpPr>
         <p:spPr>
           <a:xfrm>
-            <a:off x="-1" y="0"/>
-            <a:ext cx="9144002" cy="1074738"/>
+            <a:off x="-2" y="0"/>
+            <a:ext cx="9144004" cy="1074738"/>
           </a:xfrm>
           <a:prstGeom prst="rect">
             <a:avLst/>
@@ -10471,7 +10623,7 @@
           </a:ln>
         </p:spPr>
         <p:txBody>
-          <a:bodyPr lIns="45719" rIns="45719" anchor="ctr"/>
+          <a:bodyPr lIns="45718" tIns="45718" rIns="45718" bIns="45718" anchor="ctr"/>
           <a:lstStyle/>
           <a:p>
             <a:pPr algn="ctr">
@@ -10496,8 +10648,8 @@
         </p:nvSpPr>
         <p:spPr>
           <a:xfrm>
-            <a:off x="2855912" y="-1"/>
-            <a:ext cx="46039" cy="5143502"/>
+            <a:off x="2855911" y="-1"/>
+            <a:ext cx="46040" cy="5143502"/>
           </a:xfrm>
           <a:prstGeom prst="rect">
             <a:avLst/>
@@ -10510,7 +10662,7 @@
           </a:ln>
         </p:spPr>
         <p:txBody>
-          <a:bodyPr lIns="45719" rIns="45719" anchor="ctr"/>
+          <a:bodyPr lIns="45718" tIns="45718" rIns="45718" bIns="45718" anchor="ctr"/>
           <a:lstStyle/>
           <a:p>
             <a:pPr algn="ctr">
@@ -10535,8 +10687,8 @@
         </p:nvSpPr>
         <p:spPr>
           <a:xfrm>
-            <a:off x="2855912" y="-1"/>
-            <a:ext cx="46039" cy="5143502"/>
+            <a:off x="2855911" y="-1"/>
+            <a:ext cx="46040" cy="5143502"/>
           </a:xfrm>
           <a:prstGeom prst="rect">
             <a:avLst/>
@@ -10549,7 +10701,7 @@
           </a:ln>
         </p:spPr>
         <p:txBody>
-          <a:bodyPr lIns="45719" rIns="45719" anchor="ctr"/>
+          <a:bodyPr lIns="45718" tIns="45718" rIns="45718" bIns="45718" anchor="ctr"/>
           <a:lstStyle/>
           <a:p>
             <a:pPr algn="ctr">
@@ -10584,7 +10736,7 @@
           </a:prstGeom>
         </p:spPr>
         <p:txBody>
-          <a:bodyPr lIns="45719" tIns="45719" rIns="45719" bIns="45719" anchor="ctr"/>
+          <a:bodyPr lIns="45718" tIns="45718" rIns="45718" bIns="45718" anchor="ctr"/>
           <a:lstStyle>
             <a:lvl1pPr>
               <a:defRPr sz="4500">
@@ -10624,14 +10776,15 @@
           </a:prstGeom>
         </p:spPr>
         <p:txBody>
-          <a:bodyPr lIns="45719" tIns="45719" rIns="45719" bIns="45719"/>
+          <a:bodyPr lIns="45718" tIns="45718" rIns="45718" bIns="45718"/>
           <a:lstStyle>
-            <a:lvl1pPr marL="438150" indent="-319087">
+            <a:lvl1pPr marL="438150" indent="-319086">
               <a:buClr>
                 <a:srgbClr val="F0AD00"/>
               </a:buClr>
               <a:buSzPct val="80000"/>
-              <a:buChar char=""/>
+              <a:buFont typeface="Avenir Next"/>
+              <a:buChar char="­"/>
               <a:defRPr sz="3200">
                 <a:latin typeface="Avenir Next"/>
                 <a:ea typeface="Avenir Next"/>
@@ -10644,6 +10797,7 @@
                 <a:srgbClr val="F0AD00"/>
               </a:buClr>
               <a:buSzPct val="90000"/>
+              <a:buFont typeface="Avenir Next"/>
               <a:buChar char="▪"/>
               <a:defRPr sz="3200">
                 <a:latin typeface="Avenir Next"/>
@@ -10657,6 +10811,7 @@
                 <a:srgbClr val="F0AD00"/>
               </a:buClr>
               <a:buSzPct val="100000"/>
+              <a:buFont typeface="Avenir Next"/>
               <a:buChar char="▪"/>
               <a:defRPr sz="3200">
                 <a:latin typeface="Avenir Next"/>
@@ -10670,6 +10825,7 @@
                 <a:srgbClr val="F0AD00"/>
               </a:buClr>
               <a:buSzPct val="100000"/>
+              <a:buFont typeface="Avenir Next"/>
               <a:buChar char="▪"/>
               <a:defRPr sz="3200">
                 <a:latin typeface="Avenir Next"/>
@@ -10678,12 +10834,13 @@
                 <a:sym typeface="Avenir Next"/>
               </a:defRPr>
             </a:lvl4pPr>
-            <a:lvl5pPr marL="1567568" indent="-324555">
+            <a:lvl5pPr marL="1567567" indent="-324554">
               <a:buClr>
                 <a:srgbClr val="F0AD00"/>
               </a:buClr>
               <a:buSzPct val="100000"/>
-              <a:buChar char=""/>
+              <a:buFont typeface="Avenir Next"/>
+              <a:buChar char="­"/>
               <a:defRPr sz="3200">
                 <a:latin typeface="Avenir Next"/>
                 <a:ea typeface="Avenir Next"/>
@@ -10799,8 +10956,8 @@
         </p:nvSpPr>
         <p:spPr>
           <a:xfrm>
-            <a:off x="6599237" y="-1"/>
-            <a:ext cx="46039" cy="5143502"/>
+            <a:off x="6599236" y="-1"/>
+            <a:ext cx="46040" cy="5143502"/>
           </a:xfrm>
           <a:prstGeom prst="rect">
             <a:avLst/>
@@ -10820,7 +10977,7 @@
           </a:effectLst>
         </p:spPr>
         <p:txBody>
-          <a:bodyPr lIns="45719" rIns="45719" anchor="ctr"/>
+          <a:bodyPr lIns="45718" tIns="45718" rIns="45718" bIns="45718" anchor="ctr"/>
           <a:lstStyle/>
           <a:p>
             <a:pPr algn="ctr">
@@ -10859,7 +11016,7 @@
           </a:ln>
         </p:spPr>
         <p:txBody>
-          <a:bodyPr lIns="45719" rIns="45719" anchor="ctr"/>
+          <a:bodyPr lIns="45718" tIns="45718" rIns="45718" bIns="45718" anchor="ctr"/>
           <a:lstStyle/>
           <a:p>
             <a:pPr algn="ctr">
@@ -10894,7 +11051,7 @@
           </a:prstGeom>
         </p:spPr>
         <p:txBody>
-          <a:bodyPr lIns="45719" tIns="45719" rIns="45719" bIns="45719" anchor="ctr"/>
+          <a:bodyPr lIns="45718" tIns="45718" rIns="45718" bIns="45718" anchor="ctr"/>
           <a:lstStyle>
             <a:lvl1pPr>
               <a:defRPr sz="4500">
@@ -10934,14 +11091,15 @@
           </a:prstGeom>
         </p:spPr>
         <p:txBody>
-          <a:bodyPr lIns="45719" tIns="45719" rIns="45719" bIns="45719"/>
+          <a:bodyPr lIns="45718" tIns="45718" rIns="45718" bIns="45718"/>
           <a:lstStyle>
-            <a:lvl1pPr marL="438150" indent="-319087">
+            <a:lvl1pPr marL="438150" indent="-319086">
               <a:buClr>
                 <a:srgbClr val="F0AD00"/>
               </a:buClr>
               <a:buSzPct val="80000"/>
-              <a:buChar char=""/>
+              <a:buFont typeface="Avenir Next"/>
+              <a:buChar char="­"/>
               <a:defRPr sz="3200">
                 <a:latin typeface="Avenir Next"/>
                 <a:ea typeface="Avenir Next"/>
@@ -10954,6 +11112,7 @@
                 <a:srgbClr val="F0AD00"/>
               </a:buClr>
               <a:buSzPct val="90000"/>
+              <a:buFont typeface="Avenir Next"/>
               <a:buChar char="▪"/>
               <a:defRPr sz="3200">
                 <a:latin typeface="Avenir Next"/>
@@ -10967,6 +11126,7 @@
                 <a:srgbClr val="F0AD00"/>
               </a:buClr>
               <a:buSzPct val="100000"/>
+              <a:buFont typeface="Avenir Next"/>
               <a:buChar char="▪"/>
               <a:defRPr sz="3200">
                 <a:latin typeface="Avenir Next"/>
@@ -10980,6 +11140,7 @@
                 <a:srgbClr val="F0AD00"/>
               </a:buClr>
               <a:buSzPct val="100000"/>
+              <a:buFont typeface="Avenir Next"/>
               <a:buChar char="▪"/>
               <a:defRPr sz="3200">
                 <a:latin typeface="Avenir Next"/>
@@ -10988,12 +11149,13 @@
                 <a:sym typeface="Avenir Next"/>
               </a:defRPr>
             </a:lvl4pPr>
-            <a:lvl5pPr marL="1567568" indent="-324555">
+            <a:lvl5pPr marL="1567567" indent="-324554">
               <a:buClr>
                 <a:srgbClr val="F0AD00"/>
               </a:buClr>
               <a:buSzPct val="100000"/>
-              <a:buChar char=""/>
+              <a:buFont typeface="Avenir Next"/>
+              <a:buChar char="­"/>
               <a:defRPr sz="3200">
                 <a:latin typeface="Avenir Next"/>
                 <a:ea typeface="Avenir Next"/>
@@ -11109,8 +11271,8 @@
         </p:nvSpPr>
         <p:spPr>
           <a:xfrm>
-            <a:off x="-1" y="1076325"/>
-            <a:ext cx="9144002" cy="34925"/>
+            <a:off x="-2" y="1076325"/>
+            <a:ext cx="9144004" cy="34925"/>
           </a:xfrm>
           <a:prstGeom prst="rect">
             <a:avLst/>
@@ -11130,7 +11292,7 @@
           </a:effectLst>
         </p:spPr>
         <p:txBody>
-          <a:bodyPr lIns="45719" rIns="45719" anchor="ctr"/>
+          <a:bodyPr lIns="45718" tIns="45718" rIns="45718" bIns="45718" anchor="ctr"/>
           <a:lstStyle/>
           <a:p>
             <a:pPr algn="ctr">
@@ -11155,8 +11317,8 @@
         </p:nvSpPr>
         <p:spPr>
           <a:xfrm>
-            <a:off x="-1" y="0"/>
-            <a:ext cx="9144002" cy="1074738"/>
+            <a:off x="-2" y="0"/>
+            <a:ext cx="9144004" cy="1074738"/>
           </a:xfrm>
           <a:prstGeom prst="rect">
             <a:avLst/>
@@ -11169,7 +11331,7 @@
           </a:ln>
         </p:spPr>
         <p:txBody>
-          <a:bodyPr lIns="45719" rIns="45719" anchor="ctr"/>
+          <a:bodyPr lIns="45718" tIns="45718" rIns="45718" bIns="45718" anchor="ctr"/>
           <a:lstStyle/>
           <a:p>
             <a:pPr algn="ctr">
@@ -11261,8 +11423,8 @@
         </p:nvSpPr>
         <p:spPr>
           <a:xfrm>
-            <a:off x="-1" y="274637"/>
-            <a:ext cx="9144002" cy="63501"/>
+            <a:off x="-2" y="274636"/>
+            <a:ext cx="9144004" cy="63502"/>
           </a:xfrm>
           <a:prstGeom prst="rect">
             <a:avLst/>
@@ -11277,7 +11439,7 @@
           </a:ln>
         </p:spPr>
         <p:txBody>
-          <a:bodyPr lIns="45719" rIns="45719" anchor="ctr"/>
+          <a:bodyPr lIns="45718" tIns="45718" rIns="45718" bIns="45718" anchor="ctr"/>
           <a:lstStyle/>
           <a:p>
             <a:pPr algn="ctr">
@@ -11302,8 +11464,8 @@
         </p:nvSpPr>
         <p:spPr>
           <a:xfrm>
-            <a:off x="-1" y="0"/>
-            <a:ext cx="9144002" cy="233363"/>
+            <a:off x="-2" y="-1"/>
+            <a:ext cx="9144004" cy="233365"/>
           </a:xfrm>
           <a:prstGeom prst="rect">
             <a:avLst/>
@@ -11316,7 +11478,7 @@
           </a:ln>
         </p:spPr>
         <p:txBody>
-          <a:bodyPr lIns="45719" rIns="45719" anchor="ctr"/>
+          <a:bodyPr lIns="45718" tIns="45718" rIns="45718" bIns="45718" anchor="ctr"/>
           <a:lstStyle/>
           <a:p>
             <a:pPr algn="ctr">
@@ -11341,8 +11503,8 @@
         </p:nvSpPr>
         <p:spPr>
           <a:xfrm>
-            <a:off x="-1" y="231775"/>
-            <a:ext cx="9144002" cy="68263"/>
+            <a:off x="-2" y="231774"/>
+            <a:ext cx="9144004" cy="68265"/>
           </a:xfrm>
           <a:prstGeom prst="rect">
             <a:avLst/>
@@ -11355,7 +11517,7 @@
           </a:ln>
         </p:spPr>
         <p:txBody>
-          <a:bodyPr lIns="45719" rIns="45719" anchor="ctr"/>
+          <a:bodyPr lIns="45718" tIns="45718" rIns="45718" bIns="45718" anchor="ctr"/>
           <a:lstStyle/>
           <a:p>
             <a:pPr algn="ctr">
@@ -11381,7 +11543,7 @@
         <p:spPr>
           <a:xfrm flipV="1">
             <a:off x="5410200" y="269875"/>
-            <a:ext cx="3733800" cy="68263"/>
+            <a:ext cx="3733800" cy="68264"/>
           </a:xfrm>
           <a:prstGeom prst="rect">
             <a:avLst/>
@@ -11394,7 +11556,7 @@
           </a:ln>
         </p:spPr>
         <p:txBody>
-          <a:bodyPr lIns="45719" rIns="45719" anchor="ctr"/>
+          <a:bodyPr lIns="45718" tIns="45718" rIns="45718" bIns="45718" anchor="ctr"/>
           <a:lstStyle/>
           <a:p>
             <a:pPr algn="ctr">
@@ -11419,8 +11581,8 @@
         </p:nvSpPr>
         <p:spPr>
           <a:xfrm flipV="1">
-            <a:off x="5410200" y="330200"/>
-            <a:ext cx="3733800" cy="134938"/>
+            <a:off x="5410200" y="330199"/>
+            <a:ext cx="3733800" cy="134939"/>
           </a:xfrm>
           <a:prstGeom prst="rect">
             <a:avLst/>
@@ -11435,7 +11597,7 @@
           </a:ln>
         </p:spPr>
         <p:txBody>
-          <a:bodyPr lIns="45719" rIns="45719" anchor="ctr"/>
+          <a:bodyPr lIns="45718" tIns="45718" rIns="45718" bIns="45718" anchor="ctr"/>
           <a:lstStyle/>
           <a:p>
             <a:pPr algn="ctr">
@@ -11460,8 +11622,8 @@
         </p:nvSpPr>
         <p:spPr>
           <a:xfrm>
-            <a:off x="5407025" y="373062"/>
-            <a:ext cx="3063875" cy="20638"/>
+            <a:off x="5407025" y="373061"/>
+            <a:ext cx="3063875" cy="20639"/>
           </a:xfrm>
           <a:prstGeom prst="roundRect">
             <a:avLst>
@@ -11476,7 +11638,7 @@
           </a:ln>
         </p:spPr>
         <p:txBody>
-          <a:bodyPr lIns="45719" rIns="45719" anchor="ctr"/>
+          <a:bodyPr lIns="45718" tIns="45718" rIns="45718" bIns="45718" anchor="ctr"/>
           <a:lstStyle/>
           <a:p>
             <a:pPr algn="ctr">
@@ -11501,8 +11663,8 @@
         </p:nvSpPr>
         <p:spPr>
           <a:xfrm>
-            <a:off x="7373937" y="441325"/>
-            <a:ext cx="1600201" cy="28575"/>
+            <a:off x="7373936" y="441325"/>
+            <a:ext cx="1600202" cy="28575"/>
           </a:xfrm>
           <a:prstGeom prst="roundRect">
             <a:avLst>
@@ -11517,7 +11679,7 @@
           </a:ln>
         </p:spPr>
         <p:txBody>
-          <a:bodyPr lIns="45719" rIns="45719" anchor="ctr"/>
+          <a:bodyPr lIns="45718" tIns="45718" rIns="45718" bIns="45718" anchor="ctr"/>
           <a:lstStyle/>
           <a:p>
             <a:pPr algn="ctr">
@@ -11542,8 +11704,8 @@
         </p:nvSpPr>
         <p:spPr>
           <a:xfrm>
-            <a:off x="9085262" y="-1588"/>
-            <a:ext cx="57151" cy="466726"/>
+            <a:off x="9085261" y="-1589"/>
+            <a:ext cx="57152" cy="466728"/>
           </a:xfrm>
           <a:prstGeom prst="rect">
             <a:avLst/>
@@ -11558,7 +11720,7 @@
           </a:ln>
         </p:spPr>
         <p:txBody>
-          <a:bodyPr lIns="45719" rIns="45719" anchor="ctr"/>
+          <a:bodyPr lIns="45718" tIns="45718" rIns="45718" bIns="45718" anchor="ctr"/>
           <a:lstStyle/>
           <a:p>
             <a:pPr algn="ctr">
@@ -11583,8 +11745,8 @@
         </p:nvSpPr>
         <p:spPr>
           <a:xfrm>
-            <a:off x="9043987" y="-1588"/>
-            <a:ext cx="28576" cy="466726"/>
+            <a:off x="9043986" y="-1589"/>
+            <a:ext cx="28577" cy="466728"/>
           </a:xfrm>
           <a:prstGeom prst="rect">
             <a:avLst/>
@@ -11599,7 +11761,7 @@
           </a:ln>
         </p:spPr>
         <p:txBody>
-          <a:bodyPr lIns="45719" rIns="45719" anchor="ctr"/>
+          <a:bodyPr lIns="45718" tIns="45718" rIns="45718" bIns="45718" anchor="ctr"/>
           <a:lstStyle/>
           <a:p>
             <a:pPr algn="ctr">
@@ -11624,8 +11786,8 @@
         </p:nvSpPr>
         <p:spPr>
           <a:xfrm>
-            <a:off x="9023350" y="-1588"/>
-            <a:ext cx="12700" cy="466726"/>
+            <a:off x="9023350" y="-1589"/>
+            <a:ext cx="12700" cy="466728"/>
           </a:xfrm>
           <a:prstGeom prst="rect">
             <a:avLst/>
@@ -11640,7 +11802,7 @@
           </a:ln>
         </p:spPr>
         <p:txBody>
-          <a:bodyPr lIns="45719" rIns="45719" anchor="ctr"/>
+          <a:bodyPr lIns="45718" tIns="45718" rIns="45718" bIns="45718" anchor="ctr"/>
           <a:lstStyle/>
           <a:p>
             <a:pPr algn="ctr">
@@ -11665,8 +11827,8 @@
         </p:nvSpPr>
         <p:spPr>
           <a:xfrm>
-            <a:off x="8975725" y="-1588"/>
-            <a:ext cx="26988" cy="466726"/>
+            <a:off x="8975725" y="-1589"/>
+            <a:ext cx="26988" cy="466728"/>
           </a:xfrm>
           <a:prstGeom prst="rect">
             <a:avLst/>
@@ -11681,7 +11843,7 @@
           </a:ln>
         </p:spPr>
         <p:txBody>
-          <a:bodyPr lIns="45719" rIns="45719" anchor="ctr"/>
+          <a:bodyPr lIns="45718" tIns="45718" rIns="45718" bIns="45718" anchor="ctr"/>
           <a:lstStyle/>
           <a:p>
             <a:pPr algn="ctr">
@@ -11706,8 +11868,8 @@
         </p:nvSpPr>
         <p:spPr>
           <a:xfrm>
-            <a:off x="8915400" y="0"/>
-            <a:ext cx="55563" cy="439738"/>
+            <a:off x="8915399" y="0"/>
+            <a:ext cx="55565" cy="439738"/>
           </a:xfrm>
           <a:prstGeom prst="rect">
             <a:avLst/>
@@ -11722,7 +11884,7 @@
           </a:ln>
         </p:spPr>
         <p:txBody>
-          <a:bodyPr lIns="45719" rIns="45719" anchor="ctr"/>
+          <a:bodyPr lIns="45718" tIns="45718" rIns="45718" bIns="45718" anchor="ctr"/>
           <a:lstStyle/>
           <a:p>
             <a:pPr algn="ctr">
@@ -11747,8 +11909,8 @@
         </p:nvSpPr>
         <p:spPr>
           <a:xfrm>
-            <a:off x="8871743" y="0"/>
-            <a:ext cx="12701" cy="439738"/>
+            <a:off x="8871742" y="0"/>
+            <a:ext cx="12702" cy="439738"/>
           </a:xfrm>
           <a:prstGeom prst="rect">
             <a:avLst/>
@@ -11763,7 +11925,7 @@
           </a:ln>
         </p:spPr>
         <p:txBody>
-          <a:bodyPr lIns="45719" rIns="45719" anchor="ctr"/>
+          <a:bodyPr lIns="45718" tIns="45718" rIns="45718" bIns="45718" anchor="ctr"/>
           <a:lstStyle/>
           <a:p>
             <a:pPr algn="ctr">
@@ -11790,15 +11952,15 @@
         </p:nvSpPr>
         <p:spPr>
           <a:xfrm>
-            <a:off x="8593363" y="-81916"/>
-            <a:ext cx="342675" cy="358141"/>
-          </a:xfrm>
-          <a:prstGeom prst="rect">
-            <a:avLst/>
-          </a:prstGeom>
-        </p:spPr>
-        <p:txBody>
-          <a:bodyPr lIns="45719" tIns="45719" rIns="45719" bIns="45719" anchor="b"/>
+            <a:off x="8593365" y="-81914"/>
+            <a:ext cx="342674" cy="358139"/>
+          </a:xfrm>
+          <a:prstGeom prst="rect">
+            <a:avLst/>
+          </a:prstGeom>
+        </p:spPr>
+        <p:txBody>
+          <a:bodyPr lIns="45718" tIns="45718" rIns="45718" bIns="45718" anchor="b"/>
           <a:lstStyle>
             <a:lvl1pPr>
               <a:defRPr sz="1800">
@@ -11859,8 +12021,8 @@
         </p:nvSpPr>
         <p:spPr>
           <a:xfrm>
-            <a:off x="-1" y="1076325"/>
-            <a:ext cx="9144002" cy="34925"/>
+            <a:off x="-2" y="1076325"/>
+            <a:ext cx="9144004" cy="34925"/>
           </a:xfrm>
           <a:prstGeom prst="rect">
             <a:avLst/>
@@ -11880,7 +12042,7 @@
           </a:effectLst>
         </p:spPr>
         <p:txBody>
-          <a:bodyPr lIns="45719" rIns="45719" anchor="ctr"/>
+          <a:bodyPr lIns="45718" tIns="45718" rIns="45718" bIns="45718" anchor="ctr"/>
           <a:lstStyle/>
           <a:p>
             <a:pPr algn="ctr">
@@ -11905,8 +12067,8 @@
         </p:nvSpPr>
         <p:spPr>
           <a:xfrm>
-            <a:off x="-1" y="0"/>
-            <a:ext cx="9144002" cy="1074738"/>
+            <a:off x="-2" y="0"/>
+            <a:ext cx="9144004" cy="1074738"/>
           </a:xfrm>
           <a:prstGeom prst="rect">
             <a:avLst/>
@@ -11919,7 +12081,7 @@
           </a:ln>
         </p:spPr>
         <p:txBody>
-          <a:bodyPr lIns="45719" rIns="45719" anchor="ctr"/>
+          <a:bodyPr lIns="45718" tIns="45718" rIns="45718" bIns="45718" anchor="ctr"/>
           <a:lstStyle/>
           <a:p>
             <a:pPr algn="ctr">
@@ -11954,7 +12116,7 @@
           </a:prstGeom>
         </p:spPr>
         <p:txBody>
-          <a:bodyPr lIns="45719" tIns="45719" rIns="45719" bIns="45719" anchor="ctr"/>
+          <a:bodyPr lIns="45718" tIns="45718" rIns="45718" bIns="45718" anchor="ctr"/>
           <a:lstStyle>
             <a:lvl1pPr>
               <a:defRPr sz="4500">
@@ -11994,14 +12156,15 @@
           </a:prstGeom>
         </p:spPr>
         <p:txBody>
-          <a:bodyPr lIns="45719" tIns="45719" rIns="45719" bIns="45719"/>
+          <a:bodyPr lIns="45718" tIns="45718" rIns="45718" bIns="45718"/>
           <a:lstStyle>
-            <a:lvl1pPr marL="438150" indent="-319087">
+            <a:lvl1pPr marL="438150" indent="-319086">
               <a:buClr>
                 <a:srgbClr val="F0AD00"/>
               </a:buClr>
               <a:buSzPct val="80000"/>
-              <a:buChar char=""/>
+              <a:buFont typeface="Avenir Next"/>
+              <a:buChar char="­"/>
               <a:defRPr sz="3200">
                 <a:latin typeface="Avenir Next"/>
                 <a:ea typeface="Avenir Next"/>
@@ -12014,6 +12177,7 @@
                 <a:srgbClr val="F0AD00"/>
               </a:buClr>
               <a:buSzPct val="90000"/>
+              <a:buFont typeface="Avenir Next"/>
               <a:buChar char="▪"/>
               <a:defRPr sz="3200">
                 <a:latin typeface="Avenir Next"/>
@@ -12027,6 +12191,7 @@
                 <a:srgbClr val="F0AD00"/>
               </a:buClr>
               <a:buSzPct val="100000"/>
+              <a:buFont typeface="Avenir Next"/>
               <a:buChar char="▪"/>
               <a:defRPr sz="3200">
                 <a:latin typeface="Avenir Next"/>
@@ -12040,6 +12205,7 @@
                 <a:srgbClr val="F0AD00"/>
               </a:buClr>
               <a:buSzPct val="100000"/>
+              <a:buFont typeface="Avenir Next"/>
               <a:buChar char="▪"/>
               <a:defRPr sz="3200">
                 <a:latin typeface="Avenir Next"/>
@@ -12048,12 +12214,13 @@
                 <a:sym typeface="Avenir Next"/>
               </a:defRPr>
             </a:lvl4pPr>
-            <a:lvl5pPr marL="1567568" indent="-324555">
+            <a:lvl5pPr marL="1567567" indent="-324554">
               <a:buClr>
                 <a:srgbClr val="F0AD00"/>
               </a:buClr>
               <a:buSzPct val="100000"/>
-              <a:buChar char=""/>
+              <a:buFont typeface="Avenir Next"/>
+              <a:buChar char="­"/>
               <a:defRPr sz="3200">
                 <a:latin typeface="Avenir Next"/>
                 <a:ea typeface="Avenir Next"/>
@@ -12169,8 +12336,8 @@
         </p:nvSpPr>
         <p:spPr>
           <a:xfrm flipH="1" rot="10800000">
-            <a:off x="-1" y="1685925"/>
-            <a:ext cx="9144002" cy="3457575"/>
+            <a:off x="-2" y="1685925"/>
+            <a:ext cx="9144004" cy="3457575"/>
           </a:xfrm>
           <a:prstGeom prst="rect">
             <a:avLst/>
@@ -12183,7 +12350,7 @@
           </a:ln>
         </p:spPr>
         <p:txBody>
-          <a:bodyPr lIns="45719" rIns="45719" anchor="ctr"/>
+          <a:bodyPr lIns="45718" tIns="45718" rIns="45718" bIns="45718" anchor="ctr"/>
           <a:lstStyle/>
           <a:p>
             <a:pPr>
@@ -12191,6 +12358,10 @@
                 <a:solidFill>
                   <a:srgbClr val="000000"/>
                 </a:solidFill>
+                <a:latin typeface="+mj-lt"/>
+                <a:ea typeface="+mj-ea"/>
+                <a:cs typeface="+mj-cs"/>
+                <a:sym typeface="Arial"/>
               </a:defRPr>
             </a:pPr>
           </a:p>
@@ -12204,8 +12375,8 @@
         </p:nvSpPr>
         <p:spPr>
           <a:xfrm>
-            <a:off x="-1" y="1685925"/>
-            <a:ext cx="9144002" cy="107950"/>
+            <a:off x="-2" y="1685925"/>
+            <a:ext cx="9144004" cy="107950"/>
           </a:xfrm>
           <a:prstGeom prst="rect">
             <a:avLst/>
@@ -12218,7 +12389,7 @@
               <a:gs pos="19999">
                 <a:srgbClr val="DEDEDE"/>
               </a:gs>
-              <a:gs pos="63999">
+              <a:gs pos="63998">
                 <a:srgbClr val="F9F9F9"/>
               </a:gs>
               <a:gs pos="100000">
@@ -12232,7 +12403,7 @@
           </a:ln>
         </p:spPr>
         <p:txBody>
-          <a:bodyPr lIns="45719" rIns="45719" anchor="ctr"/>
+          <a:bodyPr lIns="45718" tIns="45718" rIns="45718" bIns="45718" anchor="ctr"/>
           <a:lstStyle/>
           <a:p>
             <a:pPr>
@@ -12240,6 +12411,10 @@
                 <a:solidFill>
                   <a:srgbClr val="000000"/>
                 </a:solidFill>
+                <a:latin typeface="+mj-lt"/>
+                <a:ea typeface="+mj-ea"/>
+                <a:cs typeface="+mj-cs"/>
+                <a:sym typeface="Arial"/>
               </a:defRPr>
             </a:pPr>
           </a:p>
@@ -12256,7 +12431,7 @@
         <p:spPr>
           <a:xfrm>
             <a:off x="471487" y="738187"/>
-            <a:ext cx="8223251" cy="768351"/>
+            <a:ext cx="8223251" cy="768352"/>
           </a:xfrm>
           <a:prstGeom prst="rect">
             <a:avLst/>
@@ -12283,8 +12458,8 @@
         </p:nvSpPr>
         <p:spPr>
           <a:xfrm>
-            <a:off x="471487" y="1919287"/>
-            <a:ext cx="8223251" cy="2709863"/>
+            <a:off x="471487" y="1919286"/>
+            <a:ext cx="8223251" cy="2709864"/>
           </a:xfrm>
           <a:prstGeom prst="rect">
             <a:avLst/>
@@ -12335,8 +12510,8 @@
         </p:nvSpPr>
         <p:spPr>
           <a:xfrm>
-            <a:off x="8523287" y="4702558"/>
-            <a:ext cx="393319" cy="380234"/>
+            <a:off x="8523286" y="4702559"/>
+            <a:ext cx="393317" cy="380232"/>
           </a:xfrm>
           <a:prstGeom prst="rect">
             <a:avLst/>
@@ -12404,8 +12579,8 @@
         </p:nvSpPr>
         <p:spPr>
           <a:xfrm flipH="1" rot="10800000">
-            <a:off x="-1" y="655637"/>
-            <a:ext cx="9144002" cy="4487863"/>
+            <a:off x="-2" y="655636"/>
+            <a:ext cx="9144004" cy="4487864"/>
           </a:xfrm>
           <a:prstGeom prst="rect">
             <a:avLst/>
@@ -12418,7 +12593,7 @@
           </a:ln>
         </p:spPr>
         <p:txBody>
-          <a:bodyPr lIns="45719" rIns="45719" anchor="ctr"/>
+          <a:bodyPr lIns="45718" tIns="45718" rIns="45718" bIns="45718" anchor="ctr"/>
           <a:lstStyle/>
           <a:p>
             <a:pPr>
@@ -12426,6 +12601,10 @@
                 <a:solidFill>
                   <a:srgbClr val="000000"/>
                 </a:solidFill>
+                <a:latin typeface="+mj-lt"/>
+                <a:ea typeface="+mj-ea"/>
+                <a:cs typeface="+mj-cs"/>
+                <a:sym typeface="Arial"/>
               </a:defRPr>
             </a:pPr>
           </a:p>
@@ -12439,8 +12618,8 @@
         </p:nvSpPr>
         <p:spPr>
           <a:xfrm>
-            <a:off x="-1" y="655637"/>
-            <a:ext cx="9144002" cy="109538"/>
+            <a:off x="-2" y="655637"/>
+            <a:ext cx="9144004" cy="109539"/>
           </a:xfrm>
           <a:prstGeom prst="rect">
             <a:avLst/>
@@ -12453,7 +12632,7 @@
               <a:gs pos="19999">
                 <a:srgbClr val="DEDEDE"/>
               </a:gs>
-              <a:gs pos="63999">
+              <a:gs pos="63998">
                 <a:srgbClr val="F9F9F9"/>
               </a:gs>
               <a:gs pos="100000">
@@ -12467,7 +12646,7 @@
           </a:ln>
         </p:spPr>
         <p:txBody>
-          <a:bodyPr lIns="45719" rIns="45719" anchor="ctr"/>
+          <a:bodyPr lIns="45718" tIns="45718" rIns="45718" bIns="45718" anchor="ctr"/>
           <a:lstStyle/>
           <a:p>
             <a:pPr>
@@ -12475,6 +12654,10 @@
                 <a:solidFill>
                   <a:srgbClr val="000000"/>
                 </a:solidFill>
+                <a:latin typeface="+mj-lt"/>
+                <a:ea typeface="+mj-ea"/>
+                <a:cs typeface="+mj-cs"/>
+                <a:sym typeface="Arial"/>
               </a:defRPr>
             </a:pPr>
           </a:p>
@@ -12491,7 +12674,7 @@
         <p:spPr>
           <a:xfrm>
             <a:off x="471487" y="738187"/>
-            <a:ext cx="8223251" cy="768351"/>
+            <a:ext cx="8223251" cy="768352"/>
           </a:xfrm>
           <a:prstGeom prst="rect">
             <a:avLst/>
@@ -12518,8 +12701,8 @@
         </p:nvSpPr>
         <p:spPr>
           <a:xfrm>
-            <a:off x="471487" y="1919287"/>
-            <a:ext cx="8223251" cy="2709863"/>
+            <a:off x="471487" y="1919286"/>
+            <a:ext cx="8223251" cy="2709864"/>
           </a:xfrm>
           <a:prstGeom prst="rect">
             <a:avLst/>
@@ -12570,8 +12753,8 @@
         </p:nvSpPr>
         <p:spPr>
           <a:xfrm>
-            <a:off x="8523287" y="4702558"/>
-            <a:ext cx="393319" cy="380234"/>
+            <a:off x="8523286" y="4702559"/>
+            <a:ext cx="393317" cy="380232"/>
           </a:xfrm>
           <a:prstGeom prst="rect">
             <a:avLst/>
@@ -12639,8 +12822,8 @@
         </p:nvSpPr>
         <p:spPr>
           <a:xfrm flipH="1">
-            <a:off x="-1" y="-1"/>
-            <a:ext cx="4572002" cy="5143502"/>
+            <a:off x="-2" y="-1"/>
+            <a:ext cx="4572003" cy="5143502"/>
           </a:xfrm>
           <a:prstGeom prst="rect">
             <a:avLst/>
@@ -12653,7 +12836,7 @@
           </a:ln>
         </p:spPr>
         <p:txBody>
-          <a:bodyPr lIns="45719" rIns="45719" anchor="ctr"/>
+          <a:bodyPr lIns="45718" tIns="45718" rIns="45718" bIns="45718" anchor="ctr"/>
           <a:lstStyle/>
           <a:p>
             <a:pPr>
@@ -12661,6 +12844,10 @@
                 <a:solidFill>
                   <a:srgbClr val="000000"/>
                 </a:solidFill>
+                <a:latin typeface="+mj-lt"/>
+                <a:ea typeface="+mj-ea"/>
+                <a:cs typeface="+mj-cs"/>
+                <a:sym typeface="Arial"/>
               </a:defRPr>
             </a:pPr>
           </a:p>
@@ -12675,7 +12862,7 @@
         <p:spPr>
           <a:xfrm rot="5400000">
             <a:off x="1946274" y="2517775"/>
-            <a:ext cx="5143502" cy="107950"/>
+            <a:ext cx="5143502" cy="107951"/>
           </a:xfrm>
           <a:prstGeom prst="rect">
             <a:avLst/>
@@ -12688,7 +12875,7 @@
               <a:gs pos="19999">
                 <a:srgbClr val="DEDEDE"/>
               </a:gs>
-              <a:gs pos="63999">
+              <a:gs pos="63998">
                 <a:srgbClr val="F9F9F9"/>
               </a:gs>
               <a:gs pos="100000">
@@ -12702,7 +12889,7 @@
           </a:ln>
         </p:spPr>
         <p:txBody>
-          <a:bodyPr lIns="45719" rIns="45719" anchor="ctr"/>
+          <a:bodyPr lIns="45718" tIns="45718" rIns="45718" bIns="45718" anchor="ctr"/>
           <a:lstStyle/>
           <a:p>
             <a:pPr>
@@ -12710,6 +12897,10 @@
                 <a:solidFill>
                   <a:srgbClr val="000000"/>
                 </a:solidFill>
+                <a:latin typeface="+mj-lt"/>
+                <a:ea typeface="+mj-ea"/>
+                <a:cs typeface="+mj-cs"/>
+                <a:sym typeface="Arial"/>
               </a:defRPr>
             </a:pPr>
           </a:p>
@@ -12725,8 +12916,8 @@
         </p:nvSpPr>
         <p:spPr>
           <a:xfrm>
-            <a:off x="8523287" y="4702558"/>
-            <a:ext cx="393319" cy="380234"/>
+            <a:off x="8523286" y="4702559"/>
+            <a:ext cx="393317" cy="380232"/>
           </a:xfrm>
           <a:prstGeom prst="rect">
             <a:avLst/>
@@ -12812,7 +13003,7 @@
           </a:extLst>
         </p:spPr>
         <p:txBody>
-          <a:bodyPr lIns="91424" tIns="91424" rIns="91424" bIns="91424">
+          <a:bodyPr lIns="91423" tIns="91423" rIns="91423" bIns="91423">
             <a:normAutofit fontScale="100000" lnSpcReduction="0"/>
           </a:bodyPr>
           <a:lstStyle/>
@@ -12850,7 +13041,7 @@
           </a:extLst>
         </p:spPr>
         <p:txBody>
-          <a:bodyPr lIns="91424" tIns="91424" rIns="91424" bIns="91424">
+          <a:bodyPr lIns="91423" tIns="91423" rIns="91423" bIns="91423">
             <a:normAutofit fontScale="100000" lnSpcReduction="0"/>
           </a:bodyPr>
           <a:lstStyle/>
@@ -12896,8 +13087,8 @@
         </p:nvSpPr>
         <p:spPr>
           <a:xfrm>
-            <a:off x="8696355" y="4698062"/>
-            <a:ext cx="342870" cy="360651"/>
+            <a:off x="8696357" y="4698063"/>
+            <a:ext cx="342869" cy="360649"/>
           </a:xfrm>
           <a:prstGeom prst="rect">
             <a:avLst/>
@@ -12907,7 +13098,7 @@
           </a:ln>
         </p:spPr>
         <p:txBody>
-          <a:bodyPr wrap="none" lIns="91424" tIns="91424" rIns="91424" bIns="91424" anchor="ctr">
+          <a:bodyPr wrap="none" lIns="91423" tIns="91423" rIns="91423" bIns="91423" anchor="ctr">
             <a:spAutoFit/>
           </a:bodyPr>
           <a:lstStyle>
@@ -12931,7 +13122,7 @@
       </p:sp>
     </p:spTree>
   </p:cSld>
-  <p:clrMap bg1="dk1" tx1="lt1" bg2="dk2" tx2="lt2" accent1="accent1" accent2="accent2" accent3="accent3" accent4="accent4" accent5="accent5" accent6="accent6" hlink="hlink" folHlink="folHlink"/>
+  <p:clrMap bg1="lt1" tx1="dk1" bg2="lt2" tx2="dk2" accent1="accent1" accent2="accent2" accent3="accent3" accent4="accent4" accent5="accent5" accent6="accent6" hlink="hlink" folHlink="folHlink"/>
   <p:sldLayoutIdLst>
     <p:sldLayoutId id="2147483649" r:id="rId2"/>
     <p:sldLayoutId id="2147483650" r:id="rId3"/>
@@ -13131,7 +13322,7 @@
           <a:sym typeface="Arial"/>
         </a:defRPr>
       </a:lvl5pPr>
-      <a:lvl6pPr marL="0" marR="0" indent="457200" algn="l" defTabSz="914400" rtl="0" latinLnBrk="0">
+      <a:lvl6pPr marL="0" marR="0" indent="0" algn="l" defTabSz="914400" rtl="0" latinLnBrk="0">
         <a:lnSpc>
           <a:spcPct val="100000"/>
         </a:lnSpc>
@@ -13160,7 +13351,7 @@
           <a:sym typeface="Arial"/>
         </a:defRPr>
       </a:lvl6pPr>
-      <a:lvl7pPr marL="0" marR="0" indent="914400" algn="l" defTabSz="914400" rtl="0" latinLnBrk="0">
+      <a:lvl7pPr marL="0" marR="0" indent="0" algn="l" defTabSz="914400" rtl="0" latinLnBrk="0">
         <a:lnSpc>
           <a:spcPct val="100000"/>
         </a:lnSpc>
@@ -13189,7 +13380,7 @@
           <a:sym typeface="Arial"/>
         </a:defRPr>
       </a:lvl7pPr>
-      <a:lvl8pPr marL="0" marR="0" indent="1371600" algn="l" defTabSz="914400" rtl="0" latinLnBrk="0">
+      <a:lvl8pPr marL="0" marR="0" indent="0" algn="l" defTabSz="914400" rtl="0" latinLnBrk="0">
         <a:lnSpc>
           <a:spcPct val="100000"/>
         </a:lnSpc>
@@ -13218,7 +13409,7 @@
           <a:sym typeface="Arial"/>
         </a:defRPr>
       </a:lvl8pPr>
-      <a:lvl9pPr marL="0" marR="0" indent="1828800" algn="l" defTabSz="914400" rtl="0" latinLnBrk="0">
+      <a:lvl9pPr marL="0" marR="0" indent="0" algn="l" defTabSz="914400" rtl="0" latinLnBrk="0">
         <a:lnSpc>
           <a:spcPct val="100000"/>
         </a:lnSpc>
@@ -13394,7 +13585,7 @@
           <a:sym typeface="Arial"/>
         </a:defRPr>
       </a:lvl5pPr>
-      <a:lvl6pPr marL="0" marR="0" indent="457200" algn="l" defTabSz="914400" rtl="0" latinLnBrk="0">
+      <a:lvl6pPr marL="0" marR="0" indent="0" algn="l" defTabSz="914400" rtl="0" latinLnBrk="0">
         <a:lnSpc>
           <a:spcPct val="100000"/>
         </a:lnSpc>
@@ -13423,7 +13614,7 @@
           <a:sym typeface="Arial"/>
         </a:defRPr>
       </a:lvl6pPr>
-      <a:lvl7pPr marL="0" marR="0" indent="914400" algn="l" defTabSz="914400" rtl="0" latinLnBrk="0">
+      <a:lvl7pPr marL="0" marR="0" indent="0" algn="l" defTabSz="914400" rtl="0" latinLnBrk="0">
         <a:lnSpc>
           <a:spcPct val="100000"/>
         </a:lnSpc>
@@ -13452,7 +13643,7 @@
           <a:sym typeface="Arial"/>
         </a:defRPr>
       </a:lvl7pPr>
-      <a:lvl8pPr marL="0" marR="0" indent="1371600" algn="l" defTabSz="914400" rtl="0" latinLnBrk="0">
+      <a:lvl8pPr marL="0" marR="0" indent="0" algn="l" defTabSz="914400" rtl="0" latinLnBrk="0">
         <a:lnSpc>
           <a:spcPct val="100000"/>
         </a:lnSpc>
@@ -13481,7 +13672,7 @@
           <a:sym typeface="Arial"/>
         </a:defRPr>
       </a:lvl8pPr>
-      <a:lvl9pPr marL="0" marR="0" indent="1828800" algn="l" defTabSz="914400" rtl="0" latinLnBrk="0">
+      <a:lvl9pPr marL="0" marR="0" indent="0" algn="l" defTabSz="914400" rtl="0" latinLnBrk="0">
         <a:lnSpc>
           <a:spcPct val="100000"/>
         </a:lnSpc>
@@ -13541,7 +13732,7 @@
           <a:sym typeface="Avenir Next"/>
         </a:defRPr>
       </a:lvl1pPr>
-      <a:lvl2pPr marL="0" marR="0" indent="457200" algn="r" defTabSz="914400" rtl="0" latinLnBrk="0">
+      <a:lvl2pPr marL="0" marR="0" indent="0" algn="r" defTabSz="914400" rtl="0" latinLnBrk="0">
         <a:lnSpc>
           <a:spcPct val="100000"/>
         </a:lnSpc>
@@ -13570,7 +13761,7 @@
           <a:sym typeface="Avenir Next"/>
         </a:defRPr>
       </a:lvl2pPr>
-      <a:lvl3pPr marL="0" marR="0" indent="914400" algn="r" defTabSz="914400" rtl="0" latinLnBrk="0">
+      <a:lvl3pPr marL="0" marR="0" indent="0" algn="r" defTabSz="914400" rtl="0" latinLnBrk="0">
         <a:lnSpc>
           <a:spcPct val="100000"/>
         </a:lnSpc>
@@ -13599,7 +13790,7 @@
           <a:sym typeface="Avenir Next"/>
         </a:defRPr>
       </a:lvl3pPr>
-      <a:lvl4pPr marL="0" marR="0" indent="1371600" algn="r" defTabSz="914400" rtl="0" latinLnBrk="0">
+      <a:lvl4pPr marL="0" marR="0" indent="0" algn="r" defTabSz="914400" rtl="0" latinLnBrk="0">
         <a:lnSpc>
           <a:spcPct val="100000"/>
         </a:lnSpc>
@@ -13628,7 +13819,7 @@
           <a:sym typeface="Avenir Next"/>
         </a:defRPr>
       </a:lvl4pPr>
-      <a:lvl5pPr marL="0" marR="0" indent="1828800" algn="r" defTabSz="914400" rtl="0" latinLnBrk="0">
+      <a:lvl5pPr marL="0" marR="0" indent="0" algn="r" defTabSz="914400" rtl="0" latinLnBrk="0">
         <a:lnSpc>
           <a:spcPct val="100000"/>
         </a:lnSpc>
@@ -13812,8 +14003,8 @@
         </p:nvSpPr>
         <p:spPr>
           <a:xfrm>
-            <a:off x="4241752" y="991605"/>
-            <a:ext cx="4119564" cy="433388"/>
+            <a:off x="4273591" y="1445317"/>
+            <a:ext cx="4119565" cy="433389"/>
           </a:xfrm>
           <a:prstGeom prst="rect">
             <a:avLst/>
@@ -13850,8 +14041,8 @@
         </p:nvSpPr>
         <p:spPr>
           <a:xfrm>
-            <a:off x="259545" y="4084481"/>
-            <a:ext cx="2281238" cy="843251"/>
+            <a:off x="259544" y="4084480"/>
+            <a:ext cx="2281240" cy="843249"/>
           </a:xfrm>
           <a:prstGeom prst="rect">
             <a:avLst/>
@@ -13866,7 +14057,7 @@
           </a:extLst>
         </p:spPr>
         <p:txBody>
-          <a:bodyPr lIns="91424" tIns="91424" rIns="91424" bIns="91424">
+          <a:bodyPr lIns="91423" tIns="91423" rIns="91423" bIns="91423">
             <a:spAutoFit/>
           </a:bodyPr>
           <a:lstStyle>
@@ -13898,8 +14089,8 @@
         </p:nvSpPr>
         <p:spPr>
           <a:xfrm>
-            <a:off x="3426307" y="380280"/>
-            <a:ext cx="2291386" cy="713741"/>
+            <a:off x="3061767" y="743479"/>
+            <a:ext cx="3020466" cy="929639"/>
           </a:xfrm>
           <a:prstGeom prst="rect">
             <a:avLst/>
@@ -13914,12 +14105,12 @@
           </a:extLst>
         </p:spPr>
         <p:txBody>
-          <a:bodyPr wrap="none" lIns="45719" rIns="45719">
+          <a:bodyPr wrap="none" lIns="45718" tIns="45718" rIns="45718" bIns="45718">
             <a:spAutoFit/>
           </a:bodyPr>
           <a:lstStyle>
             <a:lvl1pPr algn="ctr">
-              <a:defRPr b="1" sz="3600">
+              <a:defRPr b="1" sz="4800">
                 <a:solidFill>
                   <a:srgbClr val="FFFFFF"/>
                 </a:solidFill>
@@ -13981,8 +14172,8 @@
         </p:nvSpPr>
         <p:spPr>
           <a:xfrm>
-            <a:off x="236582" y="1733549"/>
-            <a:ext cx="4044951" cy="1676401"/>
+            <a:off x="236581" y="1733549"/>
+            <a:ext cx="4044953" cy="1676402"/>
           </a:xfrm>
           <a:prstGeom prst="rect">
             <a:avLst/>
@@ -14022,7 +14213,7 @@
         <p:spPr>
           <a:xfrm>
             <a:off x="4938712" y="723900"/>
-            <a:ext cx="3838576" cy="3695700"/>
+            <a:ext cx="3838577" cy="3695700"/>
           </a:xfrm>
           <a:prstGeom prst="rect">
             <a:avLst/>
@@ -14103,7 +14294,7 @@
           <a:blip r:embed="rId2">
             <a:extLst/>
           </a:blip>
-          <a:srcRect l="7505" t="0" r="42247" b="15419"/>
+          <a:srcRect l="7504" t="0" r="42247" b="15419"/>
           <a:stretch>
             <a:fillRect/>
           </a:stretch>
@@ -14131,8 +14322,8 @@
         </p:nvSpPr>
         <p:spPr>
           <a:xfrm>
-            <a:off x="263524" y="1830387"/>
-            <a:ext cx="4044951" cy="1482726"/>
+            <a:off x="263523" y="1830386"/>
+            <a:ext cx="4044953" cy="1482727"/>
           </a:xfrm>
           <a:prstGeom prst="rect">
             <a:avLst/>
@@ -14171,8 +14362,8 @@
         </p:nvSpPr>
         <p:spPr>
           <a:xfrm>
-            <a:off x="4797402" y="723900"/>
-            <a:ext cx="4140201" cy="3695701"/>
+            <a:off x="4797402" y="723899"/>
+            <a:ext cx="4140202" cy="3695703"/>
           </a:xfrm>
           <a:prstGeom prst="rect">
             <a:avLst/>
@@ -14269,7 +14460,7 @@
           <a:bodyPr anchor="ctr"/>
           <a:lstStyle>
             <a:lvl1pPr algn="ctr" defTabSz="658368">
-              <a:defRPr sz="2304">
+              <a:defRPr sz="2300">
                 <a:solidFill>
                   <a:srgbClr val="FFFFFF"/>
                 </a:solidFill>
@@ -14297,7 +14488,7 @@
         <p:spPr>
           <a:xfrm>
             <a:off x="4811712" y="148287"/>
-            <a:ext cx="4044951" cy="601951"/>
+            <a:ext cx="4044952" cy="601948"/>
           </a:xfrm>
           <a:prstGeom prst="rect">
             <a:avLst/>
@@ -14312,7 +14503,7 @@
           </a:extLst>
         </p:spPr>
         <p:txBody>
-          <a:bodyPr lIns="91424" tIns="91424" rIns="91424" bIns="91424" anchor="ctr">
+          <a:bodyPr lIns="91423" tIns="91423" rIns="91423" bIns="91423" anchor="ctr">
             <a:spAutoFit/>
           </a:bodyPr>
           <a:lstStyle>
@@ -14344,8 +14535,8 @@
         </p:nvSpPr>
         <p:spPr>
           <a:xfrm>
-            <a:off x="203199" y="995987"/>
-            <a:ext cx="4044951" cy="1929101"/>
+            <a:off x="203198" y="995986"/>
+            <a:ext cx="4044953" cy="1929099"/>
           </a:xfrm>
           <a:prstGeom prst="rect">
             <a:avLst/>
@@ -14360,7 +14551,7 @@
           </a:extLst>
         </p:spPr>
         <p:txBody>
-          <a:bodyPr lIns="91424" tIns="91424" rIns="91424" bIns="91424" anchor="ctr">
+          <a:bodyPr lIns="91423" tIns="91423" rIns="91423" bIns="91423" anchor="ctr">
             <a:spAutoFit/>
           </a:bodyPr>
           <a:lstStyle/>
@@ -14458,8 +14649,8 @@
         </p:nvSpPr>
         <p:spPr>
           <a:xfrm>
-            <a:off x="4835524" y="1042554"/>
-            <a:ext cx="4044951" cy="1452851"/>
+            <a:off x="4835523" y="1042553"/>
+            <a:ext cx="4044952" cy="1452849"/>
           </a:xfrm>
           <a:prstGeom prst="rect">
             <a:avLst/>
@@ -14474,7 +14665,7 @@
           </a:extLst>
         </p:spPr>
         <p:txBody>
-          <a:bodyPr lIns="91424" tIns="91424" rIns="91424" bIns="91424" anchor="ctr">
+          <a:bodyPr lIns="91423" tIns="91423" rIns="91423" bIns="91423" anchor="ctr">
             <a:spAutoFit/>
           </a:bodyPr>
           <a:lstStyle/>
@@ -14588,10 +14779,10 @@
         </p:nvGrpSpPr>
         <p:grpSpPr>
           <a:xfrm>
-            <a:off x="3913710" y="2557193"/>
-            <a:ext cx="2805558" cy="676814"/>
-            <a:chOff x="0" y="0"/>
-            <a:chExt cx="2805556" cy="676812"/>
+            <a:off x="3913708" y="2557192"/>
+            <a:ext cx="2805561" cy="676817"/>
+            <a:chOff x="-1" y="0"/>
+            <a:chExt cx="2805559" cy="676815"/>
           </a:xfrm>
         </p:grpSpPr>
         <p:sp>
@@ -14602,8 +14793,8 @@
           </p:nvSpPr>
           <p:spPr>
             <a:xfrm>
-              <a:off x="635537" y="338406"/>
-              <a:ext cx="2170020" cy="12"/>
+              <a:off x="635537" y="338407"/>
+              <a:ext cx="2170022" cy="13"/>
             </a:xfrm>
             <a:prstGeom prst="line">
               <a:avLst/>
@@ -14619,12 +14810,18 @@
             <a:effectLst/>
           </p:spPr>
           <p:txBody>
-            <a:bodyPr wrap="square" lIns="45719" tIns="45719" rIns="45719" bIns="45719" numCol="1" anchor="t">
+            <a:bodyPr wrap="square" lIns="45718" tIns="45718" rIns="45718" bIns="45718" numCol="1" anchor="t">
               <a:noAutofit/>
             </a:bodyPr>
             <a:lstStyle/>
             <a:p>
-              <a:pPr/>
+              <a:pPr>
+                <a:defRPr>
+                  <a:solidFill>
+                    <a:srgbClr val="4285F4"/>
+                  </a:solidFill>
+                </a:defRPr>
+              </a:pPr>
             </a:p>
           </p:txBody>
         </p:sp>
@@ -14636,8 +14833,8 @@
           </p:nvSpPr>
           <p:spPr>
             <a:xfrm>
-              <a:off x="-1" y="0"/>
-              <a:ext cx="675352" cy="676813"/>
+              <a:off x="-2" y="0"/>
+              <a:ext cx="675353" cy="676816"/>
             </a:xfrm>
             <a:prstGeom prst="ellipse">
               <a:avLst/>
@@ -14652,7 +14849,7 @@
             <a:effectLst/>
           </p:spPr>
           <p:txBody>
-            <a:bodyPr wrap="square" lIns="45719" tIns="45719" rIns="45719" bIns="45719" numCol="1" anchor="ctr">
+            <a:bodyPr wrap="square" lIns="45718" tIns="45718" rIns="45718" bIns="45718" numCol="1" anchor="ctr">
               <a:noAutofit/>
             </a:bodyPr>
             <a:lstStyle/>
@@ -14680,8 +14877,8 @@
         </p:nvSpPr>
         <p:spPr>
           <a:xfrm>
-            <a:off x="277074" y="1692925"/>
-            <a:ext cx="2987676" cy="2405351"/>
+            <a:off x="277074" y="1692924"/>
+            <a:ext cx="2987676" cy="2405349"/>
           </a:xfrm>
           <a:prstGeom prst="rect">
             <a:avLst/>
@@ -14696,7 +14893,7 @@
           </a:extLst>
         </p:spPr>
         <p:txBody>
-          <a:bodyPr lIns="91424" tIns="91424" rIns="91424" bIns="91424" anchor="ctr">
+          <a:bodyPr lIns="91423" tIns="91423" rIns="91423" bIns="91423" anchor="ctr">
             <a:spAutoFit/>
           </a:bodyPr>
           <a:lstStyle/>
@@ -14835,8 +15032,8 @@
         </p:nvSpPr>
         <p:spPr>
           <a:xfrm>
-            <a:off x="2495600" y="282098"/>
-            <a:ext cx="4152800" cy="510541"/>
+            <a:off x="2495599" y="282097"/>
+            <a:ext cx="4152798" cy="510539"/>
           </a:xfrm>
           <a:prstGeom prst="rect">
             <a:avLst/>
@@ -14851,7 +15048,7 @@
           </a:extLst>
         </p:spPr>
         <p:txBody>
-          <a:bodyPr wrap="none" lIns="45719" rIns="45719">
+          <a:bodyPr wrap="none" lIns="45718" tIns="45718" rIns="45718" bIns="45718">
             <a:spAutoFit/>
           </a:bodyPr>
           <a:lstStyle>
@@ -14883,8 +15080,8 @@
         </p:nvSpPr>
         <p:spPr>
           <a:xfrm>
-            <a:off x="6872683" y="2640329"/>
-            <a:ext cx="1861922" cy="510541"/>
+            <a:off x="6872682" y="2640328"/>
+            <a:ext cx="1861921" cy="510539"/>
           </a:xfrm>
           <a:prstGeom prst="rect">
             <a:avLst/>
@@ -14899,7 +15096,7 @@
           </a:extLst>
         </p:spPr>
         <p:txBody>
-          <a:bodyPr wrap="none" lIns="45719" rIns="45719">
+          <a:bodyPr wrap="none" lIns="45718" tIns="45718" rIns="45718" bIns="45718">
             <a:spAutoFit/>
           </a:bodyPr>
           <a:lstStyle>
@@ -14977,8 +15174,8 @@
         </p:nvSpPr>
         <p:spPr>
           <a:xfrm>
-            <a:off x="311943" y="279199"/>
-            <a:ext cx="8520114" cy="573088"/>
+            <a:off x="311942" y="279199"/>
+            <a:ext cx="8520116" cy="573088"/>
           </a:xfrm>
           <a:prstGeom prst="rect">
             <a:avLst/>
@@ -14988,7 +15185,7 @@
           <a:bodyPr/>
           <a:lstStyle>
             <a:lvl1pPr algn="ctr" defTabSz="850391">
-              <a:defRPr b="1" sz="2232">
+              <a:defRPr b="1" sz="2200">
                 <a:solidFill>
                   <a:srgbClr val="FFFFFF"/>
                 </a:solidFill>
@@ -15015,10 +15212,10 @@
         </p:nvGrpSpPr>
         <p:grpSpPr>
           <a:xfrm>
-            <a:off x="404812" y="1201737"/>
-            <a:ext cx="8393113" cy="644526"/>
+            <a:off x="404811" y="1201737"/>
+            <a:ext cx="8393117" cy="644528"/>
             <a:chOff x="0" y="0"/>
-            <a:chExt cx="8393111" cy="644525"/>
+            <a:chExt cx="8393115" cy="644527"/>
           </a:xfrm>
         </p:grpSpPr>
         <p:sp>
@@ -15029,8 +15226,8 @@
           </p:nvSpPr>
           <p:spPr>
             <a:xfrm>
-              <a:off x="2532071" y="0"/>
-              <a:ext cx="5861042" cy="644525"/>
+              <a:off x="2532071" y="-1"/>
+              <a:ext cx="5861045" cy="644528"/>
             </a:xfrm>
             <a:prstGeom prst="rect">
               <a:avLst/>
@@ -15045,7 +15242,7 @@
             <a:effectLst/>
           </p:spPr>
           <p:txBody>
-            <a:bodyPr wrap="square" lIns="45719" tIns="45719" rIns="45719" bIns="45719" numCol="1" anchor="ctr">
+            <a:bodyPr wrap="square" lIns="45718" tIns="45718" rIns="45718" bIns="45718" numCol="1" anchor="ctr">
               <a:noAutofit/>
             </a:bodyPr>
             <a:lstStyle/>
@@ -15072,8 +15269,8 @@
           </p:nvSpPr>
           <p:spPr>
             <a:xfrm>
-              <a:off x="0" y="0"/>
-              <a:ext cx="3092792" cy="644526"/>
+              <a:off x="-1" y="0"/>
+              <a:ext cx="3092794" cy="644528"/>
             </a:xfrm>
             <a:custGeom>
               <a:avLst/>
@@ -15125,7 +15322,7 @@
             <a:effectLst/>
           </p:spPr>
           <p:txBody>
-            <a:bodyPr wrap="square" lIns="45719" tIns="45719" rIns="45719" bIns="45719" numCol="1" anchor="ctr">
+            <a:bodyPr wrap="square" lIns="45718" tIns="45718" rIns="45718" bIns="45718" numCol="1" anchor="ctr">
               <a:noAutofit/>
             </a:bodyPr>
             <a:lstStyle/>
@@ -15156,7 +15353,7 @@
         <p:spPr>
           <a:xfrm>
             <a:off x="519112" y="1201737"/>
-            <a:ext cx="2451101" cy="644526"/>
+            <a:ext cx="2451101" cy="644527"/>
           </a:xfrm>
           <a:prstGeom prst="rect">
             <a:avLst/>
@@ -15191,7 +15388,7 @@
         <p:spPr>
           <a:xfrm>
             <a:off x="3459162" y="1201737"/>
-            <a:ext cx="5172076" cy="644526"/>
+            <a:ext cx="5172077" cy="644527"/>
           </a:xfrm>
           <a:prstGeom prst="rect">
             <a:avLst/>
@@ -15206,11 +15403,11 @@
           </a:extLst>
         </p:spPr>
         <p:txBody>
-          <a:bodyPr lIns="91424" tIns="91424" rIns="91424" bIns="91424" anchor="ctr">
+          <a:bodyPr lIns="91423" tIns="91423" rIns="91423" bIns="91423" anchor="ctr">
             <a:normAutofit fontScale="100000" lnSpcReduction="0"/>
           </a:bodyPr>
           <a:lstStyle>
-            <a:lvl1pPr marL="228600">
+            <a:lvl1pPr indent="228600">
               <a:lnSpc>
                 <a:spcPct val="115000"/>
               </a:lnSpc>
@@ -15241,10 +15438,10 @@
         </p:nvGrpSpPr>
         <p:grpSpPr>
           <a:xfrm>
-            <a:off x="404812" y="2074862"/>
-            <a:ext cx="8393113" cy="646114"/>
+            <a:off x="404811" y="2074861"/>
+            <a:ext cx="8393115" cy="646116"/>
             <a:chOff x="0" y="0"/>
-            <a:chExt cx="8393112" cy="646112"/>
+            <a:chExt cx="8393114" cy="646114"/>
           </a:xfrm>
         </p:grpSpPr>
         <p:sp>
@@ -15256,7 +15453,7 @@
           <p:spPr>
             <a:xfrm>
               <a:off x="2532072" y="0"/>
-              <a:ext cx="5861041" cy="646113"/>
+              <a:ext cx="5861042" cy="646116"/>
             </a:xfrm>
             <a:prstGeom prst="rect">
               <a:avLst/>
@@ -15271,7 +15468,7 @@
             <a:effectLst/>
           </p:spPr>
           <p:txBody>
-            <a:bodyPr wrap="square" lIns="45719" tIns="45719" rIns="45719" bIns="45719" numCol="1" anchor="ctr">
+            <a:bodyPr wrap="square" lIns="45718" tIns="45718" rIns="45718" bIns="45718" numCol="1" anchor="ctr">
               <a:noAutofit/>
             </a:bodyPr>
             <a:lstStyle/>
@@ -15299,7 +15496,7 @@
           <p:spPr>
             <a:xfrm>
               <a:off x="-1" y="0"/>
-              <a:ext cx="3092793" cy="646113"/>
+              <a:ext cx="3092794" cy="646115"/>
             </a:xfrm>
             <a:custGeom>
               <a:avLst/>
@@ -15351,7 +15548,7 @@
             <a:effectLst/>
           </p:spPr>
           <p:txBody>
-            <a:bodyPr wrap="square" lIns="45719" tIns="45719" rIns="45719" bIns="45719" numCol="1" anchor="ctr">
+            <a:bodyPr wrap="square" lIns="45718" tIns="45718" rIns="45718" bIns="45718" numCol="1" anchor="ctr">
               <a:noAutofit/>
             </a:bodyPr>
             <a:lstStyle/>
@@ -15379,8 +15576,8 @@
         </p:nvSpPr>
         <p:spPr>
           <a:xfrm>
-            <a:off x="519112" y="2074862"/>
-            <a:ext cx="2451101" cy="646113"/>
+            <a:off x="519112" y="2074861"/>
+            <a:ext cx="2451101" cy="646114"/>
           </a:xfrm>
           <a:prstGeom prst="rect">
             <a:avLst/>
@@ -15395,7 +15592,7 @@
           </a:extLst>
         </p:spPr>
         <p:txBody>
-          <a:bodyPr lIns="91424" tIns="91424" rIns="91424" bIns="91424" anchor="ctr">
+          <a:bodyPr lIns="91423" tIns="91423" rIns="91423" bIns="91423" anchor="ctr">
             <a:normAutofit fontScale="100000" lnSpcReduction="0"/>
           </a:bodyPr>
           <a:lstStyle>
@@ -15427,8 +15624,8 @@
         </p:nvSpPr>
         <p:spPr>
           <a:xfrm>
-            <a:off x="3459162" y="2074862"/>
-            <a:ext cx="5172076" cy="646113"/>
+            <a:off x="3459162" y="2074861"/>
+            <a:ext cx="5172077" cy="646114"/>
           </a:xfrm>
           <a:prstGeom prst="rect">
             <a:avLst/>
@@ -15443,11 +15640,11 @@
           </a:extLst>
         </p:spPr>
         <p:txBody>
-          <a:bodyPr lIns="91424" tIns="91424" rIns="91424" bIns="91424" anchor="ctr">
+          <a:bodyPr lIns="91423" tIns="91423" rIns="91423" bIns="91423" anchor="ctr">
             <a:normAutofit fontScale="100000" lnSpcReduction="0"/>
           </a:bodyPr>
           <a:lstStyle>
-            <a:lvl1pPr marL="228600">
+            <a:lvl1pPr indent="228600">
               <a:lnSpc>
                 <a:spcPct val="115000"/>
               </a:lnSpc>
@@ -15478,10 +15675,10 @@
         </p:nvGrpSpPr>
         <p:grpSpPr>
           <a:xfrm>
-            <a:off x="404812" y="2947987"/>
-            <a:ext cx="8393113" cy="646114"/>
+            <a:off x="404811" y="2947986"/>
+            <a:ext cx="8393115" cy="646116"/>
             <a:chOff x="0" y="0"/>
-            <a:chExt cx="8393112" cy="646112"/>
+            <a:chExt cx="8393114" cy="646114"/>
           </a:xfrm>
         </p:grpSpPr>
         <p:sp>
@@ -15493,7 +15690,7 @@
           <p:spPr>
             <a:xfrm>
               <a:off x="2532072" y="0"/>
-              <a:ext cx="5861041" cy="646113"/>
+              <a:ext cx="5861042" cy="646116"/>
             </a:xfrm>
             <a:prstGeom prst="rect">
               <a:avLst/>
@@ -15508,7 +15705,7 @@
             <a:effectLst/>
           </p:spPr>
           <p:txBody>
-            <a:bodyPr wrap="square" lIns="45719" tIns="45719" rIns="45719" bIns="45719" numCol="1" anchor="ctr">
+            <a:bodyPr wrap="square" lIns="45718" tIns="45718" rIns="45718" bIns="45718" numCol="1" anchor="ctr">
               <a:noAutofit/>
             </a:bodyPr>
             <a:lstStyle/>
@@ -15536,7 +15733,7 @@
           <p:spPr>
             <a:xfrm>
               <a:off x="-1" y="0"/>
-              <a:ext cx="3092793" cy="646113"/>
+              <a:ext cx="3092794" cy="646115"/>
             </a:xfrm>
             <a:custGeom>
               <a:avLst/>
@@ -15588,7 +15785,7 @@
             <a:effectLst/>
           </p:spPr>
           <p:txBody>
-            <a:bodyPr wrap="square" lIns="45719" tIns="45719" rIns="45719" bIns="45719" numCol="1" anchor="ctr">
+            <a:bodyPr wrap="square" lIns="45718" tIns="45718" rIns="45718" bIns="45718" numCol="1" anchor="ctr">
               <a:noAutofit/>
             </a:bodyPr>
             <a:lstStyle/>
@@ -15616,8 +15813,8 @@
         </p:nvSpPr>
         <p:spPr>
           <a:xfrm>
-            <a:off x="519112" y="2947987"/>
-            <a:ext cx="2451101" cy="646113"/>
+            <a:off x="519112" y="2947986"/>
+            <a:ext cx="2451101" cy="646114"/>
           </a:xfrm>
           <a:prstGeom prst="rect">
             <a:avLst/>
@@ -15632,7 +15829,7 @@
           </a:extLst>
         </p:spPr>
         <p:txBody>
-          <a:bodyPr lIns="91424" tIns="91424" rIns="91424" bIns="91424" anchor="ctr">
+          <a:bodyPr lIns="91423" tIns="91423" rIns="91423" bIns="91423" anchor="ctr">
             <a:normAutofit fontScale="100000" lnSpcReduction="0"/>
           </a:bodyPr>
           <a:lstStyle>
@@ -15664,8 +15861,8 @@
         </p:nvSpPr>
         <p:spPr>
           <a:xfrm>
-            <a:off x="3459162" y="2951162"/>
-            <a:ext cx="5172076" cy="646113"/>
+            <a:off x="3459162" y="2951161"/>
+            <a:ext cx="5172077" cy="646114"/>
           </a:xfrm>
           <a:prstGeom prst="rect">
             <a:avLst/>
@@ -15680,11 +15877,11 @@
           </a:extLst>
         </p:spPr>
         <p:txBody>
-          <a:bodyPr lIns="91424" tIns="91424" rIns="91424" bIns="91424" anchor="ctr">
+          <a:bodyPr lIns="91423" tIns="91423" rIns="91423" bIns="91423" anchor="ctr">
             <a:normAutofit fontScale="100000" lnSpcReduction="0"/>
           </a:bodyPr>
           <a:lstStyle>
-            <a:lvl1pPr marL="228600">
+            <a:lvl1pPr indent="228600">
               <a:lnSpc>
                 <a:spcPct val="115000"/>
               </a:lnSpc>
@@ -15715,10 +15912,10 @@
         </p:nvGrpSpPr>
         <p:grpSpPr>
           <a:xfrm>
-            <a:off x="404812" y="3821112"/>
-            <a:ext cx="8393113" cy="646114"/>
+            <a:off x="404811" y="3821112"/>
+            <a:ext cx="8393115" cy="646116"/>
             <a:chOff x="0" y="0"/>
-            <a:chExt cx="8393112" cy="646112"/>
+            <a:chExt cx="8393114" cy="646114"/>
           </a:xfrm>
         </p:grpSpPr>
         <p:sp>
@@ -15730,7 +15927,7 @@
           <p:spPr>
             <a:xfrm>
               <a:off x="2532072" y="0"/>
-              <a:ext cx="5861041" cy="646113"/>
+              <a:ext cx="5861042" cy="646116"/>
             </a:xfrm>
             <a:prstGeom prst="rect">
               <a:avLst/>
@@ -15745,7 +15942,7 @@
             <a:effectLst/>
           </p:spPr>
           <p:txBody>
-            <a:bodyPr wrap="square" lIns="45719" tIns="45719" rIns="45719" bIns="45719" numCol="1" anchor="ctr">
+            <a:bodyPr wrap="square" lIns="45718" tIns="45718" rIns="45718" bIns="45718" numCol="1" anchor="ctr">
               <a:noAutofit/>
             </a:bodyPr>
             <a:lstStyle/>
@@ -15773,7 +15970,7 @@
           <p:spPr>
             <a:xfrm>
               <a:off x="-1" y="0"/>
-              <a:ext cx="3092793" cy="646113"/>
+              <a:ext cx="3092794" cy="646115"/>
             </a:xfrm>
             <a:custGeom>
               <a:avLst/>
@@ -15825,7 +16022,7 @@
             <a:effectLst/>
           </p:spPr>
           <p:txBody>
-            <a:bodyPr wrap="square" lIns="45719" tIns="45719" rIns="45719" bIns="45719" numCol="1" anchor="ctr">
+            <a:bodyPr wrap="square" lIns="45718" tIns="45718" rIns="45718" bIns="45718" numCol="1" anchor="ctr">
               <a:noAutofit/>
             </a:bodyPr>
             <a:lstStyle/>
@@ -15854,7 +16051,7 @@
         <p:spPr>
           <a:xfrm>
             <a:off x="519112" y="3821112"/>
-            <a:ext cx="2451101" cy="646113"/>
+            <a:ext cx="2451101" cy="646114"/>
           </a:xfrm>
           <a:prstGeom prst="rect">
             <a:avLst/>
@@ -15869,7 +16066,7 @@
           </a:extLst>
         </p:spPr>
         <p:txBody>
-          <a:bodyPr lIns="91424" tIns="91424" rIns="91424" bIns="91424" anchor="ctr">
+          <a:bodyPr lIns="91423" tIns="91423" rIns="91423" bIns="91423" anchor="ctr">
             <a:normAutofit fontScale="100000" lnSpcReduction="0"/>
           </a:bodyPr>
           <a:lstStyle>
@@ -15902,7 +16099,7 @@
         <p:spPr>
           <a:xfrm>
             <a:off x="3459162" y="3824287"/>
-            <a:ext cx="5172076" cy="644526"/>
+            <a:ext cx="5172077" cy="644527"/>
           </a:xfrm>
           <a:prstGeom prst="rect">
             <a:avLst/>
@@ -15917,11 +16114,11 @@
           </a:extLst>
         </p:spPr>
         <p:txBody>
-          <a:bodyPr lIns="91424" tIns="91424" rIns="91424" bIns="91424" anchor="ctr">
+          <a:bodyPr lIns="91423" tIns="91423" rIns="91423" bIns="91423" anchor="ctr">
             <a:normAutofit fontScale="100000" lnSpcReduction="0"/>
           </a:bodyPr>
           <a:lstStyle>
-            <a:lvl1pPr marL="228600">
+            <a:lvl1pPr indent="228600">
               <a:lnSpc>
                 <a:spcPct val="115000"/>
               </a:lnSpc>
@@ -15992,16 +16189,16 @@
         <p:spPr>
           <a:xfrm>
             <a:off x="2590531" y="1745657"/>
-            <a:ext cx="2108201" cy="503238"/>
-          </a:xfrm>
-          <a:prstGeom prst="rect">
-            <a:avLst/>
-          </a:prstGeom>
-        </p:spPr>
-        <p:txBody>
-          <a:bodyPr lIns="45719" tIns="45719" rIns="45719" bIns="45719"/>
+            <a:ext cx="2108202" cy="503239"/>
+          </a:xfrm>
+          <a:prstGeom prst="rect">
+            <a:avLst/>
+          </a:prstGeom>
+        </p:spPr>
+        <p:txBody>
+          <a:bodyPr lIns="45718" tIns="45718" rIns="45718" bIns="45718"/>
           <a:lstStyle>
-            <a:lvl1pPr marL="319087" indent="-200025">
+            <a:lvl1pPr marL="200025" indent="-80963">
               <a:lnSpc>
                 <a:spcPct val="115000"/>
               </a:lnSpc>
@@ -16032,8 +16229,8 @@
         </p:nvSpPr>
         <p:spPr>
           <a:xfrm>
-            <a:off x="4747899" y="3701457"/>
-            <a:ext cx="2638426" cy="579438"/>
+            <a:off x="4747898" y="3701457"/>
+            <a:ext cx="2638427" cy="579439"/>
           </a:xfrm>
           <a:prstGeom prst="rect">
             <a:avLst/>
@@ -16048,11 +16245,11 @@
           </a:extLst>
         </p:spPr>
         <p:txBody>
-          <a:bodyPr lIns="45719" rIns="45719">
+          <a:bodyPr lIns="45718" tIns="45718" rIns="45718" bIns="45718">
             <a:normAutofit fontScale="100000" lnSpcReduction="0"/>
           </a:bodyPr>
           <a:lstStyle>
-            <a:lvl1pPr marL="319087" indent="-200025">
+            <a:lvl1pPr marL="200025" indent="-80963">
               <a:lnSpc>
                 <a:spcPct val="115000"/>
               </a:lnSpc>
@@ -16087,7 +16284,7 @@
         <p:spPr>
           <a:xfrm>
             <a:off x="7179926" y="1743261"/>
-            <a:ext cx="2165351" cy="566738"/>
+            <a:ext cx="2165352" cy="566739"/>
           </a:xfrm>
           <a:prstGeom prst="rect">
             <a:avLst/>
@@ -16102,11 +16299,11 @@
           </a:extLst>
         </p:spPr>
         <p:txBody>
-          <a:bodyPr lIns="45719" rIns="45719">
+          <a:bodyPr lIns="45718" tIns="45718" rIns="45718" bIns="45718">
             <a:normAutofit fontScale="100000" lnSpcReduction="0"/>
           </a:bodyPr>
           <a:lstStyle>
-            <a:lvl1pPr marL="319087" indent="-200025">
+            <a:lvl1pPr marL="200025" indent="-80963">
               <a:lnSpc>
                 <a:spcPct val="115000"/>
               </a:lnSpc>
@@ -16140,8 +16337,8 @@
         </p:nvSpPr>
         <p:spPr>
           <a:xfrm flipV="1">
-            <a:off x="2695593" y="1889705"/>
-            <a:ext cx="1" cy="811340"/>
+            <a:off x="2695593" y="1894467"/>
+            <a:ext cx="2" cy="806579"/>
           </a:xfrm>
           <a:prstGeom prst="line">
             <a:avLst/>
@@ -16154,10 +16351,16 @@
           </a:ln>
         </p:spPr>
         <p:txBody>
-          <a:bodyPr lIns="45719" rIns="45719"/>
+          <a:bodyPr lIns="45718" tIns="45718" rIns="45718" bIns="45718"/>
           <a:lstStyle/>
           <a:p>
-            <a:pPr/>
+            <a:pPr>
+              <a:defRPr>
+                <a:solidFill>
+                  <a:srgbClr val="4285F4"/>
+                </a:solidFill>
+              </a:defRPr>
+            </a:pPr>
           </a:p>
         </p:txBody>
       </p:sp>
@@ -16169,8 +16372,8 @@
         </p:nvSpPr>
         <p:spPr>
           <a:xfrm>
-            <a:off x="4854910" y="3053469"/>
-            <a:ext cx="1" cy="811341"/>
+            <a:off x="4854909" y="3053469"/>
+            <a:ext cx="2" cy="806579"/>
           </a:xfrm>
           <a:prstGeom prst="line">
             <a:avLst/>
@@ -16183,10 +16386,16 @@
           </a:ln>
         </p:spPr>
         <p:txBody>
-          <a:bodyPr lIns="45719" rIns="45719"/>
+          <a:bodyPr lIns="45718" tIns="45718" rIns="45718" bIns="45718"/>
           <a:lstStyle/>
           <a:p>
-            <a:pPr/>
+            <a:pPr>
+              <a:defRPr>
+                <a:solidFill>
+                  <a:srgbClr val="4285F4"/>
+                </a:solidFill>
+              </a:defRPr>
+            </a:pPr>
           </a:p>
         </p:txBody>
       </p:sp>
@@ -16198,8 +16407,8 @@
         </p:nvSpPr>
         <p:spPr>
           <a:xfrm flipV="1">
-            <a:off x="7308868" y="1870655"/>
-            <a:ext cx="1" cy="811340"/>
+            <a:off x="7308867" y="1875417"/>
+            <a:ext cx="2" cy="806579"/>
           </a:xfrm>
           <a:prstGeom prst="line">
             <a:avLst/>
@@ -16212,10 +16421,16 @@
           </a:ln>
         </p:spPr>
         <p:txBody>
-          <a:bodyPr lIns="45719" rIns="45719"/>
+          <a:bodyPr lIns="45718" tIns="45718" rIns="45718" bIns="45718"/>
           <a:lstStyle/>
           <a:p>
-            <a:pPr/>
+            <a:pPr>
+              <a:defRPr>
+                <a:solidFill>
+                  <a:srgbClr val="4285F4"/>
+                </a:solidFill>
+              </a:defRPr>
+            </a:pPr>
           </a:p>
         </p:txBody>
       </p:sp>
@@ -16226,8 +16441,8 @@
           <p:nvPr/>
         </p:nvGraphicFramePr>
         <p:xfrm>
-          <a:off x="246398" y="2672469"/>
-          <a:ext cx="8672513" cy="400051"/>
+          <a:off x="246397" y="2672469"/>
+          <a:ext cx="8672515" cy="400052"/>
         </p:xfrm>
         <a:graphic xmlns:a="http://schemas.openxmlformats.org/drawingml/2006/main">
           <a:graphicData uri="http://schemas.openxmlformats.org/drawingml/2006/table">
@@ -16276,11 +16491,9 @@
                     </a:p>
                   </a:txBody>
                   <a:tcPr marL="91425" marR="91425" marT="91425" marB="91425" anchor="t" anchorCtr="0" horzOverflow="overflow">
-                    <a:lnL>
+                    <a:lnL w="3175">
                       <a:solidFill>
-                        <a:srgbClr val="9E9E9E">
-                          <a:alpha val="0"/>
-                        </a:srgbClr>
+                        <a:srgbClr val="000000"/>
                       </a:solidFill>
                     </a:lnL>
                     <a:lnR>
@@ -16290,18 +16503,14 @@
                         </a:srgbClr>
                       </a:solidFill>
                     </a:lnR>
-                    <a:lnT>
+                    <a:lnT w="3175">
                       <a:solidFill>
-                        <a:srgbClr val="9E9E9E">
-                          <a:alpha val="0"/>
-                        </a:srgbClr>
+                        <a:srgbClr val="000000"/>
                       </a:solidFill>
                     </a:lnT>
-                    <a:lnB>
+                    <a:lnB w="3175">
                       <a:solidFill>
-                        <a:srgbClr val="9E9E9E">
-                          <a:alpha val="0"/>
-                        </a:srgbClr>
+                        <a:srgbClr val="000000"/>
                       </a:solidFill>
                     </a:lnB>
                     <a:solidFill>
@@ -16349,18 +16558,14 @@
                         </a:srgbClr>
                       </a:solidFill>
                     </a:lnR>
-                    <a:lnT>
+                    <a:lnT w="3175">
                       <a:solidFill>
-                        <a:srgbClr val="9E9E9E">
-                          <a:alpha val="0"/>
-                        </a:srgbClr>
+                        <a:srgbClr val="000000"/>
                       </a:solidFill>
                     </a:lnT>
-                    <a:lnB>
+                    <a:lnB w="3175">
                       <a:solidFill>
-                        <a:srgbClr val="9E9E9E">
-                          <a:alpha val="0"/>
-                        </a:srgbClr>
+                        <a:srgbClr val="000000"/>
                       </a:solidFill>
                     </a:lnB>
                     <a:solidFill>
@@ -16408,18 +16613,14 @@
                         </a:srgbClr>
                       </a:solidFill>
                     </a:lnR>
-                    <a:lnT>
+                    <a:lnT w="3175">
                       <a:solidFill>
-                        <a:srgbClr val="9E9E9E">
-                          <a:alpha val="0"/>
-                        </a:srgbClr>
+                        <a:srgbClr val="000000"/>
                       </a:solidFill>
                     </a:lnT>
-                    <a:lnB>
+                    <a:lnB w="3175">
                       <a:solidFill>
-                        <a:srgbClr val="9E9E9E">
-                          <a:alpha val="0"/>
-                        </a:srgbClr>
+                        <a:srgbClr val="000000"/>
                       </a:solidFill>
                     </a:lnB>
                     <a:solidFill>
@@ -16467,18 +16668,14 @@
                         </a:srgbClr>
                       </a:solidFill>
                     </a:lnR>
-                    <a:lnT>
+                    <a:lnT w="3175">
                       <a:solidFill>
-                        <a:srgbClr val="9E9E9E">
-                          <a:alpha val="0"/>
-                        </a:srgbClr>
+                        <a:srgbClr val="000000"/>
                       </a:solidFill>
                     </a:lnT>
-                    <a:lnB>
+                    <a:lnB w="3175">
                       <a:solidFill>
-                        <a:srgbClr val="9E9E9E">
-                          <a:alpha val="0"/>
-                        </a:srgbClr>
+                        <a:srgbClr val="000000"/>
                       </a:solidFill>
                     </a:lnB>
                     <a:solidFill>
@@ -16526,18 +16723,14 @@
                         </a:srgbClr>
                       </a:solidFill>
                     </a:lnR>
-                    <a:lnT>
+                    <a:lnT w="3175">
                       <a:solidFill>
-                        <a:srgbClr val="9E9E9E">
-                          <a:alpha val="0"/>
-                        </a:srgbClr>
+                        <a:srgbClr val="000000"/>
                       </a:solidFill>
                     </a:lnT>
-                    <a:lnB>
+                    <a:lnB w="3175">
                       <a:solidFill>
-                        <a:srgbClr val="9E9E9E">
-                          <a:alpha val="0"/>
-                        </a:srgbClr>
+                        <a:srgbClr val="000000"/>
                       </a:solidFill>
                     </a:lnB>
                     <a:solidFill>
@@ -16585,18 +16778,14 @@
                         </a:srgbClr>
                       </a:solidFill>
                     </a:lnR>
-                    <a:lnT>
+                    <a:lnT w="3175">
                       <a:solidFill>
-                        <a:srgbClr val="9E9E9E">
-                          <a:alpha val="0"/>
-                        </a:srgbClr>
+                        <a:srgbClr val="000000"/>
                       </a:solidFill>
                     </a:lnT>
-                    <a:lnB>
+                    <a:lnB w="3175">
                       <a:solidFill>
-                        <a:srgbClr val="9E9E9E">
-                          <a:alpha val="0"/>
-                        </a:srgbClr>
+                        <a:srgbClr val="000000"/>
                       </a:solidFill>
                     </a:lnB>
                     <a:solidFill>
@@ -16644,18 +16833,14 @@
                         </a:srgbClr>
                       </a:solidFill>
                     </a:lnR>
-                    <a:lnT>
+                    <a:lnT w="3175">
                       <a:solidFill>
-                        <a:srgbClr val="9E9E9E">
-                          <a:alpha val="0"/>
-                        </a:srgbClr>
+                        <a:srgbClr val="000000"/>
                       </a:solidFill>
                     </a:lnT>
-                    <a:lnB>
+                    <a:lnB w="3175">
                       <a:solidFill>
-                        <a:srgbClr val="9E9E9E">
-                          <a:alpha val="0"/>
-                        </a:srgbClr>
+                        <a:srgbClr val="000000"/>
                       </a:solidFill>
                     </a:lnB>
                     <a:solidFill>
@@ -16703,18 +16888,14 @@
                         </a:srgbClr>
                       </a:solidFill>
                     </a:lnR>
-                    <a:lnT>
+                    <a:lnT w="3175">
                       <a:solidFill>
-                        <a:srgbClr val="9E9E9E">
-                          <a:alpha val="0"/>
-                        </a:srgbClr>
+                        <a:srgbClr val="000000"/>
                       </a:solidFill>
                     </a:lnT>
-                    <a:lnB>
+                    <a:lnB w="3175">
                       <a:solidFill>
-                        <a:srgbClr val="9E9E9E">
-                          <a:alpha val="0"/>
-                        </a:srgbClr>
+                        <a:srgbClr val="000000"/>
                       </a:solidFill>
                     </a:lnB>
                     <a:solidFill>
@@ -16762,18 +16943,14 @@
                         </a:srgbClr>
                       </a:solidFill>
                     </a:lnR>
-                    <a:lnT>
+                    <a:lnT w="3175">
                       <a:solidFill>
-                        <a:srgbClr val="9E9E9E">
-                          <a:alpha val="0"/>
-                        </a:srgbClr>
+                        <a:srgbClr val="000000"/>
                       </a:solidFill>
                     </a:lnT>
-                    <a:lnB>
+                    <a:lnB w="3175">
                       <a:solidFill>
-                        <a:srgbClr val="9E9E9E">
-                          <a:alpha val="0"/>
-                        </a:srgbClr>
+                        <a:srgbClr val="000000"/>
                       </a:solidFill>
                     </a:lnB>
                     <a:solidFill>
@@ -16821,18 +16998,14 @@
                         </a:srgbClr>
                       </a:solidFill>
                     </a:lnR>
-                    <a:lnT>
+                    <a:lnT w="3175">
                       <a:solidFill>
-                        <a:srgbClr val="9E9E9E">
-                          <a:alpha val="0"/>
-                        </a:srgbClr>
+                        <a:srgbClr val="000000"/>
                       </a:solidFill>
                     </a:lnT>
-                    <a:lnB>
+                    <a:lnB w="3175">
                       <a:solidFill>
-                        <a:srgbClr val="9E9E9E">
-                          <a:alpha val="0"/>
-                        </a:srgbClr>
+                        <a:srgbClr val="000000"/>
                       </a:solidFill>
                     </a:lnB>
                     <a:solidFill>
@@ -16880,18 +17053,14 @@
                         </a:srgbClr>
                       </a:solidFill>
                     </a:lnR>
-                    <a:lnT>
+                    <a:lnT w="3175">
                       <a:solidFill>
-                        <a:srgbClr val="9E9E9E">
-                          <a:alpha val="0"/>
-                        </a:srgbClr>
+                        <a:srgbClr val="000000"/>
                       </a:solidFill>
                     </a:lnT>
-                    <a:lnB>
+                    <a:lnB w="3175">
                       <a:solidFill>
-                        <a:srgbClr val="9E9E9E">
-                          <a:alpha val="0"/>
-                        </a:srgbClr>
+                        <a:srgbClr val="000000"/>
                       </a:solidFill>
                     </a:lnB>
                     <a:solidFill>
@@ -16932,25 +17101,19 @@
                         </a:srgbClr>
                       </a:solidFill>
                     </a:lnL>
-                    <a:lnR>
+                    <a:lnR w="3175">
                       <a:solidFill>
-                        <a:srgbClr val="9E9E9E">
-                          <a:alpha val="0"/>
-                        </a:srgbClr>
+                        <a:srgbClr val="000000"/>
                       </a:solidFill>
                     </a:lnR>
-                    <a:lnT>
+                    <a:lnT w="3175">
                       <a:solidFill>
-                        <a:srgbClr val="9E9E9E">
-                          <a:alpha val="0"/>
-                        </a:srgbClr>
+                        <a:srgbClr val="000000"/>
                       </a:solidFill>
                     </a:lnT>
-                    <a:lnB>
+                    <a:lnB w="3175">
                       <a:solidFill>
-                        <a:srgbClr val="9E9E9E">
-                          <a:alpha val="0"/>
-                        </a:srgbClr>
+                        <a:srgbClr val="000000"/>
                       </a:solidFill>
                     </a:lnB>
                     <a:solidFill>
@@ -16971,8 +17134,8 @@
         </p:nvSpPr>
         <p:spPr>
           <a:xfrm flipH="1">
-            <a:off x="428624" y="3375025"/>
-            <a:ext cx="2" cy="811340"/>
+            <a:off x="428623" y="3375025"/>
+            <a:ext cx="3" cy="806578"/>
           </a:xfrm>
           <a:prstGeom prst="line">
             <a:avLst/>
@@ -16985,10 +17148,16 @@
           </a:ln>
         </p:spPr>
         <p:txBody>
-          <a:bodyPr lIns="45719" rIns="45719"/>
+          <a:bodyPr lIns="45718" tIns="45718" rIns="45718" bIns="45718"/>
           <a:lstStyle/>
           <a:p>
-            <a:pPr/>
+            <a:pPr>
+              <a:defRPr>
+                <a:solidFill>
+                  <a:srgbClr val="4285F4"/>
+                </a:solidFill>
+              </a:defRPr>
+            </a:pPr>
           </a:p>
         </p:txBody>
       </p:sp>
@@ -17000,8 +17169,8 @@
         </p:nvSpPr>
         <p:spPr>
           <a:xfrm>
-            <a:off x="525842" y="3544816"/>
-            <a:ext cx="2058989" cy="701646"/>
+            <a:off x="525841" y="3544816"/>
+            <a:ext cx="2058991" cy="701644"/>
           </a:xfrm>
           <a:prstGeom prst="rect">
             <a:avLst/>
@@ -17016,7 +17185,7 @@
           </a:extLst>
         </p:spPr>
         <p:txBody>
-          <a:bodyPr lIns="91424" tIns="91424" rIns="91424" bIns="91424">
+          <a:bodyPr lIns="91423" tIns="91423" rIns="91423" bIns="91423">
             <a:spAutoFit/>
           </a:bodyPr>
           <a:lstStyle/>
@@ -17056,8 +17225,8 @@
         </p:nvSpPr>
         <p:spPr>
           <a:xfrm>
-            <a:off x="3135185" y="282098"/>
-            <a:ext cx="3321305" cy="510541"/>
+            <a:off x="3312161" y="282099"/>
+            <a:ext cx="2519679" cy="510539"/>
           </a:xfrm>
           <a:prstGeom prst="rect">
             <a:avLst/>
@@ -17072,7 +17241,7 @@
           </a:extLst>
         </p:spPr>
         <p:txBody>
-          <a:bodyPr wrap="none" lIns="45719" rIns="45719">
+          <a:bodyPr wrap="none" lIns="45718" tIns="45718" rIns="45718" bIns="45718">
             <a:spAutoFit/>
           </a:bodyPr>
           <a:lstStyle>
@@ -17091,7 +17260,7 @@
           <a:p>
             <a:pPr/>
             <a:r>
-              <a:t>Future Advancements</a:t>
+              <a:t>The Road Ahead</a:t>
             </a:r>
           </a:p>
         </p:txBody>
@@ -17143,8 +17312,8 @@
         </p:nvSpPr>
         <p:spPr>
           <a:xfrm>
-            <a:off x="250825" y="123825"/>
-            <a:ext cx="8621713" cy="576263"/>
+            <a:off x="250824" y="123825"/>
+            <a:ext cx="8621715" cy="576263"/>
           </a:xfrm>
           <a:prstGeom prst="rect">
             <a:avLst/>
@@ -17154,7 +17323,7 @@
           <a:bodyPr/>
           <a:lstStyle>
             <a:lvl1pPr algn="ctr" defTabSz="850391">
-              <a:defRPr b="1" sz="2232">
+              <a:defRPr b="1" sz="2200">
                 <a:solidFill>
                   <a:srgbClr val="FFFFFF"/>
                 </a:solidFill>
@@ -17181,8 +17350,8 @@
         </p:nvSpPr>
         <p:spPr>
           <a:xfrm>
-            <a:off x="536575" y="1870075"/>
-            <a:ext cx="2570163" cy="2602111"/>
+            <a:off x="536574" y="1870074"/>
+            <a:ext cx="2570165" cy="2602112"/>
           </a:xfrm>
           <a:custGeom>
             <a:avLst/>
@@ -17241,7 +17410,7 @@
           </a:ln>
         </p:spPr>
         <p:txBody>
-          <a:bodyPr lIns="45719" rIns="45719" anchor="ctr"/>
+          <a:bodyPr lIns="45718" tIns="45718" rIns="45718" bIns="45718" anchor="ctr"/>
           <a:lstStyle/>
           <a:p>
             <a:pPr>
@@ -17267,7 +17436,7 @@
         <p:spPr>
           <a:xfrm>
             <a:off x="3316287" y="1870075"/>
-            <a:ext cx="2628901" cy="2578894"/>
+            <a:ext cx="2628902" cy="2578895"/>
           </a:xfrm>
           <a:custGeom>
             <a:avLst/>
@@ -17326,7 +17495,7 @@
           </a:ln>
         </p:spPr>
         <p:txBody>
-          <a:bodyPr lIns="45719" rIns="45719" anchor="ctr"/>
+          <a:bodyPr lIns="45718" tIns="45718" rIns="45718" bIns="45718" anchor="ctr"/>
           <a:lstStyle/>
           <a:p>
             <a:pPr>
@@ -17352,7 +17521,7 @@
         <p:spPr>
           <a:xfrm>
             <a:off x="6154737" y="1870075"/>
-            <a:ext cx="2568576" cy="2578894"/>
+            <a:ext cx="2568577" cy="2578895"/>
           </a:xfrm>
           <a:custGeom>
             <a:avLst/>
@@ -17411,7 +17580,7 @@
           </a:ln>
         </p:spPr>
         <p:txBody>
-          <a:bodyPr lIns="45719" rIns="45719" anchor="ctr"/>
+          <a:bodyPr lIns="45718" tIns="45718" rIns="45718" bIns="45718" anchor="ctr"/>
           <a:lstStyle/>
           <a:p>
             <a:pPr>
@@ -17436,8 +17605,8 @@
         </p:nvSpPr>
         <p:spPr>
           <a:xfrm>
-            <a:off x="6189662" y="1941512"/>
-            <a:ext cx="2481263" cy="2006601"/>
+            <a:off x="6189662" y="1941511"/>
+            <a:ext cx="2481264" cy="2006602"/>
           </a:xfrm>
           <a:prstGeom prst="rect">
             <a:avLst/>
@@ -17452,7 +17621,7 @@
           </a:extLst>
         </p:spPr>
         <p:txBody>
-          <a:bodyPr lIns="91424" tIns="91424" rIns="91424" bIns="91424">
+          <a:bodyPr lIns="91423" tIns="91423" rIns="91423" bIns="91423">
             <a:normAutofit fontScale="100000" lnSpcReduction="0"/>
           </a:bodyPr>
           <a:lstStyle/>
@@ -17492,8 +17661,8 @@
         </p:nvSpPr>
         <p:spPr>
           <a:xfrm>
-            <a:off x="573087" y="1941512"/>
-            <a:ext cx="2481263" cy="2006601"/>
+            <a:off x="573086" y="1941511"/>
+            <a:ext cx="2481265" cy="2006602"/>
           </a:xfrm>
           <a:prstGeom prst="rect">
             <a:avLst/>
@@ -17508,7 +17677,7 @@
           </a:extLst>
         </p:spPr>
         <p:txBody>
-          <a:bodyPr lIns="91424" tIns="91424" rIns="91424" bIns="91424">
+          <a:bodyPr lIns="91423" tIns="91423" rIns="91423" bIns="91423">
             <a:normAutofit fontScale="100000" lnSpcReduction="0"/>
           </a:bodyPr>
           <a:lstStyle/>
@@ -17552,8 +17721,8 @@
         </p:nvSpPr>
         <p:spPr>
           <a:xfrm>
-            <a:off x="3381375" y="1941512"/>
-            <a:ext cx="2481263" cy="2006601"/>
+            <a:off x="3381374" y="1941511"/>
+            <a:ext cx="2481265" cy="2006602"/>
           </a:xfrm>
           <a:prstGeom prst="rect">
             <a:avLst/>
@@ -17568,7 +17737,7 @@
           </a:extLst>
         </p:spPr>
         <p:txBody>
-          <a:bodyPr lIns="91424" tIns="91424" rIns="91424" bIns="91424">
+          <a:bodyPr lIns="91423" tIns="91423" rIns="91423" bIns="91423">
             <a:normAutofit fontScale="100000" lnSpcReduction="0"/>
           </a:bodyPr>
           <a:lstStyle/>
@@ -17609,7 +17778,7 @@
         <p:spPr>
           <a:xfrm>
             <a:off x="396875" y="1166812"/>
-            <a:ext cx="2663825" cy="424151"/>
+            <a:ext cx="2663825" cy="424149"/>
           </a:xfrm>
           <a:prstGeom prst="rect">
             <a:avLst/>
@@ -17624,7 +17793,7 @@
           </a:extLst>
         </p:spPr>
         <p:txBody>
-          <a:bodyPr lIns="91424" tIns="91424" rIns="91424" bIns="91424">
+          <a:bodyPr lIns="91423" tIns="91423" rIns="91423" bIns="91423">
             <a:spAutoFit/>
           </a:bodyPr>
           <a:lstStyle>
@@ -17657,7 +17826,7 @@
         <p:spPr>
           <a:xfrm>
             <a:off x="3203575" y="1166812"/>
-            <a:ext cx="2663825" cy="424151"/>
+            <a:ext cx="2663825" cy="424149"/>
           </a:xfrm>
           <a:prstGeom prst="rect">
             <a:avLst/>
@@ -17672,7 +17841,7 @@
           </a:extLst>
         </p:spPr>
         <p:txBody>
-          <a:bodyPr lIns="91424" tIns="91424" rIns="91424" bIns="91424">
+          <a:bodyPr lIns="91423" tIns="91423" rIns="91423" bIns="91423">
             <a:spAutoFit/>
           </a:bodyPr>
           <a:lstStyle>
@@ -17705,7 +17874,7 @@
         <p:spPr>
           <a:xfrm>
             <a:off x="6054725" y="1166812"/>
-            <a:ext cx="2663825" cy="424151"/>
+            <a:ext cx="2663825" cy="424149"/>
           </a:xfrm>
           <a:prstGeom prst="rect">
             <a:avLst/>
@@ -17720,7 +17889,7 @@
           </a:extLst>
         </p:spPr>
         <p:txBody>
-          <a:bodyPr lIns="91424" tIns="91424" rIns="91424" bIns="91424">
+          <a:bodyPr lIns="91423" tIns="91423" rIns="91423" bIns="91423">
             <a:spAutoFit/>
           </a:bodyPr>
           <a:lstStyle>
@@ -17789,8 +17958,8 @@
         </p:nvSpPr>
         <p:spPr>
           <a:xfrm>
-            <a:off x="0" y="0"/>
-            <a:ext cx="9161463" cy="2149475"/>
+            <a:off x="-1" y="0"/>
+            <a:ext cx="9161465" cy="2149475"/>
           </a:xfrm>
           <a:prstGeom prst="rect">
             <a:avLst/>
@@ -17803,7 +17972,7 @@
           </a:ln>
         </p:spPr>
         <p:txBody>
-          <a:bodyPr lIns="45719" rIns="45719" anchor="ctr"/>
+          <a:bodyPr lIns="45718" tIns="45718" rIns="45718" bIns="45718" anchor="ctr"/>
           <a:lstStyle/>
           <a:p>
             <a:pPr>
@@ -17830,22 +17999,19 @@
         </p:nvSpPr>
         <p:spPr>
           <a:xfrm>
-            <a:off x="311943" y="677862"/>
-            <a:ext cx="8520114" cy="1012826"/>
-          </a:xfrm>
-          <a:prstGeom prst="rect">
-            <a:avLst/>
-          </a:prstGeom>
-        </p:spPr>
-        <p:txBody>
-          <a:bodyPr lIns="45719" tIns="45719" rIns="45719" bIns="45719"/>
+            <a:off x="311942" y="677862"/>
+            <a:ext cx="8520116" cy="1012826"/>
+          </a:xfrm>
+          <a:prstGeom prst="rect">
+            <a:avLst/>
+          </a:prstGeom>
+        </p:spPr>
+        <p:txBody>
+          <a:bodyPr lIns="45718" tIns="45718" rIns="45718" bIns="45718"/>
           <a:lstStyle/>
           <a:p>
-            <a:pPr algn="ctr" defTabSz="365760">
-              <a:spcBef>
-                <a:spcPts val="100"/>
-              </a:spcBef>
-              <a:defRPr b="1" sz="3840">
+            <a:pPr algn="ctr" defTabSz="252374">
+              <a:defRPr b="1" sz="2622">
                 <a:solidFill>
                   <a:srgbClr val="FFFFFF"/>
                 </a:solidFill>
@@ -17886,7 +18052,7 @@
           </a:extLst>
         </p:spPr>
         <p:txBody>
-          <a:bodyPr lIns="45719" rIns="45719" anchor="ctr">
+          <a:bodyPr lIns="45718" tIns="45718" rIns="45718" bIns="45718" anchor="ctr">
             <a:normAutofit fontScale="100000" lnSpcReduction="0"/>
           </a:bodyPr>
           <a:lstStyle>
@@ -17928,8 +18094,8 @@
         </p:blipFill>
         <p:spPr>
           <a:xfrm>
-            <a:off x="3195637" y="3111500"/>
-            <a:ext cx="1187451" cy="1144588"/>
+            <a:off x="3195636" y="3111500"/>
+            <a:ext cx="1187452" cy="1144588"/>
           </a:xfrm>
           <a:prstGeom prst="rect">
             <a:avLst/>
@@ -17987,7 +18153,7 @@
         <p:spPr>
           <a:xfrm>
             <a:off x="6015037" y="3079750"/>
-            <a:ext cx="1111251" cy="1136650"/>
+            <a:ext cx="1111252" cy="1136650"/>
           </a:xfrm>
           <a:prstGeom prst="rect">
             <a:avLst/>
@@ -18035,7 +18201,7 @@
         <p:spPr>
           <a:xfrm>
             <a:off x="4414837" y="4268311"/>
-            <a:ext cx="1528763" cy="332741"/>
+            <a:ext cx="1528764" cy="332739"/>
           </a:xfrm>
           <a:prstGeom prst="rect">
             <a:avLst/>
@@ -18050,7 +18216,7 @@
           </a:extLst>
         </p:spPr>
         <p:txBody>
-          <a:bodyPr lIns="45719" rIns="45719" anchor="ctr">
+          <a:bodyPr lIns="45718" tIns="45718" rIns="45718" bIns="45718" anchor="ctr">
             <a:spAutoFit/>
           </a:bodyPr>
           <a:lstStyle>
@@ -18083,7 +18249,7 @@
         <p:spPr>
           <a:xfrm>
             <a:off x="5834062" y="4226242"/>
-            <a:ext cx="1528763" cy="332741"/>
+            <a:ext cx="1528764" cy="332739"/>
           </a:xfrm>
           <a:prstGeom prst="rect">
             <a:avLst/>
@@ -18098,7 +18264,7 @@
           </a:extLst>
         </p:spPr>
         <p:txBody>
-          <a:bodyPr lIns="45719" rIns="45719" anchor="ctr">
+          <a:bodyPr lIns="45718" tIns="45718" rIns="45718" bIns="45718" anchor="ctr">
             <a:spAutoFit/>
           </a:bodyPr>
           <a:lstStyle>
@@ -18130,8 +18296,8 @@
         </p:nvSpPr>
         <p:spPr>
           <a:xfrm>
-            <a:off x="304800" y="4310380"/>
-            <a:ext cx="1528763" cy="332741"/>
+            <a:off x="304800" y="4310379"/>
+            <a:ext cx="1528763" cy="332739"/>
           </a:xfrm>
           <a:prstGeom prst="rect">
             <a:avLst/>
@@ -18146,7 +18312,7 @@
           </a:extLst>
         </p:spPr>
         <p:txBody>
-          <a:bodyPr lIns="45719" rIns="45719" anchor="ctr">
+          <a:bodyPr lIns="45718" tIns="45718" rIns="45718" bIns="45718" anchor="ctr">
             <a:spAutoFit/>
           </a:bodyPr>
           <a:lstStyle>
@@ -18178,8 +18344,8 @@
         </p:nvSpPr>
         <p:spPr>
           <a:xfrm>
-            <a:off x="1692275" y="4310380"/>
-            <a:ext cx="1528763" cy="332741"/>
+            <a:off x="1692275" y="4310379"/>
+            <a:ext cx="1528763" cy="332739"/>
           </a:xfrm>
           <a:prstGeom prst="rect">
             <a:avLst/>
@@ -18194,7 +18360,7 @@
           </a:extLst>
         </p:spPr>
         <p:txBody>
-          <a:bodyPr lIns="45719" rIns="45719" anchor="ctr">
+          <a:bodyPr lIns="45718" tIns="45718" rIns="45718" bIns="45718" anchor="ctr">
             <a:spAutoFit/>
           </a:bodyPr>
           <a:lstStyle>
@@ -18256,7 +18422,7 @@
         <p:spPr>
           <a:xfrm>
             <a:off x="7216775" y="4210367"/>
-            <a:ext cx="1527175" cy="332741"/>
+            <a:ext cx="1527175" cy="332739"/>
           </a:xfrm>
           <a:prstGeom prst="rect">
             <a:avLst/>
@@ -18271,7 +18437,7 @@
           </a:extLst>
         </p:spPr>
         <p:txBody>
-          <a:bodyPr lIns="45719" rIns="45719" anchor="ctr">
+          <a:bodyPr lIns="45718" tIns="45718" rIns="45718" bIns="45718" anchor="ctr">
             <a:spAutoFit/>
           </a:bodyPr>
           <a:lstStyle>
@@ -18352,7 +18518,7 @@
         <a:srgbClr val="37474F"/>
       </a:dk1>
       <a:lt1>
-        <a:srgbClr val="4285F4"/>
+        <a:srgbClr val="37474F"/>
       </a:lt1>
       <a:dk2>
         <a:srgbClr val="A7A7A7"/>
@@ -18476,13 +18642,7 @@
           <a:effectLst/>
         </a:effectStyle>
         <a:effectStyle>
-          <a:effectLst>
-            <a:outerShdw sx="100000" sy="100000" kx="0" ky="0" algn="b" rotWithShape="0" blurRad="38100" dist="20000" dir="5400000">
-              <a:srgbClr val="000000">
-                <a:alpha val="38000"/>
-              </a:srgbClr>
-            </a:outerShdw>
-          </a:effectLst>
+          <a:effectLst/>
         </a:effectStyle>
       </a:effectStyleLst>
       <a:bgFillStyleLst>
@@ -18541,7 +18701,7 @@
     <a:spDef>
       <a:spPr>
         <a:solidFill>
-          <a:srgbClr val="FFFFFF"/>
+          <a:srgbClr val="4285F4"/>
         </a:solidFill>
         <a:ln w="25400" cap="flat">
           <a:solidFill>
@@ -18553,7 +18713,7 @@
         <a:effectLst/>
         <a:sp3d/>
       </a:spPr>
-      <a:bodyPr rot="0" spcFirstLastPara="1" vertOverflow="overflow" horzOverflow="overflow" vert="horz" wrap="square" lIns="45719" tIns="45719" rIns="45719" bIns="45719" numCol="1" spcCol="38100" rtlCol="0" anchor="t" upright="0">
+      <a:bodyPr rot="0" spcFirstLastPara="1" vertOverflow="overflow" horzOverflow="overflow" vert="horz" wrap="square" lIns="45718" tIns="45718" rIns="45718" bIns="45718" numCol="1" spcCol="38100" rtlCol="0" anchor="t" upright="0">
         <a:spAutoFit/>
       </a:bodyPr>
       <a:lstStyle>
@@ -18577,14 +18737,14 @@
               <a:noFill/>
             </a:ln>
             <a:solidFill>
-              <a:srgbClr val="4285F4"/>
+              <a:srgbClr val="37474F"/>
             </a:solidFill>
             <a:effectLst/>
             <a:uFillTx/>
-            <a:latin typeface="+mj-lt"/>
-            <a:ea typeface="+mj-ea"/>
-            <a:cs typeface="+mj-cs"/>
-            <a:sym typeface="Arial"/>
+            <a:latin typeface="+mn-lt"/>
+            <a:ea typeface="+mn-ea"/>
+            <a:cs typeface="+mn-cs"/>
+            <a:sym typeface="Helvetica"/>
           </a:defRPr>
         </a:defPPr>
         <a:lvl1pPr marL="0" marR="0" indent="0" algn="l" defTabSz="914400" rtl="0" fontAlgn="auto" latinLnBrk="1" hangingPunct="0">
@@ -18839,13 +18999,7 @@
           <a:prstDash val="solid"/>
           <a:round/>
         </a:ln>
-        <a:effectLst>
-          <a:outerShdw sx="100000" sy="100000" kx="0" ky="0" algn="b" rotWithShape="0" blurRad="38100" dist="20000" dir="5400000">
-            <a:srgbClr val="000000">
-              <a:alpha val="38000"/>
-            </a:srgbClr>
-          </a:outerShdw>
-        </a:effectLst>
+        <a:effectLst/>
         <a:sp3d/>
       </a:spPr>
       <a:bodyPr rot="0" spcFirstLastPara="1" vertOverflow="overflow" horzOverflow="overflow" vert="horz" wrap="square" lIns="91439" tIns="45719" rIns="91439" bIns="45719" numCol="1" spcCol="38100" rtlCol="0" anchor="t" upright="0">
@@ -19130,7 +19284,7 @@
         <a:effectLst/>
         <a:sp3d/>
       </a:spPr>
-      <a:bodyPr rot="0" spcFirstLastPara="1" vertOverflow="overflow" horzOverflow="overflow" vert="horz" wrap="square" lIns="45719" tIns="45719" rIns="45719" bIns="45719" numCol="1" spcCol="38100" rtlCol="0" anchor="t" upright="0">
+      <a:bodyPr rot="0" spcFirstLastPara="1" vertOverflow="overflow" horzOverflow="overflow" vert="horz" wrap="square" lIns="45718" tIns="45718" rIns="45718" bIns="45718" numCol="1" spcCol="38100" rtlCol="0" anchor="t" upright="0">
         <a:spAutoFit/>
       </a:bodyPr>
       <a:lstStyle>
@@ -19154,14 +19308,14 @@
               <a:noFill/>
             </a:ln>
             <a:solidFill>
-              <a:srgbClr val="4285F4"/>
+              <a:srgbClr val="37474F"/>
             </a:solidFill>
             <a:effectLst/>
             <a:uFillTx/>
-            <a:latin typeface="+mj-lt"/>
-            <a:ea typeface="+mj-ea"/>
-            <a:cs typeface="+mj-cs"/>
-            <a:sym typeface="Arial"/>
+            <a:latin typeface="+mn-lt"/>
+            <a:ea typeface="+mn-ea"/>
+            <a:cs typeface="+mn-cs"/>
+            <a:sym typeface="Helvetica"/>
           </a:defRPr>
         </a:defPPr>
         <a:lvl1pPr marL="0" marR="0" indent="0" algn="l" defTabSz="914400" rtl="0" fontAlgn="auto" latinLnBrk="1" hangingPunct="0">
@@ -19542,13 +19696,7 @@
           <a:effectLst/>
         </a:effectStyle>
         <a:effectStyle>
-          <a:effectLst>
-            <a:outerShdw sx="100000" sy="100000" kx="0" ky="0" algn="b" rotWithShape="0" blurRad="38100" dist="20000" dir="5400000">
-              <a:srgbClr val="000000">
-                <a:alpha val="38000"/>
-              </a:srgbClr>
-            </a:outerShdw>
-          </a:effectLst>
+          <a:effectLst/>
         </a:effectStyle>
       </a:effectStyleLst>
       <a:bgFillStyleLst>
@@ -19607,7 +19755,7 @@
     <a:spDef>
       <a:spPr>
         <a:solidFill>
-          <a:srgbClr val="FFFFFF"/>
+          <a:srgbClr val="4285F4"/>
         </a:solidFill>
         <a:ln w="25400" cap="flat">
           <a:solidFill>
@@ -19619,7 +19767,7 @@
         <a:effectLst/>
         <a:sp3d/>
       </a:spPr>
-      <a:bodyPr rot="0" spcFirstLastPara="1" vertOverflow="overflow" horzOverflow="overflow" vert="horz" wrap="square" lIns="45719" tIns="45719" rIns="45719" bIns="45719" numCol="1" spcCol="38100" rtlCol="0" anchor="t" upright="0">
+      <a:bodyPr rot="0" spcFirstLastPara="1" vertOverflow="overflow" horzOverflow="overflow" vert="horz" wrap="square" lIns="45718" tIns="45718" rIns="45718" bIns="45718" numCol="1" spcCol="38100" rtlCol="0" anchor="t" upright="0">
         <a:spAutoFit/>
       </a:bodyPr>
       <a:lstStyle>
@@ -19643,14 +19791,14 @@
               <a:noFill/>
             </a:ln>
             <a:solidFill>
-              <a:srgbClr val="4285F4"/>
+              <a:srgbClr val="37474F"/>
             </a:solidFill>
             <a:effectLst/>
             <a:uFillTx/>
-            <a:latin typeface="+mj-lt"/>
-            <a:ea typeface="+mj-ea"/>
-            <a:cs typeface="+mj-cs"/>
-            <a:sym typeface="Arial"/>
+            <a:latin typeface="+mn-lt"/>
+            <a:ea typeface="+mn-ea"/>
+            <a:cs typeface="+mn-cs"/>
+            <a:sym typeface="Helvetica"/>
           </a:defRPr>
         </a:defPPr>
         <a:lvl1pPr marL="0" marR="0" indent="0" algn="l" defTabSz="914400" rtl="0" fontAlgn="auto" latinLnBrk="1" hangingPunct="0">
@@ -19905,13 +20053,7 @@
           <a:prstDash val="solid"/>
           <a:round/>
         </a:ln>
-        <a:effectLst>
-          <a:outerShdw sx="100000" sy="100000" kx="0" ky="0" algn="b" rotWithShape="0" blurRad="38100" dist="20000" dir="5400000">
-            <a:srgbClr val="000000">
-              <a:alpha val="38000"/>
-            </a:srgbClr>
-          </a:outerShdw>
-        </a:effectLst>
+        <a:effectLst/>
         <a:sp3d/>
       </a:spPr>
       <a:bodyPr rot="0" spcFirstLastPara="1" vertOverflow="overflow" horzOverflow="overflow" vert="horz" wrap="square" lIns="91439" tIns="45719" rIns="91439" bIns="45719" numCol="1" spcCol="38100" rtlCol="0" anchor="t" upright="0">
@@ -20196,7 +20338,7 @@
         <a:effectLst/>
         <a:sp3d/>
       </a:spPr>
-      <a:bodyPr rot="0" spcFirstLastPara="1" vertOverflow="overflow" horzOverflow="overflow" vert="horz" wrap="square" lIns="45719" tIns="45719" rIns="45719" bIns="45719" numCol="1" spcCol="38100" rtlCol="0" anchor="t" upright="0">
+      <a:bodyPr rot="0" spcFirstLastPara="1" vertOverflow="overflow" horzOverflow="overflow" vert="horz" wrap="square" lIns="45718" tIns="45718" rIns="45718" bIns="45718" numCol="1" spcCol="38100" rtlCol="0" anchor="t" upright="0">
         <a:spAutoFit/>
       </a:bodyPr>
       <a:lstStyle>
@@ -20220,14 +20362,14 @@
               <a:noFill/>
             </a:ln>
             <a:solidFill>
-              <a:srgbClr val="4285F4"/>
+              <a:srgbClr val="37474F"/>
             </a:solidFill>
             <a:effectLst/>
             <a:uFillTx/>
-            <a:latin typeface="+mj-lt"/>
-            <a:ea typeface="+mj-ea"/>
-            <a:cs typeface="+mj-cs"/>
-            <a:sym typeface="Arial"/>
+            <a:latin typeface="+mn-lt"/>
+            <a:ea typeface="+mn-ea"/>
+            <a:cs typeface="+mn-cs"/>
+            <a:sym typeface="Helvetica"/>
           </a:defRPr>
         </a:defPPr>
         <a:lvl1pPr marL="0" marR="0" indent="0" algn="l" defTabSz="914400" rtl="0" fontAlgn="auto" latinLnBrk="1" hangingPunct="0">
